--- a/docs/diagrams/Diagrams.pptx
+++ b/docs/diagrams/Diagrams.pptx
@@ -216,7 +216,7 @@
           <a:p>
             <a:fld id="{F5CC4B3F-88C1-4FFA-B1B6-F41C21DC6924}" type="datetimeFigureOut">
               <a:rPr lang="en-US" smtClean="0"/>
-              <a:t>10/25/2016</a:t>
+              <a:t>10/26/2016</a:t>
             </a:fld>
             <a:endParaRPr lang="en-US" dirty="0"/>
           </a:p>
@@ -662,7 +662,7 @@
           <a:p>
             <a:fld id="{78C97017-6FC3-485B-9764-EAC9E56C1D49}" type="datetimeFigureOut">
               <a:rPr lang="en-US" smtClean="0"/>
-              <a:t>10/25/2016</a:t>
+              <a:t>10/26/2016</a:t>
             </a:fld>
             <a:endParaRPr lang="en-US" dirty="0"/>
           </a:p>
@@ -830,7 +830,7 @@
           <a:p>
             <a:fld id="{78C97017-6FC3-485B-9764-EAC9E56C1D49}" type="datetimeFigureOut">
               <a:rPr lang="en-US" smtClean="0"/>
-              <a:t>10/25/2016</a:t>
+              <a:t>10/26/2016</a:t>
             </a:fld>
             <a:endParaRPr lang="en-US" dirty="0"/>
           </a:p>
@@ -1008,7 +1008,7 @@
           <a:p>
             <a:fld id="{78C97017-6FC3-485B-9764-EAC9E56C1D49}" type="datetimeFigureOut">
               <a:rPr lang="en-US" smtClean="0"/>
-              <a:t>10/25/2016</a:t>
+              <a:t>10/26/2016</a:t>
             </a:fld>
             <a:endParaRPr lang="en-US" dirty="0"/>
           </a:p>
@@ -1176,7 +1176,7 @@
           <a:p>
             <a:fld id="{78C97017-6FC3-485B-9764-EAC9E56C1D49}" type="datetimeFigureOut">
               <a:rPr lang="en-US" smtClean="0"/>
-              <a:t>10/25/2016</a:t>
+              <a:t>10/26/2016</a:t>
             </a:fld>
             <a:endParaRPr lang="en-US" dirty="0"/>
           </a:p>
@@ -1421,7 +1421,7 @@
           <a:p>
             <a:fld id="{78C97017-6FC3-485B-9764-EAC9E56C1D49}" type="datetimeFigureOut">
               <a:rPr lang="en-US" smtClean="0"/>
-              <a:t>10/25/2016</a:t>
+              <a:t>10/26/2016</a:t>
             </a:fld>
             <a:endParaRPr lang="en-US" dirty="0"/>
           </a:p>
@@ -1706,7 +1706,7 @@
           <a:p>
             <a:fld id="{78C97017-6FC3-485B-9764-EAC9E56C1D49}" type="datetimeFigureOut">
               <a:rPr lang="en-US" smtClean="0"/>
-              <a:t>10/25/2016</a:t>
+              <a:t>10/26/2016</a:t>
             </a:fld>
             <a:endParaRPr lang="en-US" dirty="0"/>
           </a:p>
@@ -2125,7 +2125,7 @@
           <a:p>
             <a:fld id="{78C97017-6FC3-485B-9764-EAC9E56C1D49}" type="datetimeFigureOut">
               <a:rPr lang="en-US" smtClean="0"/>
-              <a:t>10/25/2016</a:t>
+              <a:t>10/26/2016</a:t>
             </a:fld>
             <a:endParaRPr lang="en-US" dirty="0"/>
           </a:p>
@@ -2242,7 +2242,7 @@
           <a:p>
             <a:fld id="{78C97017-6FC3-485B-9764-EAC9E56C1D49}" type="datetimeFigureOut">
               <a:rPr lang="en-US" smtClean="0"/>
-              <a:t>10/25/2016</a:t>
+              <a:t>10/26/2016</a:t>
             </a:fld>
             <a:endParaRPr lang="en-US" dirty="0"/>
           </a:p>
@@ -2337,7 +2337,7 @@
           <a:p>
             <a:fld id="{78C97017-6FC3-485B-9764-EAC9E56C1D49}" type="datetimeFigureOut">
               <a:rPr lang="en-US" smtClean="0"/>
-              <a:t>10/25/2016</a:t>
+              <a:t>10/26/2016</a:t>
             </a:fld>
             <a:endParaRPr lang="en-US" dirty="0"/>
           </a:p>
@@ -2612,7 +2612,7 @@
           <a:p>
             <a:fld id="{78C97017-6FC3-485B-9764-EAC9E56C1D49}" type="datetimeFigureOut">
               <a:rPr lang="en-US" smtClean="0"/>
-              <a:t>10/25/2016</a:t>
+              <a:t>10/26/2016</a:t>
             </a:fld>
             <a:endParaRPr lang="en-US" dirty="0"/>
           </a:p>
@@ -2864,7 +2864,7 @@
           <a:p>
             <a:fld id="{78C97017-6FC3-485B-9764-EAC9E56C1D49}" type="datetimeFigureOut">
               <a:rPr lang="en-US" smtClean="0"/>
-              <a:t>10/25/2016</a:t>
+              <a:t>10/26/2016</a:t>
             </a:fld>
             <a:endParaRPr lang="en-US" dirty="0"/>
           </a:p>
@@ -3075,7 +3075,7 @@
           <a:p>
             <a:fld id="{78C97017-6FC3-485B-9764-EAC9E56C1D49}" type="datetimeFigureOut">
               <a:rPr lang="en-US" smtClean="0"/>
-              <a:t>10/25/2016</a:t>
+              <a:t>10/26/2016</a:t>
             </a:fld>
             <a:endParaRPr lang="en-US" dirty="0"/>
           </a:p>
@@ -10308,13 +10308,11 @@
       <p:cxnSp>
         <p:nvCxnSpPr>
           <p:cNvPr id="19" name="Elbow Connector 106"/>
-          <p:cNvCxnSpPr>
-            <a:endCxn id="18" idx="1"/>
-          </p:cNvCxnSpPr>
+          <p:cNvCxnSpPr/>
           <p:nvPr/>
         </p:nvCxnSpPr>
         <p:spPr>
-          <a:xfrm flipV="1">
+          <a:xfrm flipH="1" flipV="1">
             <a:off x="5252622" y="3939539"/>
             <a:ext cx="531847" cy="2146"/>
           </a:xfrm>
@@ -10329,7 +10327,7 @@
             </a:solidFill>
             <a:prstDash val="solid"/>
             <a:headEnd type="none" w="med" len="med"/>
-            <a:tailEnd type="arrow" w="med" len="med"/>
+            <a:tailEnd type="triangle" w="lg" len="lg"/>
           </a:ln>
           <a:effectLst/>
         </p:spPr>

--- a/docs/diagrams/Diagrams.pptx
+++ b/docs/diagrams/Diagrams.pptx
@@ -18,7 +18,7 @@
     <p:sldId id="264" r:id="rId9"/>
     <p:sldId id="265" r:id="rId10"/>
   </p:sldIdLst>
-  <p:sldSz cx="9144000" cy="6858000" type="screen4x3"/>
+  <p:sldSz cx="12192000" cy="6858000"/>
   <p:notesSz cx="6858000" cy="9144000"/>
   <p:defaultTextStyle>
     <a:defPPr>
@@ -115,6 +115,22 @@
       </a:defRPr>
     </a:lvl9pPr>
   </p:defaultTextStyle>
+  <p:extLst>
+    <p:ext uri="{EFAFB233-063F-42B5-8137-9DF3F51BA10A}">
+      <p15:sldGuideLst xmlns:p15="http://schemas.microsoft.com/office/powerpoint/2012/main">
+        <p15:guide id="1" orient="horz" pos="1488" userDrawn="1">
+          <p15:clr>
+            <a:srgbClr val="A4A3A4"/>
+          </p15:clr>
+        </p15:guide>
+        <p15:guide id="2" pos="3840" userDrawn="1">
+          <p15:clr>
+            <a:srgbClr val="A4A3A4"/>
+          </p15:clr>
+        </p15:guide>
+      </p15:sldGuideLst>
+    </p:ext>
+  </p:extLst>
 </p:presentation>
 </file>
 
@@ -167,7 +183,7 @@
             </a:lvl1pPr>
           </a:lstStyle>
           <a:p>
-            <a:endParaRPr lang="en-US"/>
+            <a:endParaRPr lang="en-US" dirty="0"/>
           </a:p>
         </p:txBody>
       </p:sp>
@@ -200,9 +216,9 @@
           <a:p>
             <a:fld id="{F5CC4B3F-88C1-4FFA-B1B6-F41C21DC6924}" type="datetimeFigureOut">
               <a:rPr lang="en-US" smtClean="0"/>
-              <a:t>9/30/2016</a:t>
+              <a:t>10/26/2016</a:t>
             </a:fld>
-            <a:endParaRPr lang="en-US"/>
+            <a:endParaRPr lang="en-US" dirty="0"/>
           </a:p>
         </p:txBody>
       </p:sp>
@@ -218,8 +234,8 @@
         </p:nvSpPr>
         <p:spPr>
           <a:xfrm>
-            <a:off x="1143000" y="685800"/>
-            <a:ext cx="4572000" cy="3429000"/>
+            <a:off x="381000" y="685800"/>
+            <a:ext cx="6096000" cy="3429000"/>
           </a:xfrm>
           <a:prstGeom prst="rect">
             <a:avLst/>
@@ -235,7 +251,7 @@
           <a:bodyPr vert="horz" lIns="91440" tIns="45720" rIns="91440" bIns="45720" rtlCol="0" anchor="ctr"/>
           <a:lstStyle/>
           <a:p>
-            <a:endParaRPr lang="en-US"/>
+            <a:endParaRPr lang="en-US" dirty="0"/>
           </a:p>
         </p:txBody>
       </p:sp>
@@ -264,38 +280,37 @@
           <a:p>
             <a:pPr lvl="0"/>
             <a:r>
-              <a:rPr lang="en-US" smtClean="0"/>
+              <a:rPr lang="en-US"/>
               <a:t>Click to edit Master text styles</a:t>
             </a:r>
           </a:p>
           <a:p>
             <a:pPr lvl="1"/>
             <a:r>
-              <a:rPr lang="en-US" smtClean="0"/>
+              <a:rPr lang="en-US"/>
               <a:t>Second level</a:t>
             </a:r>
           </a:p>
           <a:p>
             <a:pPr lvl="2"/>
             <a:r>
-              <a:rPr lang="en-US" smtClean="0"/>
+              <a:rPr lang="en-US"/>
               <a:t>Third level</a:t>
             </a:r>
           </a:p>
           <a:p>
             <a:pPr lvl="3"/>
             <a:r>
-              <a:rPr lang="en-US" smtClean="0"/>
+              <a:rPr lang="en-US"/>
               <a:t>Fourth level</a:t>
             </a:r>
           </a:p>
           <a:p>
             <a:pPr lvl="4"/>
             <a:r>
-              <a:rPr lang="en-US" smtClean="0"/>
+              <a:rPr lang="en-US"/>
               <a:t>Fifth level</a:t>
             </a:r>
-            <a:endParaRPr lang="en-US"/>
           </a:p>
         </p:txBody>
       </p:sp>
@@ -326,7 +341,7 @@
             </a:lvl1pPr>
           </a:lstStyle>
           <a:p>
-            <a:endParaRPr lang="en-US"/>
+            <a:endParaRPr lang="en-US" dirty="0"/>
           </a:p>
         </p:txBody>
       </p:sp>
@@ -361,7 +376,7 @@
               <a:rPr lang="en-US" smtClean="0"/>
               <a:t>‹#›</a:t>
             </a:fld>
-            <a:endParaRPr lang="en-US"/>
+            <a:endParaRPr lang="en-US" dirty="0"/>
           </a:p>
         </p:txBody>
       </p:sp>
@@ -497,8 +512,8 @@
         </p:nvSpPr>
         <p:spPr>
           <a:xfrm>
-            <a:off x="685800" y="2130425"/>
-            <a:ext cx="7772400" cy="1470025"/>
+            <a:off x="914400" y="2130426"/>
+            <a:ext cx="10363200" cy="1470025"/>
           </a:xfrm>
         </p:spPr>
         <p:txBody>
@@ -506,10 +521,9 @@
           <a:lstStyle/>
           <a:p>
             <a:r>
-              <a:rPr lang="en-US" smtClean="0"/>
+              <a:rPr lang="en-US"/>
               <a:t>Click to edit Master title style</a:t>
             </a:r>
-            <a:endParaRPr lang="en-US"/>
           </a:p>
         </p:txBody>
       </p:sp>
@@ -525,8 +539,8 @@
         </p:nvSpPr>
         <p:spPr>
           <a:xfrm>
-            <a:off x="1371600" y="3886200"/>
-            <a:ext cx="6400800" cy="1752600"/>
+            <a:off x="1828800" y="3886200"/>
+            <a:ext cx="8534400" cy="1752600"/>
           </a:xfrm>
         </p:spPr>
         <p:txBody>
@@ -625,10 +639,9 @@
           </a:lstStyle>
           <a:p>
             <a:r>
-              <a:rPr lang="en-US" smtClean="0"/>
+              <a:rPr lang="en-US"/>
               <a:t>Click to edit Master subtitle style</a:t>
             </a:r>
-            <a:endParaRPr lang="en-US"/>
           </a:p>
         </p:txBody>
       </p:sp>
@@ -649,9 +662,9 @@
           <a:p>
             <a:fld id="{78C97017-6FC3-485B-9764-EAC9E56C1D49}" type="datetimeFigureOut">
               <a:rPr lang="en-US" smtClean="0"/>
-              <a:t>9/30/2016</a:t>
+              <a:t>10/26/2016</a:t>
             </a:fld>
-            <a:endParaRPr lang="en-US"/>
+            <a:endParaRPr lang="en-US" dirty="0"/>
           </a:p>
         </p:txBody>
       </p:sp>
@@ -670,7 +683,7 @@
           <a:bodyPr/>
           <a:lstStyle/>
           <a:p>
-            <a:endParaRPr lang="en-US"/>
+            <a:endParaRPr lang="en-US" dirty="0"/>
           </a:p>
         </p:txBody>
       </p:sp>
@@ -693,7 +706,7 @@
               <a:rPr lang="en-US" smtClean="0"/>
               <a:t>‹#›</a:t>
             </a:fld>
-            <a:endParaRPr lang="en-US"/>
+            <a:endParaRPr lang="en-US" dirty="0"/>
           </a:p>
         </p:txBody>
       </p:sp>
@@ -743,10 +756,9 @@
           <a:lstStyle/>
           <a:p>
             <a:r>
-              <a:rPr lang="en-US" smtClean="0"/>
+              <a:rPr lang="en-US"/>
               <a:t>Click to edit Master title style</a:t>
             </a:r>
-            <a:endParaRPr lang="en-US"/>
           </a:p>
         </p:txBody>
       </p:sp>
@@ -767,38 +779,37 @@
           <a:p>
             <a:pPr lvl="0"/>
             <a:r>
-              <a:rPr lang="en-US" smtClean="0"/>
+              <a:rPr lang="en-US"/>
               <a:t>Click to edit Master text styles</a:t>
             </a:r>
           </a:p>
           <a:p>
             <a:pPr lvl="1"/>
             <a:r>
-              <a:rPr lang="en-US" smtClean="0"/>
+              <a:rPr lang="en-US"/>
               <a:t>Second level</a:t>
             </a:r>
           </a:p>
           <a:p>
             <a:pPr lvl="2"/>
             <a:r>
-              <a:rPr lang="en-US" smtClean="0"/>
+              <a:rPr lang="en-US"/>
               <a:t>Third level</a:t>
             </a:r>
           </a:p>
           <a:p>
             <a:pPr lvl="3"/>
             <a:r>
-              <a:rPr lang="en-US" smtClean="0"/>
+              <a:rPr lang="en-US"/>
               <a:t>Fourth level</a:t>
             </a:r>
           </a:p>
           <a:p>
             <a:pPr lvl="4"/>
             <a:r>
-              <a:rPr lang="en-US" smtClean="0"/>
+              <a:rPr lang="en-US"/>
               <a:t>Fifth level</a:t>
             </a:r>
-            <a:endParaRPr lang="en-US"/>
           </a:p>
         </p:txBody>
       </p:sp>
@@ -819,9 +830,9 @@
           <a:p>
             <a:fld id="{78C97017-6FC3-485B-9764-EAC9E56C1D49}" type="datetimeFigureOut">
               <a:rPr lang="en-US" smtClean="0"/>
-              <a:t>9/30/2016</a:t>
+              <a:t>10/26/2016</a:t>
             </a:fld>
-            <a:endParaRPr lang="en-US"/>
+            <a:endParaRPr lang="en-US" dirty="0"/>
           </a:p>
         </p:txBody>
       </p:sp>
@@ -840,7 +851,7 @@
           <a:bodyPr/>
           <a:lstStyle/>
           <a:p>
-            <a:endParaRPr lang="en-US"/>
+            <a:endParaRPr lang="en-US" dirty="0"/>
           </a:p>
         </p:txBody>
       </p:sp>
@@ -863,7 +874,7 @@
               <a:rPr lang="en-US" smtClean="0"/>
               <a:t>‹#›</a:t>
             </a:fld>
-            <a:endParaRPr lang="en-US"/>
+            <a:endParaRPr lang="en-US" dirty="0"/>
           </a:p>
         </p:txBody>
       </p:sp>
@@ -909,8 +920,8 @@
         </p:nvSpPr>
         <p:spPr>
           <a:xfrm>
-            <a:off x="6629400" y="274638"/>
-            <a:ext cx="2057400" cy="5851525"/>
+            <a:off x="8839200" y="274639"/>
+            <a:ext cx="2743200" cy="5851525"/>
           </a:xfrm>
         </p:spPr>
         <p:txBody>
@@ -918,10 +929,9 @@
           <a:lstStyle/>
           <a:p>
             <a:r>
-              <a:rPr lang="en-US" smtClean="0"/>
+              <a:rPr lang="en-US"/>
               <a:t>Click to edit Master title style</a:t>
             </a:r>
-            <a:endParaRPr lang="en-US"/>
           </a:p>
         </p:txBody>
       </p:sp>
@@ -937,8 +947,8 @@
         </p:nvSpPr>
         <p:spPr>
           <a:xfrm>
-            <a:off x="457200" y="274638"/>
-            <a:ext cx="6019800" cy="5851525"/>
+            <a:off x="609600" y="274639"/>
+            <a:ext cx="8026400" cy="5851525"/>
           </a:xfrm>
         </p:spPr>
         <p:txBody>
@@ -947,38 +957,37 @@
           <a:p>
             <a:pPr lvl="0"/>
             <a:r>
-              <a:rPr lang="en-US" smtClean="0"/>
+              <a:rPr lang="en-US"/>
               <a:t>Click to edit Master text styles</a:t>
             </a:r>
           </a:p>
           <a:p>
             <a:pPr lvl="1"/>
             <a:r>
-              <a:rPr lang="en-US" smtClean="0"/>
+              <a:rPr lang="en-US"/>
               <a:t>Second level</a:t>
             </a:r>
           </a:p>
           <a:p>
             <a:pPr lvl="2"/>
             <a:r>
-              <a:rPr lang="en-US" smtClean="0"/>
+              <a:rPr lang="en-US"/>
               <a:t>Third level</a:t>
             </a:r>
           </a:p>
           <a:p>
             <a:pPr lvl="3"/>
             <a:r>
-              <a:rPr lang="en-US" smtClean="0"/>
+              <a:rPr lang="en-US"/>
               <a:t>Fourth level</a:t>
             </a:r>
           </a:p>
           <a:p>
             <a:pPr lvl="4"/>
             <a:r>
-              <a:rPr lang="en-US" smtClean="0"/>
+              <a:rPr lang="en-US"/>
               <a:t>Fifth level</a:t>
             </a:r>
-            <a:endParaRPr lang="en-US"/>
           </a:p>
         </p:txBody>
       </p:sp>
@@ -999,9 +1008,9 @@
           <a:p>
             <a:fld id="{78C97017-6FC3-485B-9764-EAC9E56C1D49}" type="datetimeFigureOut">
               <a:rPr lang="en-US" smtClean="0"/>
-              <a:t>9/30/2016</a:t>
+              <a:t>10/26/2016</a:t>
             </a:fld>
-            <a:endParaRPr lang="en-US"/>
+            <a:endParaRPr lang="en-US" dirty="0"/>
           </a:p>
         </p:txBody>
       </p:sp>
@@ -1020,7 +1029,7 @@
           <a:bodyPr/>
           <a:lstStyle/>
           <a:p>
-            <a:endParaRPr lang="en-US"/>
+            <a:endParaRPr lang="en-US" dirty="0"/>
           </a:p>
         </p:txBody>
       </p:sp>
@@ -1043,7 +1052,7 @@
               <a:rPr lang="en-US" smtClean="0"/>
               <a:t>‹#›</a:t>
             </a:fld>
-            <a:endParaRPr lang="en-US"/>
+            <a:endParaRPr lang="en-US" dirty="0"/>
           </a:p>
         </p:txBody>
       </p:sp>
@@ -1093,10 +1102,9 @@
           <a:lstStyle/>
           <a:p>
             <a:r>
-              <a:rPr lang="en-US" smtClean="0"/>
+              <a:rPr lang="en-US"/>
               <a:t>Click to edit Master title style</a:t>
             </a:r>
-            <a:endParaRPr lang="en-US"/>
           </a:p>
         </p:txBody>
       </p:sp>
@@ -1117,38 +1125,37 @@
           <a:p>
             <a:pPr lvl="0"/>
             <a:r>
-              <a:rPr lang="en-US" smtClean="0"/>
+              <a:rPr lang="en-US"/>
               <a:t>Click to edit Master text styles</a:t>
             </a:r>
           </a:p>
           <a:p>
             <a:pPr lvl="1"/>
             <a:r>
-              <a:rPr lang="en-US" smtClean="0"/>
+              <a:rPr lang="en-US"/>
               <a:t>Second level</a:t>
             </a:r>
           </a:p>
           <a:p>
             <a:pPr lvl="2"/>
             <a:r>
-              <a:rPr lang="en-US" smtClean="0"/>
+              <a:rPr lang="en-US"/>
               <a:t>Third level</a:t>
             </a:r>
           </a:p>
           <a:p>
             <a:pPr lvl="3"/>
             <a:r>
-              <a:rPr lang="en-US" smtClean="0"/>
+              <a:rPr lang="en-US"/>
               <a:t>Fourth level</a:t>
             </a:r>
           </a:p>
           <a:p>
             <a:pPr lvl="4"/>
             <a:r>
-              <a:rPr lang="en-US" smtClean="0"/>
+              <a:rPr lang="en-US"/>
               <a:t>Fifth level</a:t>
             </a:r>
-            <a:endParaRPr lang="en-US"/>
           </a:p>
         </p:txBody>
       </p:sp>
@@ -1169,9 +1176,9 @@
           <a:p>
             <a:fld id="{78C97017-6FC3-485B-9764-EAC9E56C1D49}" type="datetimeFigureOut">
               <a:rPr lang="en-US" smtClean="0"/>
-              <a:t>9/30/2016</a:t>
+              <a:t>10/26/2016</a:t>
             </a:fld>
-            <a:endParaRPr lang="en-US"/>
+            <a:endParaRPr lang="en-US" dirty="0"/>
           </a:p>
         </p:txBody>
       </p:sp>
@@ -1190,7 +1197,7 @@
           <a:bodyPr/>
           <a:lstStyle/>
           <a:p>
-            <a:endParaRPr lang="en-US"/>
+            <a:endParaRPr lang="en-US" dirty="0"/>
           </a:p>
         </p:txBody>
       </p:sp>
@@ -1213,7 +1220,7 @@
               <a:rPr lang="en-US" smtClean="0"/>
               <a:t>‹#›</a:t>
             </a:fld>
-            <a:endParaRPr lang="en-US"/>
+            <a:endParaRPr lang="en-US" dirty="0"/>
           </a:p>
         </p:txBody>
       </p:sp>
@@ -1259,8 +1266,8 @@
         </p:nvSpPr>
         <p:spPr>
           <a:xfrm>
-            <a:off x="722313" y="4406900"/>
-            <a:ext cx="7772400" cy="1362075"/>
+            <a:off x="963084" y="4406901"/>
+            <a:ext cx="10363200" cy="1362075"/>
           </a:xfrm>
         </p:spPr>
         <p:txBody>
@@ -1272,10 +1279,9 @@
           </a:lstStyle>
           <a:p>
             <a:r>
-              <a:rPr lang="en-US" smtClean="0"/>
+              <a:rPr lang="en-US"/>
               <a:t>Click to edit Master title style</a:t>
             </a:r>
-            <a:endParaRPr lang="en-US"/>
           </a:p>
         </p:txBody>
       </p:sp>
@@ -1291,8 +1297,8 @@
         </p:nvSpPr>
         <p:spPr>
           <a:xfrm>
-            <a:off x="722313" y="2906713"/>
-            <a:ext cx="7772400" cy="1500187"/>
+            <a:off x="963084" y="2906713"/>
+            <a:ext cx="10363200" cy="1500187"/>
           </a:xfrm>
         </p:spPr>
         <p:txBody>
@@ -1392,7 +1398,7 @@
           <a:p>
             <a:pPr lvl="0"/>
             <a:r>
-              <a:rPr lang="en-US" smtClean="0"/>
+              <a:rPr lang="en-US"/>
               <a:t>Click to edit Master text styles</a:t>
             </a:r>
           </a:p>
@@ -1415,9 +1421,9 @@
           <a:p>
             <a:fld id="{78C97017-6FC3-485B-9764-EAC9E56C1D49}" type="datetimeFigureOut">
               <a:rPr lang="en-US" smtClean="0"/>
-              <a:t>9/30/2016</a:t>
+              <a:t>10/26/2016</a:t>
             </a:fld>
-            <a:endParaRPr lang="en-US"/>
+            <a:endParaRPr lang="en-US" dirty="0"/>
           </a:p>
         </p:txBody>
       </p:sp>
@@ -1436,7 +1442,7 @@
           <a:bodyPr/>
           <a:lstStyle/>
           <a:p>
-            <a:endParaRPr lang="en-US"/>
+            <a:endParaRPr lang="en-US" dirty="0"/>
           </a:p>
         </p:txBody>
       </p:sp>
@@ -1459,7 +1465,7 @@
               <a:rPr lang="en-US" smtClean="0"/>
               <a:t>‹#›</a:t>
             </a:fld>
-            <a:endParaRPr lang="en-US"/>
+            <a:endParaRPr lang="en-US" dirty="0"/>
           </a:p>
         </p:txBody>
       </p:sp>
@@ -1509,10 +1515,9 @@
           <a:lstStyle/>
           <a:p>
             <a:r>
-              <a:rPr lang="en-US" smtClean="0"/>
+              <a:rPr lang="en-US"/>
               <a:t>Click to edit Master title style</a:t>
             </a:r>
-            <a:endParaRPr lang="en-US"/>
           </a:p>
         </p:txBody>
       </p:sp>
@@ -1528,8 +1533,8 @@
         </p:nvSpPr>
         <p:spPr>
           <a:xfrm>
-            <a:off x="457200" y="1600200"/>
-            <a:ext cx="4038600" cy="4525963"/>
+            <a:off x="609600" y="1600201"/>
+            <a:ext cx="5384800" cy="4525963"/>
           </a:xfrm>
         </p:spPr>
         <p:txBody>
@@ -1566,38 +1571,37 @@
           <a:p>
             <a:pPr lvl="0"/>
             <a:r>
-              <a:rPr lang="en-US" smtClean="0"/>
+              <a:rPr lang="en-US"/>
               <a:t>Click to edit Master text styles</a:t>
             </a:r>
           </a:p>
           <a:p>
             <a:pPr lvl="1"/>
             <a:r>
-              <a:rPr lang="en-US" smtClean="0"/>
+              <a:rPr lang="en-US"/>
               <a:t>Second level</a:t>
             </a:r>
           </a:p>
           <a:p>
             <a:pPr lvl="2"/>
             <a:r>
-              <a:rPr lang="en-US" smtClean="0"/>
+              <a:rPr lang="en-US"/>
               <a:t>Third level</a:t>
             </a:r>
           </a:p>
           <a:p>
             <a:pPr lvl="3"/>
             <a:r>
-              <a:rPr lang="en-US" smtClean="0"/>
+              <a:rPr lang="en-US"/>
               <a:t>Fourth level</a:t>
             </a:r>
           </a:p>
           <a:p>
             <a:pPr lvl="4"/>
             <a:r>
-              <a:rPr lang="en-US" smtClean="0"/>
+              <a:rPr lang="en-US"/>
               <a:t>Fifth level</a:t>
             </a:r>
-            <a:endParaRPr lang="en-US"/>
           </a:p>
         </p:txBody>
       </p:sp>
@@ -1613,8 +1617,8 @@
         </p:nvSpPr>
         <p:spPr>
           <a:xfrm>
-            <a:off x="4648200" y="1600200"/>
-            <a:ext cx="4038600" cy="4525963"/>
+            <a:off x="6197600" y="1600201"/>
+            <a:ext cx="5384800" cy="4525963"/>
           </a:xfrm>
         </p:spPr>
         <p:txBody>
@@ -1651,38 +1655,37 @@
           <a:p>
             <a:pPr lvl="0"/>
             <a:r>
-              <a:rPr lang="en-US" smtClean="0"/>
+              <a:rPr lang="en-US"/>
               <a:t>Click to edit Master text styles</a:t>
             </a:r>
           </a:p>
           <a:p>
             <a:pPr lvl="1"/>
             <a:r>
-              <a:rPr lang="en-US" smtClean="0"/>
+              <a:rPr lang="en-US"/>
               <a:t>Second level</a:t>
             </a:r>
           </a:p>
           <a:p>
             <a:pPr lvl="2"/>
             <a:r>
-              <a:rPr lang="en-US" smtClean="0"/>
+              <a:rPr lang="en-US"/>
               <a:t>Third level</a:t>
             </a:r>
           </a:p>
           <a:p>
             <a:pPr lvl="3"/>
             <a:r>
-              <a:rPr lang="en-US" smtClean="0"/>
+              <a:rPr lang="en-US"/>
               <a:t>Fourth level</a:t>
             </a:r>
           </a:p>
           <a:p>
             <a:pPr lvl="4"/>
             <a:r>
-              <a:rPr lang="en-US" smtClean="0"/>
+              <a:rPr lang="en-US"/>
               <a:t>Fifth level</a:t>
             </a:r>
-            <a:endParaRPr lang="en-US"/>
           </a:p>
         </p:txBody>
       </p:sp>
@@ -1703,9 +1706,9 @@
           <a:p>
             <a:fld id="{78C97017-6FC3-485B-9764-EAC9E56C1D49}" type="datetimeFigureOut">
               <a:rPr lang="en-US" smtClean="0"/>
-              <a:t>9/30/2016</a:t>
+              <a:t>10/26/2016</a:t>
             </a:fld>
-            <a:endParaRPr lang="en-US"/>
+            <a:endParaRPr lang="en-US" dirty="0"/>
           </a:p>
         </p:txBody>
       </p:sp>
@@ -1724,7 +1727,7 @@
           <a:bodyPr/>
           <a:lstStyle/>
           <a:p>
-            <a:endParaRPr lang="en-US"/>
+            <a:endParaRPr lang="en-US" dirty="0"/>
           </a:p>
         </p:txBody>
       </p:sp>
@@ -1747,7 +1750,7 @@
               <a:rPr lang="en-US" smtClean="0"/>
               <a:t>‹#›</a:t>
             </a:fld>
-            <a:endParaRPr lang="en-US"/>
+            <a:endParaRPr lang="en-US" dirty="0"/>
           </a:p>
         </p:txBody>
       </p:sp>
@@ -1801,10 +1804,9 @@
           </a:lstStyle>
           <a:p>
             <a:r>
-              <a:rPr lang="en-US" smtClean="0"/>
+              <a:rPr lang="en-US"/>
               <a:t>Click to edit Master title style</a:t>
             </a:r>
-            <a:endParaRPr lang="en-US"/>
           </a:p>
         </p:txBody>
       </p:sp>
@@ -1820,8 +1822,8 @@
         </p:nvSpPr>
         <p:spPr>
           <a:xfrm>
-            <a:off x="457200" y="1535113"/>
-            <a:ext cx="4040188" cy="639762"/>
+            <a:off x="609600" y="1535113"/>
+            <a:ext cx="5386917" cy="639762"/>
           </a:xfrm>
         </p:spPr>
         <p:txBody>
@@ -1867,7 +1869,7 @@
           <a:p>
             <a:pPr lvl="0"/>
             <a:r>
-              <a:rPr lang="en-US" smtClean="0"/>
+              <a:rPr lang="en-US"/>
               <a:t>Click to edit Master text styles</a:t>
             </a:r>
           </a:p>
@@ -1885,8 +1887,8 @@
         </p:nvSpPr>
         <p:spPr>
           <a:xfrm>
-            <a:off x="457200" y="2174875"/>
-            <a:ext cx="4040188" cy="3951288"/>
+            <a:off x="609600" y="2174875"/>
+            <a:ext cx="5386917" cy="3951288"/>
           </a:xfrm>
         </p:spPr>
         <p:txBody>
@@ -1923,38 +1925,37 @@
           <a:p>
             <a:pPr lvl="0"/>
             <a:r>
-              <a:rPr lang="en-US" smtClean="0"/>
+              <a:rPr lang="en-US"/>
               <a:t>Click to edit Master text styles</a:t>
             </a:r>
           </a:p>
           <a:p>
             <a:pPr lvl="1"/>
             <a:r>
-              <a:rPr lang="en-US" smtClean="0"/>
+              <a:rPr lang="en-US"/>
               <a:t>Second level</a:t>
             </a:r>
           </a:p>
           <a:p>
             <a:pPr lvl="2"/>
             <a:r>
-              <a:rPr lang="en-US" smtClean="0"/>
+              <a:rPr lang="en-US"/>
               <a:t>Third level</a:t>
             </a:r>
           </a:p>
           <a:p>
             <a:pPr lvl="3"/>
             <a:r>
-              <a:rPr lang="en-US" smtClean="0"/>
+              <a:rPr lang="en-US"/>
               <a:t>Fourth level</a:t>
             </a:r>
           </a:p>
           <a:p>
             <a:pPr lvl="4"/>
             <a:r>
-              <a:rPr lang="en-US" smtClean="0"/>
+              <a:rPr lang="en-US"/>
               <a:t>Fifth level</a:t>
             </a:r>
-            <a:endParaRPr lang="en-US"/>
           </a:p>
         </p:txBody>
       </p:sp>
@@ -1970,8 +1971,8 @@
         </p:nvSpPr>
         <p:spPr>
           <a:xfrm>
-            <a:off x="4645025" y="1535113"/>
-            <a:ext cx="4041775" cy="639762"/>
+            <a:off x="6193368" y="1535113"/>
+            <a:ext cx="5389033" cy="639762"/>
           </a:xfrm>
         </p:spPr>
         <p:txBody>
@@ -2017,7 +2018,7 @@
           <a:p>
             <a:pPr lvl="0"/>
             <a:r>
-              <a:rPr lang="en-US" smtClean="0"/>
+              <a:rPr lang="en-US"/>
               <a:t>Click to edit Master text styles</a:t>
             </a:r>
           </a:p>
@@ -2035,8 +2036,8 @@
         </p:nvSpPr>
         <p:spPr>
           <a:xfrm>
-            <a:off x="4645025" y="2174875"/>
-            <a:ext cx="4041775" cy="3951288"/>
+            <a:off x="6193368" y="2174875"/>
+            <a:ext cx="5389033" cy="3951288"/>
           </a:xfrm>
         </p:spPr>
         <p:txBody>
@@ -2073,38 +2074,37 @@
           <a:p>
             <a:pPr lvl="0"/>
             <a:r>
-              <a:rPr lang="en-US" smtClean="0"/>
+              <a:rPr lang="en-US"/>
               <a:t>Click to edit Master text styles</a:t>
             </a:r>
           </a:p>
           <a:p>
             <a:pPr lvl="1"/>
             <a:r>
-              <a:rPr lang="en-US" smtClean="0"/>
+              <a:rPr lang="en-US"/>
               <a:t>Second level</a:t>
             </a:r>
           </a:p>
           <a:p>
             <a:pPr lvl="2"/>
             <a:r>
-              <a:rPr lang="en-US" smtClean="0"/>
+              <a:rPr lang="en-US"/>
               <a:t>Third level</a:t>
             </a:r>
           </a:p>
           <a:p>
             <a:pPr lvl="3"/>
             <a:r>
-              <a:rPr lang="en-US" smtClean="0"/>
+              <a:rPr lang="en-US"/>
               <a:t>Fourth level</a:t>
             </a:r>
           </a:p>
           <a:p>
             <a:pPr lvl="4"/>
             <a:r>
-              <a:rPr lang="en-US" smtClean="0"/>
+              <a:rPr lang="en-US"/>
               <a:t>Fifth level</a:t>
             </a:r>
-            <a:endParaRPr lang="en-US"/>
           </a:p>
         </p:txBody>
       </p:sp>
@@ -2125,9 +2125,9 @@
           <a:p>
             <a:fld id="{78C97017-6FC3-485B-9764-EAC9E56C1D49}" type="datetimeFigureOut">
               <a:rPr lang="en-US" smtClean="0"/>
-              <a:t>9/30/2016</a:t>
+              <a:t>10/26/2016</a:t>
             </a:fld>
-            <a:endParaRPr lang="en-US"/>
+            <a:endParaRPr lang="en-US" dirty="0"/>
           </a:p>
         </p:txBody>
       </p:sp>
@@ -2146,7 +2146,7 @@
           <a:bodyPr/>
           <a:lstStyle/>
           <a:p>
-            <a:endParaRPr lang="en-US"/>
+            <a:endParaRPr lang="en-US" dirty="0"/>
           </a:p>
         </p:txBody>
       </p:sp>
@@ -2169,7 +2169,7 @@
               <a:rPr lang="en-US" smtClean="0"/>
               <a:t>‹#›</a:t>
             </a:fld>
-            <a:endParaRPr lang="en-US"/>
+            <a:endParaRPr lang="en-US" dirty="0"/>
           </a:p>
         </p:txBody>
       </p:sp>
@@ -2219,10 +2219,9 @@
           <a:lstStyle/>
           <a:p>
             <a:r>
-              <a:rPr lang="en-US" smtClean="0"/>
+              <a:rPr lang="en-US"/>
               <a:t>Click to edit Master title style</a:t>
             </a:r>
-            <a:endParaRPr lang="en-US"/>
           </a:p>
         </p:txBody>
       </p:sp>
@@ -2243,9 +2242,9 @@
           <a:p>
             <a:fld id="{78C97017-6FC3-485B-9764-EAC9E56C1D49}" type="datetimeFigureOut">
               <a:rPr lang="en-US" smtClean="0"/>
-              <a:t>9/30/2016</a:t>
+              <a:t>10/26/2016</a:t>
             </a:fld>
-            <a:endParaRPr lang="en-US"/>
+            <a:endParaRPr lang="en-US" dirty="0"/>
           </a:p>
         </p:txBody>
       </p:sp>
@@ -2264,7 +2263,7 @@
           <a:bodyPr/>
           <a:lstStyle/>
           <a:p>
-            <a:endParaRPr lang="en-US"/>
+            <a:endParaRPr lang="en-US" dirty="0"/>
           </a:p>
         </p:txBody>
       </p:sp>
@@ -2287,7 +2286,7 @@
               <a:rPr lang="en-US" smtClean="0"/>
               <a:t>‹#›</a:t>
             </a:fld>
-            <a:endParaRPr lang="en-US"/>
+            <a:endParaRPr lang="en-US" dirty="0"/>
           </a:p>
         </p:txBody>
       </p:sp>
@@ -2338,9 +2337,9 @@
           <a:p>
             <a:fld id="{78C97017-6FC3-485B-9764-EAC9E56C1D49}" type="datetimeFigureOut">
               <a:rPr lang="en-US" smtClean="0"/>
-              <a:t>9/30/2016</a:t>
+              <a:t>10/26/2016</a:t>
             </a:fld>
-            <a:endParaRPr lang="en-US"/>
+            <a:endParaRPr lang="en-US" dirty="0"/>
           </a:p>
         </p:txBody>
       </p:sp>
@@ -2359,7 +2358,7 @@
           <a:bodyPr/>
           <a:lstStyle/>
           <a:p>
-            <a:endParaRPr lang="en-US"/>
+            <a:endParaRPr lang="en-US" dirty="0"/>
           </a:p>
         </p:txBody>
       </p:sp>
@@ -2382,7 +2381,7 @@
               <a:rPr lang="en-US" smtClean="0"/>
               <a:t>‹#›</a:t>
             </a:fld>
-            <a:endParaRPr lang="en-US"/>
+            <a:endParaRPr lang="en-US" dirty="0"/>
           </a:p>
         </p:txBody>
       </p:sp>
@@ -2428,8 +2427,8 @@
         </p:nvSpPr>
         <p:spPr>
           <a:xfrm>
-            <a:off x="457200" y="273050"/>
-            <a:ext cx="3008313" cy="1162050"/>
+            <a:off x="609601" y="273050"/>
+            <a:ext cx="4011084" cy="1162050"/>
           </a:xfrm>
         </p:spPr>
         <p:txBody>
@@ -2441,10 +2440,9 @@
           </a:lstStyle>
           <a:p>
             <a:r>
-              <a:rPr lang="en-US" smtClean="0"/>
+              <a:rPr lang="en-US"/>
               <a:t>Click to edit Master title style</a:t>
             </a:r>
-            <a:endParaRPr lang="en-US"/>
           </a:p>
         </p:txBody>
       </p:sp>
@@ -2460,8 +2458,8 @@
         </p:nvSpPr>
         <p:spPr>
           <a:xfrm>
-            <a:off x="3575050" y="273050"/>
-            <a:ext cx="5111750" cy="5853113"/>
+            <a:off x="4766733" y="273051"/>
+            <a:ext cx="6815667" cy="5853113"/>
           </a:xfrm>
         </p:spPr>
         <p:txBody>
@@ -2498,38 +2496,37 @@
           <a:p>
             <a:pPr lvl="0"/>
             <a:r>
-              <a:rPr lang="en-US" smtClean="0"/>
+              <a:rPr lang="en-US"/>
               <a:t>Click to edit Master text styles</a:t>
             </a:r>
           </a:p>
           <a:p>
             <a:pPr lvl="1"/>
             <a:r>
-              <a:rPr lang="en-US" smtClean="0"/>
+              <a:rPr lang="en-US"/>
               <a:t>Second level</a:t>
             </a:r>
           </a:p>
           <a:p>
             <a:pPr lvl="2"/>
             <a:r>
-              <a:rPr lang="en-US" smtClean="0"/>
+              <a:rPr lang="en-US"/>
               <a:t>Third level</a:t>
             </a:r>
           </a:p>
           <a:p>
             <a:pPr lvl="3"/>
             <a:r>
-              <a:rPr lang="en-US" smtClean="0"/>
+              <a:rPr lang="en-US"/>
               <a:t>Fourth level</a:t>
             </a:r>
           </a:p>
           <a:p>
             <a:pPr lvl="4"/>
             <a:r>
-              <a:rPr lang="en-US" smtClean="0"/>
+              <a:rPr lang="en-US"/>
               <a:t>Fifth level</a:t>
             </a:r>
-            <a:endParaRPr lang="en-US"/>
           </a:p>
         </p:txBody>
       </p:sp>
@@ -2545,8 +2542,8 @@
         </p:nvSpPr>
         <p:spPr>
           <a:xfrm>
-            <a:off x="457200" y="1435100"/>
-            <a:ext cx="3008313" cy="4691063"/>
+            <a:off x="609601" y="1435101"/>
+            <a:ext cx="4011084" cy="4691063"/>
           </a:xfrm>
         </p:spPr>
         <p:txBody>
@@ -2592,7 +2589,7 @@
           <a:p>
             <a:pPr lvl="0"/>
             <a:r>
-              <a:rPr lang="en-US" smtClean="0"/>
+              <a:rPr lang="en-US"/>
               <a:t>Click to edit Master text styles</a:t>
             </a:r>
           </a:p>
@@ -2615,9 +2612,9 @@
           <a:p>
             <a:fld id="{78C97017-6FC3-485B-9764-EAC9E56C1D49}" type="datetimeFigureOut">
               <a:rPr lang="en-US" smtClean="0"/>
-              <a:t>9/30/2016</a:t>
+              <a:t>10/26/2016</a:t>
             </a:fld>
-            <a:endParaRPr lang="en-US"/>
+            <a:endParaRPr lang="en-US" dirty="0"/>
           </a:p>
         </p:txBody>
       </p:sp>
@@ -2636,7 +2633,7 @@
           <a:bodyPr/>
           <a:lstStyle/>
           <a:p>
-            <a:endParaRPr lang="en-US"/>
+            <a:endParaRPr lang="en-US" dirty="0"/>
           </a:p>
         </p:txBody>
       </p:sp>
@@ -2659,7 +2656,7 @@
               <a:rPr lang="en-US" smtClean="0"/>
               <a:t>‹#›</a:t>
             </a:fld>
-            <a:endParaRPr lang="en-US"/>
+            <a:endParaRPr lang="en-US" dirty="0"/>
           </a:p>
         </p:txBody>
       </p:sp>
@@ -2705,8 +2702,8 @@
         </p:nvSpPr>
         <p:spPr>
           <a:xfrm>
-            <a:off x="1792288" y="4800600"/>
-            <a:ext cx="5486400" cy="566738"/>
+            <a:off x="2389717" y="4800600"/>
+            <a:ext cx="7315200" cy="566738"/>
           </a:xfrm>
         </p:spPr>
         <p:txBody>
@@ -2718,10 +2715,9 @@
           </a:lstStyle>
           <a:p>
             <a:r>
-              <a:rPr lang="en-US" smtClean="0"/>
+              <a:rPr lang="en-US"/>
               <a:t>Click to edit Master title style</a:t>
             </a:r>
-            <a:endParaRPr lang="en-US"/>
           </a:p>
         </p:txBody>
       </p:sp>
@@ -2737,8 +2733,8 @@
         </p:nvSpPr>
         <p:spPr>
           <a:xfrm>
-            <a:off x="1792288" y="612775"/>
-            <a:ext cx="5486400" cy="4114800"/>
+            <a:off x="2389717" y="612775"/>
+            <a:ext cx="7315200" cy="4114800"/>
           </a:xfrm>
         </p:spPr>
         <p:txBody>
@@ -2782,7 +2778,7 @@
             </a:lvl9pPr>
           </a:lstStyle>
           <a:p>
-            <a:endParaRPr lang="en-US"/>
+            <a:endParaRPr lang="en-US" dirty="0"/>
           </a:p>
         </p:txBody>
       </p:sp>
@@ -2798,8 +2794,8 @@
         </p:nvSpPr>
         <p:spPr>
           <a:xfrm>
-            <a:off x="1792288" y="5367338"/>
-            <a:ext cx="5486400" cy="804862"/>
+            <a:off x="2389717" y="5367338"/>
+            <a:ext cx="7315200" cy="804862"/>
           </a:xfrm>
         </p:spPr>
         <p:txBody>
@@ -2845,7 +2841,7 @@
           <a:p>
             <a:pPr lvl="0"/>
             <a:r>
-              <a:rPr lang="en-US" smtClean="0"/>
+              <a:rPr lang="en-US"/>
               <a:t>Click to edit Master text styles</a:t>
             </a:r>
           </a:p>
@@ -2868,9 +2864,9 @@
           <a:p>
             <a:fld id="{78C97017-6FC3-485B-9764-EAC9E56C1D49}" type="datetimeFigureOut">
               <a:rPr lang="en-US" smtClean="0"/>
-              <a:t>9/30/2016</a:t>
+              <a:t>10/26/2016</a:t>
             </a:fld>
-            <a:endParaRPr lang="en-US"/>
+            <a:endParaRPr lang="en-US" dirty="0"/>
           </a:p>
         </p:txBody>
       </p:sp>
@@ -2889,7 +2885,7 @@
           <a:bodyPr/>
           <a:lstStyle/>
           <a:p>
-            <a:endParaRPr lang="en-US"/>
+            <a:endParaRPr lang="en-US" dirty="0"/>
           </a:p>
         </p:txBody>
       </p:sp>
@@ -2912,7 +2908,7 @@
               <a:rPr lang="en-US" smtClean="0"/>
               <a:t>‹#›</a:t>
             </a:fld>
-            <a:endParaRPr lang="en-US"/>
+            <a:endParaRPr lang="en-US" dirty="0"/>
           </a:p>
         </p:txBody>
       </p:sp>
@@ -2963,8 +2959,8 @@
         </p:nvSpPr>
         <p:spPr>
           <a:xfrm>
-            <a:off x="457200" y="274638"/>
-            <a:ext cx="8229600" cy="1143000"/>
+            <a:off x="609600" y="274638"/>
+            <a:ext cx="10972800" cy="1143000"/>
           </a:xfrm>
           <a:prstGeom prst="rect">
             <a:avLst/>
@@ -2977,10 +2973,9 @@
           <a:lstStyle/>
           <a:p>
             <a:r>
-              <a:rPr lang="en-US" smtClean="0"/>
+              <a:rPr lang="en-US"/>
               <a:t>Click to edit Master title style</a:t>
             </a:r>
-            <a:endParaRPr lang="en-US"/>
           </a:p>
         </p:txBody>
       </p:sp>
@@ -2996,8 +2991,8 @@
         </p:nvSpPr>
         <p:spPr>
           <a:xfrm>
-            <a:off x="457200" y="1600200"/>
-            <a:ext cx="8229600" cy="4525963"/>
+            <a:off x="609600" y="1600201"/>
+            <a:ext cx="10972800" cy="4525963"/>
           </a:xfrm>
           <a:prstGeom prst="rect">
             <a:avLst/>
@@ -3011,38 +3006,37 @@
           <a:p>
             <a:pPr lvl="0"/>
             <a:r>
-              <a:rPr lang="en-US" smtClean="0"/>
+              <a:rPr lang="en-US"/>
               <a:t>Click to edit Master text styles</a:t>
             </a:r>
           </a:p>
           <a:p>
             <a:pPr lvl="1"/>
             <a:r>
-              <a:rPr lang="en-US" smtClean="0"/>
+              <a:rPr lang="en-US"/>
               <a:t>Second level</a:t>
             </a:r>
           </a:p>
           <a:p>
             <a:pPr lvl="2"/>
             <a:r>
-              <a:rPr lang="en-US" smtClean="0"/>
+              <a:rPr lang="en-US"/>
               <a:t>Third level</a:t>
             </a:r>
           </a:p>
           <a:p>
             <a:pPr lvl="3"/>
             <a:r>
-              <a:rPr lang="en-US" smtClean="0"/>
+              <a:rPr lang="en-US"/>
               <a:t>Fourth level</a:t>
             </a:r>
           </a:p>
           <a:p>
             <a:pPr lvl="4"/>
             <a:r>
-              <a:rPr lang="en-US" smtClean="0"/>
+              <a:rPr lang="en-US"/>
               <a:t>Fifth level</a:t>
             </a:r>
-            <a:endParaRPr lang="en-US"/>
           </a:p>
         </p:txBody>
       </p:sp>
@@ -3058,8 +3052,8 @@
         </p:nvSpPr>
         <p:spPr>
           <a:xfrm>
-            <a:off x="457200" y="6356350"/>
-            <a:ext cx="2133600" cy="365125"/>
+            <a:off x="609600" y="6356351"/>
+            <a:ext cx="2844800" cy="365125"/>
           </a:xfrm>
           <a:prstGeom prst="rect">
             <a:avLst/>
@@ -3081,9 +3075,9 @@
           <a:p>
             <a:fld id="{78C97017-6FC3-485B-9764-EAC9E56C1D49}" type="datetimeFigureOut">
               <a:rPr lang="en-US" smtClean="0"/>
-              <a:t>9/30/2016</a:t>
+              <a:t>10/26/2016</a:t>
             </a:fld>
-            <a:endParaRPr lang="en-US"/>
+            <a:endParaRPr lang="en-US" dirty="0"/>
           </a:p>
         </p:txBody>
       </p:sp>
@@ -3099,8 +3093,8 @@
         </p:nvSpPr>
         <p:spPr>
           <a:xfrm>
-            <a:off x="3124200" y="6356350"/>
-            <a:ext cx="2895600" cy="365125"/>
+            <a:off x="4165600" y="6356351"/>
+            <a:ext cx="3860800" cy="365125"/>
           </a:xfrm>
           <a:prstGeom prst="rect">
             <a:avLst/>
@@ -3120,7 +3114,7 @@
             </a:lvl1pPr>
           </a:lstStyle>
           <a:p>
-            <a:endParaRPr lang="en-US"/>
+            <a:endParaRPr lang="en-US" dirty="0"/>
           </a:p>
         </p:txBody>
       </p:sp>
@@ -3136,8 +3130,8 @@
         </p:nvSpPr>
         <p:spPr>
           <a:xfrm>
-            <a:off x="6553200" y="6356350"/>
-            <a:ext cx="2133600" cy="365125"/>
+            <a:off x="8737600" y="6356351"/>
+            <a:ext cx="2844800" cy="365125"/>
           </a:xfrm>
           <a:prstGeom prst="rect">
             <a:avLst/>
@@ -3161,7 +3155,7 @@
               <a:rPr lang="en-US" smtClean="0"/>
               <a:t>‹#›</a:t>
             </a:fld>
-            <a:endParaRPr lang="en-US"/>
+            <a:endParaRPr lang="en-US" dirty="0"/>
           </a:p>
         </p:txBody>
       </p:sp>
@@ -3472,14 +3466,9 @@
           <a:lstStyle/>
           <a:p>
             <a:r>
-              <a:rPr lang="en-US" dirty="0" err="1" smtClean="0"/>
-              <a:t>AddressBook</a:t>
-            </a:r>
-            <a:r>
-              <a:rPr lang="en-US" dirty="0" smtClean="0"/>
-              <a:t> – Level 4</a:t>
-            </a:r>
-            <a:endParaRPr lang="en-US" dirty="0"/>
+              <a:rPr lang="en-US" dirty="0"/>
+              <a:t>Task Manager</a:t>
+            </a:r>
           </a:p>
         </p:txBody>
       </p:sp>
@@ -3499,10 +3488,9 @@
           <a:lstStyle/>
           <a:p>
             <a:r>
-              <a:rPr lang="en-US" dirty="0" smtClean="0"/>
+              <a:rPr lang="en-US" dirty="0"/>
               <a:t>Diagrams</a:t>
             </a:r>
-            <a:endParaRPr lang="en-US" dirty="0"/>
           </a:p>
         </p:txBody>
       </p:sp>
@@ -3544,7 +3532,7 @@
         </p:nvSpPr>
         <p:spPr>
           <a:xfrm>
-            <a:off x="1636188" y="2057400"/>
+            <a:off x="3160189" y="2057400"/>
             <a:ext cx="5700181" cy="2667000"/>
           </a:xfrm>
           <a:prstGeom prst="roundRect">
@@ -3586,7 +3574,7 @@
           <a:lstStyle/>
           <a:p>
             <a:pPr algn="ctr"/>
-            <a:endParaRPr lang="en-US"/>
+            <a:endParaRPr lang="en-US" dirty="0"/>
           </a:p>
         </p:txBody>
       </p:sp>
@@ -3598,7 +3586,7 @@
         </p:nvSpPr>
         <p:spPr>
           <a:xfrm flipH="1">
-            <a:off x="1964269" y="2191178"/>
+            <a:off x="3488269" y="2191179"/>
             <a:ext cx="609602" cy="1294917"/>
           </a:xfrm>
           <a:prstGeom prst="roundRect">
@@ -3634,7 +3622,7 @@
           <a:p>
             <a:pPr algn="ctr"/>
             <a:r>
-              <a:rPr lang="en-US" sz="1600" dirty="0" smtClean="0">
+              <a:rPr lang="en-US" sz="1600" dirty="0">
                 <a:solidFill>
                   <a:schemeClr val="bg1"/>
                 </a:solidFill>
@@ -3657,7 +3645,7 @@
         </p:nvSpPr>
         <p:spPr>
           <a:xfrm>
-            <a:off x="3412069" y="2191178"/>
+            <a:off x="4936069" y="2191178"/>
             <a:ext cx="1295400" cy="552022"/>
           </a:xfrm>
           <a:prstGeom prst="roundRect">
@@ -3693,7 +3681,7 @@
           <a:p>
             <a:pPr algn="ctr"/>
             <a:r>
-              <a:rPr lang="en-US" sz="1600" dirty="0" smtClean="0">
+              <a:rPr lang="en-US" sz="1600" dirty="0">
                 <a:solidFill>
                   <a:schemeClr val="bg1"/>
                 </a:solidFill>
@@ -3716,7 +3704,7 @@
         </p:nvSpPr>
         <p:spPr>
           <a:xfrm>
-            <a:off x="5164669" y="2191179"/>
+            <a:off x="6688669" y="2191179"/>
             <a:ext cx="1447800" cy="552022"/>
           </a:xfrm>
           <a:prstGeom prst="roundRect">
@@ -3756,7 +3744,7 @@
           <a:p>
             <a:pPr algn="ctr"/>
             <a:r>
-              <a:rPr lang="en-US" sz="1600" dirty="0" smtClean="0">
+              <a:rPr lang="en-US" sz="1600" dirty="0">
                 <a:solidFill>
                   <a:schemeClr val="bg1"/>
                 </a:solidFill>
@@ -3779,7 +3767,7 @@
         </p:nvSpPr>
         <p:spPr>
           <a:xfrm>
-            <a:off x="3412069" y="3124200"/>
+            <a:off x="4936069" y="3124201"/>
             <a:ext cx="1295400" cy="723791"/>
           </a:xfrm>
           <a:prstGeom prst="roundRect">
@@ -3815,7 +3803,7 @@
           <a:p>
             <a:pPr algn="ctr"/>
             <a:r>
-              <a:rPr lang="en-US" sz="1600" dirty="0" smtClean="0">
+              <a:rPr lang="en-US" sz="1600" dirty="0">
                 <a:solidFill>
                   <a:schemeClr val="bg1"/>
                 </a:solidFill>
@@ -3838,7 +3826,7 @@
         </p:nvSpPr>
         <p:spPr>
           <a:xfrm>
-            <a:off x="3217846" y="4131994"/>
+            <a:off x="4741847" y="4131994"/>
             <a:ext cx="2658531" cy="444640"/>
           </a:xfrm>
           <a:prstGeom prst="roundRect">
@@ -3903,7 +3891,7 @@
         </p:nvCxnSpPr>
         <p:spPr>
           <a:xfrm>
-            <a:off x="2573871" y="2467189"/>
+            <a:off x="4097871" y="2467189"/>
             <a:ext cx="838198" cy="0"/>
           </a:xfrm>
           <a:prstGeom prst="straightConnector1">
@@ -3939,7 +3927,7 @@
         </p:nvCxnSpPr>
         <p:spPr>
           <a:xfrm>
-            <a:off x="2569639" y="3276600"/>
+            <a:off x="4093639" y="3276600"/>
             <a:ext cx="838198" cy="0"/>
           </a:xfrm>
           <a:prstGeom prst="straightConnector1">
@@ -3978,7 +3966,7 @@
         </p:nvCxnSpPr>
         <p:spPr>
           <a:xfrm>
-            <a:off x="4059769" y="2743200"/>
+            <a:off x="5583769" y="2743200"/>
             <a:ext cx="0" cy="381000"/>
           </a:xfrm>
           <a:prstGeom prst="straightConnector1">
@@ -4014,7 +4002,7 @@
         </p:nvCxnSpPr>
         <p:spPr>
           <a:xfrm>
-            <a:off x="4707469" y="2467189"/>
+            <a:off x="6231469" y="2467189"/>
             <a:ext cx="457200" cy="0"/>
           </a:xfrm>
           <a:prstGeom prst="straightConnector1">
@@ -4050,7 +4038,7 @@
         </p:nvSpPr>
         <p:spPr>
           <a:xfrm>
-            <a:off x="1202269" y="2743200"/>
+            <a:off x="2726269" y="2743200"/>
             <a:ext cx="381000" cy="381000"/>
           </a:xfrm>
           <a:prstGeom prst="smileyFace">
@@ -4086,7 +4074,7 @@
           <a:lstStyle/>
           <a:p>
             <a:pPr algn="ctr"/>
-            <a:endParaRPr lang="en-US"/>
+            <a:endParaRPr lang="en-US" dirty="0"/>
           </a:p>
         </p:txBody>
       </p:sp>
@@ -4098,7 +4086,7 @@
         </p:nvCxnSpPr>
         <p:spPr>
           <a:xfrm flipV="1">
-            <a:off x="1636188" y="2939996"/>
+            <a:off x="3160188" y="2939997"/>
             <a:ext cx="273050" cy="1"/>
           </a:xfrm>
           <a:prstGeom prst="straightConnector1">
@@ -4135,7 +4123,7 @@
         </p:nvCxnSpPr>
         <p:spPr>
           <a:xfrm flipV="1">
-            <a:off x="6680199" y="2467190"/>
+            <a:off x="8204200" y="2467191"/>
             <a:ext cx="939801" cy="1"/>
           </a:xfrm>
           <a:prstGeom prst="straightConnector1">
@@ -4174,7 +4162,7 @@
         </p:nvSpPr>
         <p:spPr>
           <a:xfrm>
-            <a:off x="7679269" y="2286000"/>
+            <a:off x="9203269" y="2286000"/>
             <a:ext cx="381000" cy="381000"/>
           </a:xfrm>
           <a:prstGeom prst="foldedCorner">
@@ -4210,7 +4198,7 @@
           <a:lstStyle/>
           <a:p>
             <a:pPr algn="ctr"/>
-            <a:endParaRPr lang="en-US"/>
+            <a:endParaRPr lang="en-US" dirty="0"/>
           </a:p>
         </p:txBody>
       </p:sp>
@@ -4222,7 +4210,7 @@
         </p:nvSpPr>
         <p:spPr>
           <a:xfrm>
-            <a:off x="7772400" y="2362200"/>
+            <a:off x="9296400" y="2362200"/>
             <a:ext cx="381000" cy="381000"/>
           </a:xfrm>
           <a:prstGeom prst="foldedCorner">
@@ -4258,105 +4246,10 @@
           <a:lstStyle/>
           <a:p>
             <a:pPr algn="ctr"/>
-            <a:endParaRPr lang="en-US"/>
-          </a:p>
-        </p:txBody>
-      </p:sp>
-      <p:sp>
-        <p:nvSpPr>
-          <p:cNvPr id="51" name="Cloud 50"/>
-          <p:cNvSpPr/>
-          <p:nvPr/>
-        </p:nvSpPr>
-        <p:spPr>
-          <a:xfrm>
-            <a:off x="2650069" y="1447800"/>
-            <a:ext cx="914400" cy="533400"/>
-          </a:xfrm>
-          <a:prstGeom prst="cloud">
-            <a:avLst/>
-          </a:prstGeom>
-          <a:solidFill>
-            <a:schemeClr val="bg1"/>
-          </a:solidFill>
-          <a:ln>
-            <a:solidFill>
-              <a:schemeClr val="tx1"/>
-            </a:solidFill>
-          </a:ln>
-        </p:spPr>
-        <p:style>
-          <a:lnRef idx="2">
-            <a:schemeClr val="accent1">
-              <a:shade val="50000"/>
-            </a:schemeClr>
-          </a:lnRef>
-          <a:fillRef idx="1">
-            <a:schemeClr val="accent1"/>
-          </a:fillRef>
-          <a:effectRef idx="0">
-            <a:schemeClr val="accent1"/>
-          </a:effectRef>
-          <a:fontRef idx="minor">
-            <a:schemeClr val="lt1"/>
-          </a:fontRef>
-        </p:style>
-        <p:txBody>
-          <a:bodyPr rtlCol="0" anchor="ctr"/>
-          <a:lstStyle/>
-          <a:p>
-            <a:pPr algn="ctr"/>
-            <a:r>
-              <a:rPr lang="en-US" sz="1400" dirty="0">
-                <a:solidFill>
-                  <a:schemeClr val="tx1"/>
-                </a:solidFill>
-              </a:rPr>
-              <a:t>Web</a:t>
-            </a:r>
-          </a:p>
-        </p:txBody>
-      </p:sp>
-      <p:cxnSp>
-        <p:nvCxnSpPr>
-          <p:cNvPr id="52" name="Elbow Connector 51"/>
-          <p:cNvCxnSpPr>
-            <a:stCxn id="2" idx="0"/>
-            <a:endCxn id="51" idx="2"/>
-          </p:cNvCxnSpPr>
-          <p:nvPr/>
-        </p:nvCxnSpPr>
-        <p:spPr>
-          <a:xfrm rot="5400000" flipH="1" flipV="1">
-            <a:off x="2222648" y="1760922"/>
-            <a:ext cx="476678" cy="383835"/>
-          </a:xfrm>
-          <a:prstGeom prst="bentConnector2">
-            <a:avLst/>
-          </a:prstGeom>
-          <a:ln w="28575">
-            <a:solidFill>
-              <a:srgbClr val="00B050"/>
-            </a:solidFill>
-            <a:prstDash val="sysDot"/>
-            <a:tailEnd type="arrow"/>
-          </a:ln>
-        </p:spPr>
-        <p:style>
-          <a:lnRef idx="1">
-            <a:schemeClr val="accent1"/>
-          </a:lnRef>
-          <a:fillRef idx="0">
-            <a:schemeClr val="accent1"/>
-          </a:fillRef>
-          <a:effectRef idx="0">
-            <a:schemeClr val="accent1"/>
-          </a:effectRef>
-          <a:fontRef idx="minor">
-            <a:schemeClr val="tx1"/>
-          </a:fontRef>
-        </p:style>
-      </p:cxnSp>
+            <a:endParaRPr lang="en-US" dirty="0"/>
+          </a:p>
+        </p:txBody>
+      </p:sp>
       <p:sp>
         <p:nvSpPr>
           <p:cNvPr id="23" name="Rectangle 62"/>
@@ -4365,7 +4258,7 @@
         </p:nvSpPr>
         <p:spPr>
           <a:xfrm flipH="1">
-            <a:off x="1964269" y="3959459"/>
+            <a:off x="3488270" y="3959459"/>
             <a:ext cx="778931" cy="570908"/>
           </a:xfrm>
           <a:prstGeom prst="roundRect">
@@ -4401,7 +4294,7 @@
           <a:p>
             <a:pPr algn="ctr"/>
             <a:r>
-              <a:rPr lang="en-US" sz="1600" dirty="0" smtClean="0">
+              <a:rPr lang="en-US" sz="1600" dirty="0">
                 <a:solidFill>
                   <a:schemeClr val="bg1"/>
                 </a:solidFill>
@@ -4424,7 +4317,7 @@
         </p:nvCxnSpPr>
         <p:spPr>
           <a:xfrm>
-            <a:off x="4945047" y="3750994"/>
+            <a:off x="6469047" y="3750994"/>
             <a:ext cx="0" cy="381000"/>
           </a:xfrm>
           <a:prstGeom prst="straightConnector1">
@@ -4463,7 +4356,7 @@
         </p:nvCxnSpPr>
         <p:spPr>
           <a:xfrm>
-            <a:off x="5097447" y="3761908"/>
+            <a:off x="6621447" y="3761908"/>
             <a:ext cx="0" cy="381000"/>
           </a:xfrm>
           <a:prstGeom prst="straightConnector1">
@@ -4502,7 +4395,7 @@
         </p:nvCxnSpPr>
         <p:spPr>
           <a:xfrm>
-            <a:off x="5249847" y="3750994"/>
+            <a:off x="6773847" y="3750994"/>
             <a:ext cx="0" cy="381000"/>
           </a:xfrm>
           <a:prstGeom prst="straightConnector1">
@@ -4543,7 +4436,7 @@
         </p:nvCxnSpPr>
         <p:spPr>
           <a:xfrm>
-            <a:off x="2743200" y="4244913"/>
+            <a:off x="4267200" y="4244913"/>
             <a:ext cx="249770" cy="0"/>
           </a:xfrm>
           <a:prstGeom prst="straightConnector1">
@@ -4580,7 +4473,7 @@
         </p:nvCxnSpPr>
         <p:spPr>
           <a:xfrm rot="13867188">
-            <a:off x="2743200" y="3755022"/>
+            <a:off x="4267200" y="3755022"/>
             <a:ext cx="0" cy="381000"/>
           </a:xfrm>
           <a:prstGeom prst="straightConnector1">
@@ -4617,7 +4510,7 @@
         </p:nvCxnSpPr>
         <p:spPr>
           <a:xfrm flipV="1">
-            <a:off x="2353734" y="3697061"/>
+            <a:off x="3877734" y="3697062"/>
             <a:ext cx="0" cy="301859"/>
           </a:xfrm>
           <a:prstGeom prst="straightConnector1">
@@ -4654,7 +4547,7 @@
         </p:nvSpPr>
         <p:spPr>
           <a:xfrm>
-            <a:off x="4936069" y="2909316"/>
+            <a:off x="6460070" y="2909316"/>
             <a:ext cx="1219201" cy="533400"/>
           </a:xfrm>
           <a:prstGeom prst="ellipse">
@@ -4712,7 +4605,7 @@
         </p:nvSpPr>
         <p:spPr>
           <a:xfrm>
-            <a:off x="5888569" y="3515641"/>
+            <a:off x="7412570" y="3515641"/>
             <a:ext cx="1219201" cy="533400"/>
           </a:xfrm>
           <a:prstGeom prst="ellipse">
@@ -4752,7 +4645,7 @@
           <a:p>
             <a:pPr algn="ctr"/>
             <a:r>
-              <a:rPr lang="en-US" sz="1600" dirty="0" smtClean="0">
+              <a:rPr lang="en-US" sz="1600" dirty="0">
                 <a:solidFill>
                   <a:schemeClr val="bg1"/>
                 </a:solidFill>
@@ -4760,25 +4653,20 @@
               <a:t>Logs</a:t>
             </a:r>
             <a:br>
-              <a:rPr lang="en-US" sz="1600" dirty="0" smtClean="0">
+              <a:rPr lang="en-US" sz="1600" dirty="0">
                 <a:solidFill>
                   <a:schemeClr val="bg1"/>
                 </a:solidFill>
               </a:rPr>
             </a:br>
             <a:r>
-              <a:rPr lang="en-US" sz="1600" dirty="0" smtClean="0">
+              <a:rPr lang="en-US" sz="1600" dirty="0">
                 <a:solidFill>
                   <a:schemeClr val="bg1"/>
                 </a:solidFill>
               </a:rPr>
               <a:t>Center</a:t>
             </a:r>
-            <a:endParaRPr lang="en-US" sz="1600" dirty="0">
-              <a:solidFill>
-                <a:schemeClr val="bg1"/>
-              </a:solidFill>
-            </a:endParaRPr>
           </a:p>
         </p:txBody>
       </p:sp>
@@ -4793,7 +4681,7 @@
         </p:nvCxnSpPr>
         <p:spPr>
           <a:xfrm rot="5400000">
-            <a:off x="6034638" y="3890781"/>
+            <a:off x="7558639" y="3890782"/>
             <a:ext cx="305273" cy="621793"/>
           </a:xfrm>
           <a:prstGeom prst="bentConnector2">
@@ -4832,7 +4720,7 @@
         </p:nvCxnSpPr>
         <p:spPr>
           <a:xfrm rot="5400000">
-            <a:off x="5195574" y="3792812"/>
+            <a:off x="6719574" y="3792813"/>
             <a:ext cx="700192" cy="1"/>
           </a:xfrm>
           <a:prstGeom prst="bentConnector3">
@@ -4899,7 +4787,7 @@
         </p:nvSpPr>
         <p:spPr>
           <a:xfrm>
-            <a:off x="1111860" y="607926"/>
+            <a:off x="2635861" y="607926"/>
             <a:ext cx="1093635" cy="346760"/>
           </a:xfrm>
           <a:prstGeom prst="rect">
@@ -4935,7 +4823,7 @@
           <a:p>
             <a:pPr algn="ctr"/>
             <a:r>
-              <a:rPr lang="en-US" sz="1600" dirty="0" smtClean="0">
+              <a:rPr lang="en-US" sz="1600" dirty="0">
                 <a:solidFill>
                   <a:schemeClr val="bg1"/>
                 </a:solidFill>
@@ -4958,7 +4846,7 @@
         </p:nvCxnSpPr>
         <p:spPr>
           <a:xfrm>
-            <a:off x="1658677" y="971597"/>
+            <a:off x="3182677" y="971598"/>
             <a:ext cx="0" cy="1723059"/>
           </a:xfrm>
           <a:prstGeom prst="line">
@@ -4995,7 +4883,7 @@
         </p:nvSpPr>
         <p:spPr>
           <a:xfrm>
-            <a:off x="1586669" y="1322292"/>
+            <a:off x="3110669" y="1322292"/>
             <a:ext cx="152400" cy="1019910"/>
           </a:xfrm>
           <a:prstGeom prst="rect">
@@ -5030,11 +4918,7 @@
           <a:lstStyle/>
           <a:p>
             <a:pPr algn="ctr"/>
-            <a:endParaRPr lang="en-SG" sz="1400">
-              <a:solidFill>
-                <a:schemeClr val="dk1"/>
-              </a:solidFill>
-            </a:endParaRPr>
+            <a:endParaRPr lang="en-SG" sz="1400" dirty="0"/>
           </a:p>
         </p:txBody>
       </p:sp>
@@ -5046,7 +4930,7 @@
         </p:nvGrpSpPr>
         <p:grpSpPr>
           <a:xfrm>
-            <a:off x="152400" y="533400"/>
+            <a:off x="1676400" y="533400"/>
             <a:ext cx="324036" cy="573410"/>
             <a:chOff x="3239901" y="4149080"/>
             <a:chExt cx="648072" cy="1146820"/>
@@ -5097,7 +4981,7 @@
             <a:lstStyle/>
             <a:p>
               <a:pPr algn="ctr"/>
-              <a:endParaRPr lang="en-SG"/>
+              <a:endParaRPr lang="en-SG" dirty="0"/>
             </a:p>
           </p:txBody>
         </p:sp>
@@ -5214,7 +5098,7 @@
             <a:lstStyle/>
             <a:p>
               <a:pPr algn="ctr"/>
-              <a:endParaRPr lang="en-SG"/>
+              <a:endParaRPr lang="en-SG" dirty="0"/>
             </a:p>
           </p:txBody>
         </p:sp>
@@ -5263,7 +5147,7 @@
         </p:nvSpPr>
         <p:spPr>
           <a:xfrm>
-            <a:off x="3335583" y="611613"/>
+            <a:off x="4859584" y="611613"/>
             <a:ext cx="1093635" cy="346760"/>
           </a:xfrm>
           <a:prstGeom prst="rect">
@@ -5299,7 +5183,7 @@
           <a:p>
             <a:pPr algn="ctr"/>
             <a:r>
-              <a:rPr lang="en-US" sz="1600" dirty="0" smtClean="0">
+              <a:rPr lang="en-US" sz="1600" dirty="0">
                 <a:solidFill>
                   <a:schemeClr val="bg1"/>
                 </a:solidFill>
@@ -5322,7 +5206,7 @@
         </p:nvCxnSpPr>
         <p:spPr>
           <a:xfrm>
-            <a:off x="3882400" y="975284"/>
+            <a:off x="5406400" y="975285"/>
             <a:ext cx="0" cy="1723059"/>
           </a:xfrm>
           <a:prstGeom prst="line">
@@ -5359,7 +5243,7 @@
         </p:nvSpPr>
         <p:spPr>
           <a:xfrm>
-            <a:off x="3810392" y="1433477"/>
+            <a:off x="5334392" y="1433478"/>
             <a:ext cx="144016" cy="832525"/>
           </a:xfrm>
           <a:prstGeom prst="rect">
@@ -5394,11 +5278,7 @@
           <a:lstStyle/>
           <a:p>
             <a:pPr algn="ctr"/>
-            <a:endParaRPr lang="en-SG" sz="1400">
-              <a:solidFill>
-                <a:schemeClr val="dk1"/>
-              </a:solidFill>
-            </a:endParaRPr>
+            <a:endParaRPr lang="en-SG" sz="1400" dirty="0"/>
           </a:p>
         </p:txBody>
       </p:sp>
@@ -5410,7 +5290,7 @@
         </p:nvSpPr>
         <p:spPr>
           <a:xfrm>
-            <a:off x="5316783" y="607926"/>
+            <a:off x="6840784" y="607926"/>
             <a:ext cx="1093635" cy="346760"/>
           </a:xfrm>
           <a:prstGeom prst="rect">
@@ -5446,7 +5326,7 @@
           <a:p>
             <a:pPr algn="ctr"/>
             <a:r>
-              <a:rPr lang="en-US" sz="1600" dirty="0" smtClean="0">
+              <a:rPr lang="en-US" sz="1600" dirty="0">
                 <a:solidFill>
                   <a:schemeClr val="bg1"/>
                 </a:solidFill>
@@ -5469,7 +5349,7 @@
         </p:nvCxnSpPr>
         <p:spPr>
           <a:xfrm>
-            <a:off x="5863600" y="971597"/>
+            <a:off x="7387600" y="971598"/>
             <a:ext cx="0" cy="1723059"/>
           </a:xfrm>
           <a:prstGeom prst="line">
@@ -5506,7 +5386,7 @@
         </p:nvSpPr>
         <p:spPr>
           <a:xfrm>
-            <a:off x="5791592" y="1538408"/>
+            <a:off x="7315592" y="1538408"/>
             <a:ext cx="142006" cy="651394"/>
           </a:xfrm>
           <a:prstGeom prst="rect">
@@ -5541,11 +5421,7 @@
           <a:lstStyle/>
           <a:p>
             <a:pPr algn="ctr"/>
-            <a:endParaRPr lang="en-SG" sz="1400">
-              <a:solidFill>
-                <a:schemeClr val="dk1"/>
-              </a:solidFill>
-            </a:endParaRPr>
+            <a:endParaRPr lang="en-SG" sz="1400" dirty="0"/>
           </a:p>
         </p:txBody>
       </p:sp>
@@ -5557,7 +5433,7 @@
         </p:nvCxnSpPr>
         <p:spPr>
           <a:xfrm>
-            <a:off x="466818" y="1325979"/>
+            <a:off x="1990819" y="1325979"/>
             <a:ext cx="1119851" cy="0"/>
           </a:xfrm>
           <a:prstGeom prst="straightConnector1">
@@ -5593,8 +5469,8 @@
         </p:nvSpPr>
         <p:spPr>
           <a:xfrm>
-            <a:off x="466818" y="1345880"/>
-            <a:ext cx="860170" cy="215444"/>
+            <a:off x="1990818" y="1345881"/>
+            <a:ext cx="860170" cy="430887"/>
           </a:xfrm>
           <a:prstGeom prst="rect">
             <a:avLst/>
@@ -5608,10 +5484,9 @@
           <a:lstStyle/>
           <a:p>
             <a:r>
-              <a:rPr lang="en-US" sz="1400" dirty="0" smtClean="0"/>
-              <a:t>delete 1</a:t>
-            </a:r>
-            <a:endParaRPr lang="en-US" sz="1400" dirty="0"/>
+              <a:rPr lang="en-US" sz="1400" dirty="0"/>
+              <a:t>add write report</a:t>
+            </a:r>
           </a:p>
         </p:txBody>
       </p:sp>
@@ -5623,7 +5498,7 @@
         </p:nvCxnSpPr>
         <p:spPr>
           <a:xfrm>
-            <a:off x="1739069" y="1433478"/>
+            <a:off x="3263070" y="1433478"/>
             <a:ext cx="2071323" cy="0"/>
           </a:xfrm>
           <a:prstGeom prst="straightConnector1">
@@ -5659,8 +5534,8 @@
         </p:nvSpPr>
         <p:spPr>
           <a:xfrm>
-            <a:off x="2166172" y="1453379"/>
-            <a:ext cx="1424846" cy="215444"/>
+            <a:off x="3690172" y="1453380"/>
+            <a:ext cx="1424846" cy="430887"/>
           </a:xfrm>
           <a:prstGeom prst="rect">
             <a:avLst/>
@@ -5674,18 +5549,13 @@
           <a:lstStyle/>
           <a:p>
             <a:r>
-              <a:rPr lang="en-US" sz="1400" dirty="0" smtClean="0">
+              <a:rPr lang="en-US" sz="1400" dirty="0">
                 <a:solidFill>
                   <a:srgbClr val="0070C0"/>
                 </a:solidFill>
               </a:rPr>
-              <a:t>execute(“delete 1”)</a:t>
-            </a:r>
-            <a:endParaRPr lang="en-US" sz="1400" dirty="0">
-              <a:solidFill>
-                <a:srgbClr val="0070C0"/>
-              </a:solidFill>
-            </a:endParaRPr>
+              <a:t>execute(“add write report”)</a:t>
+            </a:r>
           </a:p>
         </p:txBody>
       </p:sp>
@@ -5697,7 +5567,7 @@
         </p:nvCxnSpPr>
         <p:spPr>
           <a:xfrm>
-            <a:off x="3954408" y="1538409"/>
+            <a:off x="5478408" y="1538409"/>
             <a:ext cx="1837184" cy="0"/>
           </a:xfrm>
           <a:prstGeom prst="straightConnector1">
@@ -5733,7 +5603,7 @@
         </p:nvSpPr>
         <p:spPr>
           <a:xfrm>
-            <a:off x="4299772" y="1542583"/>
+            <a:off x="5823772" y="1542583"/>
             <a:ext cx="1424846" cy="215444"/>
           </a:xfrm>
           <a:prstGeom prst="rect">
@@ -5748,26 +5618,13 @@
           <a:lstStyle/>
           <a:p>
             <a:r>
-              <a:rPr lang="en-US" sz="1400" dirty="0" err="1" smtClean="0">
+              <a:rPr lang="en-US" sz="1400" dirty="0">
                 <a:solidFill>
                   <a:srgbClr val="7030A0"/>
                 </a:solidFill>
               </a:rPr>
-              <a:t>deletePerson</a:t>
-            </a:r>
-            <a:r>
-              <a:rPr lang="en-US" sz="1400" dirty="0" smtClean="0">
-                <a:solidFill>
-                  <a:srgbClr val="7030A0"/>
-                </a:solidFill>
-              </a:rPr>
-              <a:t>(p)</a:t>
-            </a:r>
-            <a:endParaRPr lang="en-US" sz="1400" dirty="0">
-              <a:solidFill>
-                <a:srgbClr val="7030A0"/>
-              </a:solidFill>
-            </a:endParaRPr>
+              <a:t>addTask(t)</a:t>
+            </a:r>
           </a:p>
         </p:txBody>
       </p:sp>
@@ -5779,7 +5636,7 @@
         </p:nvSpPr>
         <p:spPr>
           <a:xfrm>
-            <a:off x="6074030" y="1687656"/>
+            <a:off x="7598030" y="1687656"/>
             <a:ext cx="2438400" cy="215444"/>
           </a:xfrm>
           <a:prstGeom prst="rect">
@@ -5794,66 +5651,572 @@
           <a:lstStyle/>
           <a:p>
             <a:r>
-              <a:rPr lang="en-US" sz="1400" dirty="0" smtClean="0">
+              <a:rPr lang="en-US" sz="1400" dirty="0">
                 <a:solidFill>
                   <a:schemeClr val="accent5">
                     <a:lumMod val="75000"/>
                   </a:schemeClr>
                 </a:solidFill>
               </a:rPr>
-              <a:t>post(</a:t>
-            </a:r>
-            <a:r>
-              <a:rPr lang="en-US" sz="1400" dirty="0" err="1" smtClean="0">
+              <a:t>post(TaskBookChangedEvent)</a:t>
+            </a:r>
+          </a:p>
+        </p:txBody>
+      </p:sp>
+      <p:cxnSp>
+        <p:nvCxnSpPr>
+          <p:cNvPr id="34" name="Straight Arrow Connector 33"/>
+          <p:cNvCxnSpPr/>
+          <p:nvPr/>
+        </p:nvCxnSpPr>
+        <p:spPr>
+          <a:xfrm>
+            <a:off x="5478408" y="2190681"/>
+            <a:ext cx="1837184" cy="0"/>
+          </a:xfrm>
+          <a:prstGeom prst="straightConnector1">
+            <a:avLst/>
+          </a:prstGeom>
+          <a:ln w="19050">
+            <a:solidFill>
+              <a:srgbClr val="7030A0"/>
+            </a:solidFill>
+            <a:prstDash val="sysDash"/>
+            <a:headEnd type="arrow" w="med" len="med"/>
+            <a:tailEnd type="none" w="med" len="med"/>
+          </a:ln>
+        </p:spPr>
+        <p:style>
+          <a:lnRef idx="1">
+            <a:schemeClr val="accent1"/>
+          </a:lnRef>
+          <a:fillRef idx="0">
+            <a:schemeClr val="accent1"/>
+          </a:fillRef>
+          <a:effectRef idx="0">
+            <a:schemeClr val="accent1"/>
+          </a:effectRef>
+          <a:fontRef idx="minor">
+            <a:schemeClr val="tx1"/>
+          </a:fontRef>
+        </p:style>
+      </p:cxnSp>
+      <p:cxnSp>
+        <p:nvCxnSpPr>
+          <p:cNvPr id="35" name="Straight Arrow Connector 34"/>
+          <p:cNvCxnSpPr/>
+          <p:nvPr/>
+        </p:nvCxnSpPr>
+        <p:spPr>
+          <a:xfrm>
+            <a:off x="3263069" y="2266002"/>
+            <a:ext cx="2058118" cy="0"/>
+          </a:xfrm>
+          <a:prstGeom prst="straightConnector1">
+            <a:avLst/>
+          </a:prstGeom>
+          <a:ln w="19050">
+            <a:solidFill>
+              <a:srgbClr val="0070C0"/>
+            </a:solidFill>
+            <a:prstDash val="sysDash"/>
+            <a:headEnd type="arrow" w="med" len="med"/>
+            <a:tailEnd type="none" w="med" len="med"/>
+          </a:ln>
+        </p:spPr>
+        <p:style>
+          <a:lnRef idx="1">
+            <a:schemeClr val="accent1"/>
+          </a:lnRef>
+          <a:fillRef idx="0">
+            <a:schemeClr val="accent1"/>
+          </a:fillRef>
+          <a:effectRef idx="0">
+            <a:schemeClr val="accent1"/>
+          </a:effectRef>
+          <a:fontRef idx="minor">
+            <a:schemeClr val="tx1"/>
+          </a:fontRef>
+        </p:style>
+      </p:cxnSp>
+      <p:cxnSp>
+        <p:nvCxnSpPr>
+          <p:cNvPr id="37" name="Straight Arrow Connector 36"/>
+          <p:cNvCxnSpPr/>
+          <p:nvPr/>
+        </p:nvCxnSpPr>
+        <p:spPr>
+          <a:xfrm>
+            <a:off x="1914619" y="2342202"/>
+            <a:ext cx="1196051" cy="0"/>
+          </a:xfrm>
+          <a:prstGeom prst="straightConnector1">
+            <a:avLst/>
+          </a:prstGeom>
+          <a:ln w="19050">
+            <a:solidFill>
+              <a:srgbClr val="00B050"/>
+            </a:solidFill>
+            <a:prstDash val="sysDash"/>
+            <a:headEnd type="arrow" w="med" len="med"/>
+            <a:tailEnd type="none" w="med" len="med"/>
+          </a:ln>
+        </p:spPr>
+        <p:style>
+          <a:lnRef idx="1">
+            <a:schemeClr val="accent1"/>
+          </a:lnRef>
+          <a:fillRef idx="0">
+            <a:schemeClr val="accent1"/>
+          </a:fillRef>
+          <a:effectRef idx="0">
+            <a:schemeClr val="accent1"/>
+          </a:effectRef>
+          <a:fontRef idx="minor">
+            <a:schemeClr val="tx1"/>
+          </a:fontRef>
+        </p:style>
+      </p:cxnSp>
+      <p:sp>
+        <p:nvSpPr>
+          <p:cNvPr id="39" name="Rectangle 62"/>
+          <p:cNvSpPr/>
+          <p:nvPr/>
+        </p:nvSpPr>
+        <p:spPr>
+          <a:xfrm>
+            <a:off x="9220200" y="591251"/>
+            <a:ext cx="1371600" cy="346760"/>
+          </a:xfrm>
+          <a:prstGeom prst="rect">
+            <a:avLst/>
+          </a:prstGeom>
+          <a:solidFill>
+            <a:schemeClr val="accent5">
+              <a:lumMod val="75000"/>
+            </a:schemeClr>
+          </a:solidFill>
+          <a:ln w="19050">
+            <a:solidFill>
+              <a:schemeClr val="accent5">
+                <a:lumMod val="75000"/>
+              </a:schemeClr>
+            </a:solidFill>
+          </a:ln>
+          <a:effectLst/>
+        </p:spPr>
+        <p:style>
+          <a:lnRef idx="1">
+            <a:schemeClr val="accent2"/>
+          </a:lnRef>
+          <a:fillRef idx="2">
+            <a:schemeClr val="accent2"/>
+          </a:fillRef>
+          <a:effectRef idx="1">
+            <a:schemeClr val="accent2"/>
+          </a:effectRef>
+          <a:fontRef idx="minor">
+            <a:schemeClr val="dk1"/>
+          </a:fontRef>
+        </p:style>
+        <p:txBody>
+          <a:bodyPr rtlCol="0" anchor="ctr"/>
+          <a:lstStyle/>
+          <a:p>
+            <a:pPr algn="ctr"/>
+            <a:r>
+              <a:rPr lang="en-US" sz="1600" dirty="0">
+                <a:solidFill>
+                  <a:schemeClr val="bg1"/>
+                </a:solidFill>
+              </a:rPr>
+              <a:t>:EventsCenter</a:t>
+            </a:r>
+            <a:endParaRPr lang="en-SG" sz="1600" dirty="0">
+              <a:solidFill>
+                <a:schemeClr val="bg1"/>
+              </a:solidFill>
+            </a:endParaRPr>
+          </a:p>
+        </p:txBody>
+      </p:sp>
+      <p:cxnSp>
+        <p:nvCxnSpPr>
+          <p:cNvPr id="40" name="Straight Connector 39"/>
+          <p:cNvCxnSpPr/>
+          <p:nvPr/>
+        </p:nvCxnSpPr>
+        <p:spPr>
+          <a:xfrm>
+            <a:off x="10140802" y="944306"/>
+            <a:ext cx="0" cy="1723059"/>
+          </a:xfrm>
+          <a:prstGeom prst="line">
+            <a:avLst/>
+          </a:prstGeom>
+          <a:ln w="19050">
+            <a:solidFill>
+              <a:schemeClr val="accent5">
+                <a:lumMod val="75000"/>
+              </a:schemeClr>
+            </a:solidFill>
+            <a:prstDash val="sysDash"/>
+          </a:ln>
+          <a:effectLst/>
+        </p:spPr>
+        <p:style>
+          <a:lnRef idx="1">
+            <a:schemeClr val="accent1"/>
+          </a:lnRef>
+          <a:fillRef idx="2">
+            <a:schemeClr val="accent1"/>
+          </a:fillRef>
+          <a:effectRef idx="1">
+            <a:schemeClr val="accent1"/>
+          </a:effectRef>
+          <a:fontRef idx="minor">
+            <a:schemeClr val="dk1"/>
+          </a:fontRef>
+        </p:style>
+      </p:cxnSp>
+      <p:sp>
+        <p:nvSpPr>
+          <p:cNvPr id="41" name="Rectangle 40"/>
+          <p:cNvSpPr/>
+          <p:nvPr/>
+        </p:nvSpPr>
+        <p:spPr>
+          <a:xfrm>
+            <a:off x="10068794" y="1961203"/>
+            <a:ext cx="142006" cy="176787"/>
+          </a:xfrm>
+          <a:prstGeom prst="rect">
+            <a:avLst/>
+          </a:prstGeom>
+          <a:solidFill>
+            <a:schemeClr val="accent5">
+              <a:lumMod val="75000"/>
+            </a:schemeClr>
+          </a:solidFill>
+          <a:ln>
+            <a:solidFill>
+              <a:schemeClr val="accent5">
+                <a:lumMod val="75000"/>
+              </a:schemeClr>
+            </a:solidFill>
+          </a:ln>
+          <a:effectLst/>
+        </p:spPr>
+        <p:style>
+          <a:lnRef idx="1">
+            <a:schemeClr val="accent3"/>
+          </a:lnRef>
+          <a:fillRef idx="2">
+            <a:schemeClr val="accent3"/>
+          </a:fillRef>
+          <a:effectRef idx="1">
+            <a:schemeClr val="accent3"/>
+          </a:effectRef>
+          <a:fontRef idx="minor">
+            <a:schemeClr val="dk1"/>
+          </a:fontRef>
+        </p:style>
+        <p:txBody>
+          <a:bodyPr rtlCol="0" anchor="ctr"/>
+          <a:lstStyle/>
+          <a:p>
+            <a:pPr algn="ctr"/>
+            <a:endParaRPr lang="en-SG" sz="1400" dirty="0"/>
+          </a:p>
+        </p:txBody>
+      </p:sp>
+      <p:cxnSp>
+        <p:nvCxnSpPr>
+          <p:cNvPr id="42" name="Straight Arrow Connector 41"/>
+          <p:cNvCxnSpPr/>
+          <p:nvPr/>
+        </p:nvCxnSpPr>
+        <p:spPr>
+          <a:xfrm>
+            <a:off x="7467992" y="1961202"/>
+            <a:ext cx="2568438" cy="0"/>
+          </a:xfrm>
+          <a:prstGeom prst="straightConnector1">
+            <a:avLst/>
+          </a:prstGeom>
+          <a:ln w="19050">
+            <a:solidFill>
+              <a:srgbClr val="7030A0"/>
+            </a:solidFill>
+            <a:tailEnd type="arrow"/>
+          </a:ln>
+        </p:spPr>
+        <p:style>
+          <a:lnRef idx="1">
+            <a:schemeClr val="accent1"/>
+          </a:lnRef>
+          <a:fillRef idx="0">
+            <a:schemeClr val="accent1"/>
+          </a:fillRef>
+          <a:effectRef idx="0">
+            <a:schemeClr val="accent1"/>
+          </a:effectRef>
+          <a:fontRef idx="minor">
+            <a:schemeClr val="tx1"/>
+          </a:fontRef>
+        </p:style>
+      </p:cxnSp>
+      <p:cxnSp>
+        <p:nvCxnSpPr>
+          <p:cNvPr id="44" name="Straight Arrow Connector 43"/>
+          <p:cNvCxnSpPr/>
+          <p:nvPr/>
+        </p:nvCxnSpPr>
+        <p:spPr>
+          <a:xfrm>
+            <a:off x="7467992" y="2137989"/>
+            <a:ext cx="2549946" cy="0"/>
+          </a:xfrm>
+          <a:prstGeom prst="straightConnector1">
+            <a:avLst/>
+          </a:prstGeom>
+          <a:ln w="19050">
+            <a:solidFill>
+              <a:schemeClr val="accent5">
+                <a:lumMod val="75000"/>
+              </a:schemeClr>
+            </a:solidFill>
+            <a:prstDash val="sysDash"/>
+            <a:headEnd type="arrow" w="med" len="med"/>
+            <a:tailEnd type="none" w="med" len="med"/>
+          </a:ln>
+        </p:spPr>
+        <p:style>
+          <a:lnRef idx="1">
+            <a:schemeClr val="accent1"/>
+          </a:lnRef>
+          <a:fillRef idx="0">
+            <a:schemeClr val="accent1"/>
+          </a:fillRef>
+          <a:effectRef idx="0">
+            <a:schemeClr val="accent1"/>
+          </a:effectRef>
+          <a:fontRef idx="minor">
+            <a:schemeClr val="tx1"/>
+          </a:fontRef>
+        </p:style>
+      </p:cxnSp>
+      <p:sp>
+        <p:nvSpPr>
+          <p:cNvPr id="53" name="Rectangle 62"/>
+          <p:cNvSpPr/>
+          <p:nvPr/>
+        </p:nvSpPr>
+        <p:spPr>
+          <a:xfrm>
+            <a:off x="8894179" y="4278322"/>
+            <a:ext cx="1093635" cy="346760"/>
+          </a:xfrm>
+          <a:prstGeom prst="rect">
+            <a:avLst/>
+          </a:prstGeom>
+          <a:solidFill>
+            <a:schemeClr val="accent6">
+              <a:lumMod val="75000"/>
+            </a:schemeClr>
+          </a:solidFill>
+          <a:ln w="19050">
+            <a:solidFill>
+              <a:schemeClr val="accent6">
+                <a:lumMod val="75000"/>
+              </a:schemeClr>
+            </a:solidFill>
+          </a:ln>
+          <a:effectLst/>
+        </p:spPr>
+        <p:style>
+          <a:lnRef idx="1">
+            <a:schemeClr val="accent2"/>
+          </a:lnRef>
+          <a:fillRef idx="2">
+            <a:schemeClr val="accent2"/>
+          </a:fillRef>
+          <a:effectRef idx="1">
+            <a:schemeClr val="accent2"/>
+          </a:effectRef>
+          <a:fontRef idx="minor">
+            <a:schemeClr val="dk1"/>
+          </a:fontRef>
+        </p:style>
+        <p:txBody>
+          <a:bodyPr rtlCol="0" anchor="ctr"/>
+          <a:lstStyle/>
+          <a:p>
+            <a:pPr algn="ctr"/>
+            <a:r>
+              <a:rPr lang="en-US" sz="1600" dirty="0">
+                <a:solidFill>
+                  <a:schemeClr val="bg1"/>
+                </a:solidFill>
+              </a:rPr>
+              <a:t>:Storage</a:t>
+            </a:r>
+            <a:endParaRPr lang="en-SG" sz="1600" dirty="0">
+              <a:solidFill>
+                <a:schemeClr val="bg1"/>
+              </a:solidFill>
+            </a:endParaRPr>
+          </a:p>
+        </p:txBody>
+      </p:sp>
+      <p:cxnSp>
+        <p:nvCxnSpPr>
+          <p:cNvPr id="54" name="Straight Connector 53"/>
+          <p:cNvCxnSpPr/>
+          <p:nvPr/>
+        </p:nvCxnSpPr>
+        <p:spPr>
+          <a:xfrm>
+            <a:off x="9440995" y="4641994"/>
+            <a:ext cx="0" cy="1723059"/>
+          </a:xfrm>
+          <a:prstGeom prst="line">
+            <a:avLst/>
+          </a:prstGeom>
+          <a:ln w="19050">
+            <a:solidFill>
+              <a:schemeClr val="accent6">
+                <a:lumMod val="75000"/>
+              </a:schemeClr>
+            </a:solidFill>
+            <a:prstDash val="sysDash"/>
+          </a:ln>
+          <a:effectLst/>
+        </p:spPr>
+        <p:style>
+          <a:lnRef idx="1">
+            <a:schemeClr val="accent1"/>
+          </a:lnRef>
+          <a:fillRef idx="2">
+            <a:schemeClr val="accent1"/>
+          </a:fillRef>
+          <a:effectRef idx="1">
+            <a:schemeClr val="accent1"/>
+          </a:effectRef>
+          <a:fontRef idx="minor">
+            <a:schemeClr val="dk1"/>
+          </a:fontRef>
+        </p:style>
+      </p:cxnSp>
+      <p:sp>
+        <p:nvSpPr>
+          <p:cNvPr id="55" name="Rectangle 54"/>
+          <p:cNvSpPr/>
+          <p:nvPr/>
+        </p:nvSpPr>
+        <p:spPr>
+          <a:xfrm>
+            <a:off x="9368987" y="5335663"/>
+            <a:ext cx="124478" cy="287409"/>
+          </a:xfrm>
+          <a:prstGeom prst="rect">
+            <a:avLst/>
+          </a:prstGeom>
+          <a:solidFill>
+            <a:schemeClr val="accent6">
+              <a:lumMod val="75000"/>
+            </a:schemeClr>
+          </a:solidFill>
+          <a:ln>
+            <a:solidFill>
+              <a:schemeClr val="accent6">
+                <a:lumMod val="75000"/>
+              </a:schemeClr>
+            </a:solidFill>
+          </a:ln>
+          <a:effectLst/>
+        </p:spPr>
+        <p:style>
+          <a:lnRef idx="1">
+            <a:schemeClr val="accent3"/>
+          </a:lnRef>
+          <a:fillRef idx="2">
+            <a:schemeClr val="accent3"/>
+          </a:fillRef>
+          <a:effectRef idx="1">
+            <a:schemeClr val="accent3"/>
+          </a:effectRef>
+          <a:fontRef idx="minor">
+            <a:schemeClr val="dk1"/>
+          </a:fontRef>
+        </p:style>
+        <p:txBody>
+          <a:bodyPr rtlCol="0" anchor="ctr"/>
+          <a:lstStyle/>
+          <a:p>
+            <a:pPr algn="ctr"/>
+            <a:endParaRPr lang="en-SG" sz="1400" dirty="0"/>
+          </a:p>
+        </p:txBody>
+      </p:sp>
+      <p:sp>
+        <p:nvSpPr>
+          <p:cNvPr id="62" name="TextBox 61"/>
+          <p:cNvSpPr txBox="1"/>
+          <p:nvPr/>
+        </p:nvSpPr>
+        <p:spPr>
+          <a:xfrm>
+            <a:off x="3334095" y="4797674"/>
+            <a:ext cx="2716635" cy="215444"/>
+          </a:xfrm>
+          <a:prstGeom prst="rect">
+            <a:avLst/>
+          </a:prstGeom>
+          <a:noFill/>
+        </p:spPr>
+        <p:txBody>
+          <a:bodyPr wrap="square" lIns="0" tIns="0" rIns="0" bIns="0" rtlCol="0">
+            <a:spAutoFit/>
+          </a:bodyPr>
+          <a:lstStyle/>
+          <a:p>
+            <a:r>
+              <a:rPr lang="en-US" sz="1400" dirty="0">
                 <a:solidFill>
                   <a:schemeClr val="accent5">
                     <a:lumMod val="75000"/>
                   </a:schemeClr>
                 </a:solidFill>
               </a:rPr>
-              <a:t>AddressBookChangedEvent</a:t>
-            </a:r>
-            <a:r>
-              <a:rPr lang="en-US" sz="1400" dirty="0" smtClean="0">
-                <a:solidFill>
-                  <a:schemeClr val="accent5">
-                    <a:lumMod val="75000"/>
-                  </a:schemeClr>
-                </a:solidFill>
-              </a:rPr>
-              <a:t>)</a:t>
-            </a:r>
-            <a:endParaRPr lang="en-US" sz="1400" dirty="0">
-              <a:solidFill>
-                <a:schemeClr val="accent5">
-                  <a:lumMod val="75000"/>
-                </a:schemeClr>
-              </a:solidFill>
-            </a:endParaRPr>
+              <a:t>post(TaskBookChangedEvent)</a:t>
+            </a:r>
           </a:p>
         </p:txBody>
       </p:sp>
       <p:cxnSp>
         <p:nvCxnSpPr>
-          <p:cNvPr id="34" name="Straight Arrow Connector 33"/>
+          <p:cNvPr id="63" name="Straight Arrow Connector 62"/>
           <p:cNvCxnSpPr/>
           <p:nvPr/>
         </p:nvCxnSpPr>
         <p:spPr>
-          <a:xfrm>
-            <a:off x="3954408" y="2190681"/>
-            <a:ext cx="1837184" cy="0"/>
+          <a:xfrm flipH="1">
+            <a:off x="6050730" y="5623071"/>
+            <a:ext cx="3383941" cy="0"/>
           </a:xfrm>
           <a:prstGeom prst="straightConnector1">
             <a:avLst/>
           </a:prstGeom>
           <a:ln w="19050">
             <a:solidFill>
-              <a:srgbClr val="7030A0"/>
+              <a:schemeClr val="accent6">
+                <a:lumMod val="75000"/>
+              </a:schemeClr>
             </a:solidFill>
             <a:prstDash val="sysDash"/>
-            <a:headEnd type="arrow" w="med" len="med"/>
-            <a:tailEnd type="none" w="med" len="med"/>
+            <a:headEnd type="none" w="med" len="med"/>
+            <a:tailEnd type="arrow" w="med" len="med"/>
           </a:ln>
         </p:spPr>
         <p:style>
@@ -5871,91 +6234,15 @@
           </a:fontRef>
         </p:style>
       </p:cxnSp>
-      <p:cxnSp>
-        <p:nvCxnSpPr>
-          <p:cNvPr id="35" name="Straight Arrow Connector 34"/>
-          <p:cNvCxnSpPr/>
-          <p:nvPr/>
-        </p:nvCxnSpPr>
-        <p:spPr>
-          <a:xfrm>
-            <a:off x="1739069" y="2266002"/>
-            <a:ext cx="2058118" cy="0"/>
-          </a:xfrm>
-          <a:prstGeom prst="straightConnector1">
-            <a:avLst/>
-          </a:prstGeom>
-          <a:ln w="19050">
-            <a:solidFill>
-              <a:srgbClr val="0070C0"/>
-            </a:solidFill>
-            <a:prstDash val="sysDash"/>
-            <a:headEnd type="arrow" w="med" len="med"/>
-            <a:tailEnd type="none" w="med" len="med"/>
-          </a:ln>
-        </p:spPr>
-        <p:style>
-          <a:lnRef idx="1">
-            <a:schemeClr val="accent1"/>
-          </a:lnRef>
-          <a:fillRef idx="0">
-            <a:schemeClr val="accent1"/>
-          </a:fillRef>
-          <a:effectRef idx="0">
-            <a:schemeClr val="accent1"/>
-          </a:effectRef>
-          <a:fontRef idx="minor">
-            <a:schemeClr val="tx1"/>
-          </a:fontRef>
-        </p:style>
-      </p:cxnSp>
-      <p:cxnSp>
-        <p:nvCxnSpPr>
-          <p:cNvPr id="37" name="Straight Arrow Connector 36"/>
-          <p:cNvCxnSpPr/>
-          <p:nvPr/>
-        </p:nvCxnSpPr>
-        <p:spPr>
-          <a:xfrm>
-            <a:off x="390618" y="2342202"/>
-            <a:ext cx="1196051" cy="0"/>
-          </a:xfrm>
-          <a:prstGeom prst="straightConnector1">
-            <a:avLst/>
-          </a:prstGeom>
-          <a:ln w="19050">
-            <a:solidFill>
-              <a:srgbClr val="00B050"/>
-            </a:solidFill>
-            <a:prstDash val="sysDash"/>
-            <a:headEnd type="arrow" w="med" len="med"/>
-            <a:tailEnd type="none" w="med" len="med"/>
-          </a:ln>
-        </p:spPr>
-        <p:style>
-          <a:lnRef idx="1">
-            <a:schemeClr val="accent1"/>
-          </a:lnRef>
-          <a:fillRef idx="0">
-            <a:schemeClr val="accent1"/>
-          </a:fillRef>
-          <a:effectRef idx="0">
-            <a:schemeClr val="accent1"/>
-          </a:effectRef>
-          <a:fontRef idx="minor">
-            <a:schemeClr val="tx1"/>
-          </a:fontRef>
-        </p:style>
-      </p:cxnSp>
-      <p:sp>
-        <p:nvSpPr>
-          <p:cNvPr id="39" name="Rectangle 62"/>
+      <p:sp>
+        <p:nvSpPr>
+          <p:cNvPr id="66" name="Rectangle 62"/>
           <p:cNvSpPr/>
           <p:nvPr/>
         </p:nvSpPr>
         <p:spPr>
           <a:xfrm>
-            <a:off x="7696200" y="591251"/>
+            <a:off x="5315146" y="4295233"/>
             <a:ext cx="1371600" cy="346760"/>
           </a:xfrm>
           <a:prstGeom prst="rect">
@@ -5995,20 +6282,12 @@
           <a:p>
             <a:pPr algn="ctr"/>
             <a:r>
-              <a:rPr lang="en-US" sz="1600" dirty="0" smtClean="0">
+              <a:rPr lang="en-US" sz="1600" dirty="0">
                 <a:solidFill>
                   <a:schemeClr val="bg1"/>
                 </a:solidFill>
               </a:rPr>
-              <a:t>:</a:t>
-            </a:r>
-            <a:r>
-              <a:rPr lang="en-US" sz="1600" dirty="0" err="1" smtClean="0">
-                <a:solidFill>
-                  <a:schemeClr val="bg1"/>
-                </a:solidFill>
-              </a:rPr>
-              <a:t>EventsCenter</a:t>
+              <a:t>:EventsCenter</a:t>
             </a:r>
             <a:endParaRPr lang="en-SG" sz="1600" dirty="0">
               <a:solidFill>
@@ -6020,13 +6299,13 @@
       </p:sp>
       <p:cxnSp>
         <p:nvCxnSpPr>
-          <p:cNvPr id="40" name="Straight Connector 39"/>
+          <p:cNvPr id="67" name="Straight Connector 66"/>
           <p:cNvCxnSpPr/>
           <p:nvPr/>
         </p:nvCxnSpPr>
         <p:spPr>
           <a:xfrm>
-            <a:off x="8616802" y="944305"/>
+            <a:off x="5980731" y="4648288"/>
             <a:ext cx="0" cy="1723059"/>
           </a:xfrm>
           <a:prstGeom prst="line">
@@ -6059,14 +6338,14 @@
       </p:cxnSp>
       <p:sp>
         <p:nvSpPr>
-          <p:cNvPr id="41" name="Rectangle 40"/>
+          <p:cNvPr id="68" name="Rectangle 67"/>
           <p:cNvSpPr/>
           <p:nvPr/>
         </p:nvSpPr>
         <p:spPr>
           <a:xfrm>
-            <a:off x="8544794" y="1961202"/>
-            <a:ext cx="142006" cy="176787"/>
+            <a:off x="5908723" y="5071221"/>
+            <a:ext cx="142006" cy="1036757"/>
           </a:xfrm>
           <a:prstGeom prst="rect">
             <a:avLst/>
@@ -6104,511 +6383,7 @@
           <a:lstStyle/>
           <a:p>
             <a:pPr algn="ctr"/>
-            <a:endParaRPr lang="en-SG" sz="1400">
-              <a:solidFill>
-                <a:schemeClr val="dk1"/>
-              </a:solidFill>
-            </a:endParaRPr>
-          </a:p>
-        </p:txBody>
-      </p:sp>
-      <p:cxnSp>
-        <p:nvCxnSpPr>
-          <p:cNvPr id="42" name="Straight Arrow Connector 41"/>
-          <p:cNvCxnSpPr/>
-          <p:nvPr/>
-        </p:nvCxnSpPr>
-        <p:spPr>
-          <a:xfrm>
-            <a:off x="5943992" y="1961202"/>
-            <a:ext cx="2568438" cy="0"/>
-          </a:xfrm>
-          <a:prstGeom prst="straightConnector1">
-            <a:avLst/>
-          </a:prstGeom>
-          <a:ln w="19050">
-            <a:solidFill>
-              <a:srgbClr val="7030A0"/>
-            </a:solidFill>
-            <a:tailEnd type="arrow"/>
-          </a:ln>
-        </p:spPr>
-        <p:style>
-          <a:lnRef idx="1">
-            <a:schemeClr val="accent1"/>
-          </a:lnRef>
-          <a:fillRef idx="0">
-            <a:schemeClr val="accent1"/>
-          </a:fillRef>
-          <a:effectRef idx="0">
-            <a:schemeClr val="accent1"/>
-          </a:effectRef>
-          <a:fontRef idx="minor">
-            <a:schemeClr val="tx1"/>
-          </a:fontRef>
-        </p:style>
-      </p:cxnSp>
-      <p:cxnSp>
-        <p:nvCxnSpPr>
-          <p:cNvPr id="44" name="Straight Arrow Connector 43"/>
-          <p:cNvCxnSpPr/>
-          <p:nvPr/>
-        </p:nvCxnSpPr>
-        <p:spPr>
-          <a:xfrm>
-            <a:off x="5943992" y="2137989"/>
-            <a:ext cx="2549946" cy="0"/>
-          </a:xfrm>
-          <a:prstGeom prst="straightConnector1">
-            <a:avLst/>
-          </a:prstGeom>
-          <a:ln w="19050">
-            <a:solidFill>
-              <a:schemeClr val="accent5">
-                <a:lumMod val="75000"/>
-              </a:schemeClr>
-            </a:solidFill>
-            <a:prstDash val="sysDash"/>
-            <a:headEnd type="arrow" w="med" len="med"/>
-            <a:tailEnd type="none" w="med" len="med"/>
-          </a:ln>
-        </p:spPr>
-        <p:style>
-          <a:lnRef idx="1">
-            <a:schemeClr val="accent1"/>
-          </a:lnRef>
-          <a:fillRef idx="0">
-            <a:schemeClr val="accent1"/>
-          </a:fillRef>
-          <a:effectRef idx="0">
-            <a:schemeClr val="accent1"/>
-          </a:effectRef>
-          <a:fontRef idx="minor">
-            <a:schemeClr val="tx1"/>
-          </a:fontRef>
-        </p:style>
-      </p:cxnSp>
-      <p:sp>
-        <p:nvSpPr>
-          <p:cNvPr id="53" name="Rectangle 62"/>
-          <p:cNvSpPr/>
-          <p:nvPr/>
-        </p:nvSpPr>
-        <p:spPr>
-          <a:xfrm>
-            <a:off x="7370178" y="4278322"/>
-            <a:ext cx="1093635" cy="346760"/>
-          </a:xfrm>
-          <a:prstGeom prst="rect">
-            <a:avLst/>
-          </a:prstGeom>
-          <a:solidFill>
-            <a:schemeClr val="accent6">
-              <a:lumMod val="75000"/>
-            </a:schemeClr>
-          </a:solidFill>
-          <a:ln w="19050">
-            <a:solidFill>
-              <a:schemeClr val="accent6">
-                <a:lumMod val="75000"/>
-              </a:schemeClr>
-            </a:solidFill>
-          </a:ln>
-          <a:effectLst/>
-        </p:spPr>
-        <p:style>
-          <a:lnRef idx="1">
-            <a:schemeClr val="accent2"/>
-          </a:lnRef>
-          <a:fillRef idx="2">
-            <a:schemeClr val="accent2"/>
-          </a:fillRef>
-          <a:effectRef idx="1">
-            <a:schemeClr val="accent2"/>
-          </a:effectRef>
-          <a:fontRef idx="minor">
-            <a:schemeClr val="dk1"/>
-          </a:fontRef>
-        </p:style>
-        <p:txBody>
-          <a:bodyPr rtlCol="0" anchor="ctr"/>
-          <a:lstStyle/>
-          <a:p>
-            <a:pPr algn="ctr"/>
-            <a:r>
-              <a:rPr lang="en-US" sz="1600" dirty="0" smtClean="0">
-                <a:solidFill>
-                  <a:schemeClr val="bg1"/>
-                </a:solidFill>
-              </a:rPr>
-              <a:t>:Storage</a:t>
-            </a:r>
-            <a:endParaRPr lang="en-SG" sz="1600" dirty="0">
-              <a:solidFill>
-                <a:schemeClr val="bg1"/>
-              </a:solidFill>
-            </a:endParaRPr>
-          </a:p>
-        </p:txBody>
-      </p:sp>
-      <p:cxnSp>
-        <p:nvCxnSpPr>
-          <p:cNvPr id="54" name="Straight Connector 53"/>
-          <p:cNvCxnSpPr/>
-          <p:nvPr/>
-        </p:nvCxnSpPr>
-        <p:spPr>
-          <a:xfrm>
-            <a:off x="7916995" y="4641993"/>
-            <a:ext cx="0" cy="1723059"/>
-          </a:xfrm>
-          <a:prstGeom prst="line">
-            <a:avLst/>
-          </a:prstGeom>
-          <a:ln w="19050">
-            <a:solidFill>
-              <a:schemeClr val="accent6">
-                <a:lumMod val="75000"/>
-              </a:schemeClr>
-            </a:solidFill>
-            <a:prstDash val="sysDash"/>
-          </a:ln>
-          <a:effectLst/>
-        </p:spPr>
-        <p:style>
-          <a:lnRef idx="1">
-            <a:schemeClr val="accent1"/>
-          </a:lnRef>
-          <a:fillRef idx="2">
-            <a:schemeClr val="accent1"/>
-          </a:fillRef>
-          <a:effectRef idx="1">
-            <a:schemeClr val="accent1"/>
-          </a:effectRef>
-          <a:fontRef idx="minor">
-            <a:schemeClr val="dk1"/>
-          </a:fontRef>
-        </p:style>
-      </p:cxnSp>
-      <p:sp>
-        <p:nvSpPr>
-          <p:cNvPr id="55" name="Rectangle 54"/>
-          <p:cNvSpPr/>
-          <p:nvPr/>
-        </p:nvSpPr>
-        <p:spPr>
-          <a:xfrm>
-            <a:off x="7844987" y="5335662"/>
-            <a:ext cx="124478" cy="287409"/>
-          </a:xfrm>
-          <a:prstGeom prst="rect">
-            <a:avLst/>
-          </a:prstGeom>
-          <a:solidFill>
-            <a:schemeClr val="accent6">
-              <a:lumMod val="75000"/>
-            </a:schemeClr>
-          </a:solidFill>
-          <a:ln>
-            <a:solidFill>
-              <a:schemeClr val="accent6">
-                <a:lumMod val="75000"/>
-              </a:schemeClr>
-            </a:solidFill>
-          </a:ln>
-          <a:effectLst/>
-        </p:spPr>
-        <p:style>
-          <a:lnRef idx="1">
-            <a:schemeClr val="accent3"/>
-          </a:lnRef>
-          <a:fillRef idx="2">
-            <a:schemeClr val="accent3"/>
-          </a:fillRef>
-          <a:effectRef idx="1">
-            <a:schemeClr val="accent3"/>
-          </a:effectRef>
-          <a:fontRef idx="minor">
-            <a:schemeClr val="dk1"/>
-          </a:fontRef>
-        </p:style>
-        <p:txBody>
-          <a:bodyPr rtlCol="0" anchor="ctr"/>
-          <a:lstStyle/>
-          <a:p>
-            <a:pPr algn="ctr"/>
-            <a:endParaRPr lang="en-SG" sz="1400">
-              <a:solidFill>
-                <a:schemeClr val="dk1"/>
-              </a:solidFill>
-            </a:endParaRPr>
-          </a:p>
-        </p:txBody>
-      </p:sp>
-      <p:sp>
-        <p:nvSpPr>
-          <p:cNvPr id="62" name="TextBox 61"/>
-          <p:cNvSpPr txBox="1"/>
-          <p:nvPr/>
-        </p:nvSpPr>
-        <p:spPr>
-          <a:xfrm>
-            <a:off x="1810094" y="4797674"/>
-            <a:ext cx="2716635" cy="215444"/>
-          </a:xfrm>
-          <a:prstGeom prst="rect">
-            <a:avLst/>
-          </a:prstGeom>
-          <a:noFill/>
-        </p:spPr>
-        <p:txBody>
-          <a:bodyPr wrap="square" lIns="0" tIns="0" rIns="0" bIns="0" rtlCol="0">
-            <a:spAutoFit/>
-          </a:bodyPr>
-          <a:lstStyle/>
-          <a:p>
-            <a:r>
-              <a:rPr lang="en-US" sz="1400" dirty="0" smtClean="0">
-                <a:solidFill>
-                  <a:schemeClr val="accent5">
-                    <a:lumMod val="75000"/>
-                  </a:schemeClr>
-                </a:solidFill>
-              </a:rPr>
-              <a:t>post(</a:t>
-            </a:r>
-            <a:r>
-              <a:rPr lang="en-US" sz="1400" dirty="0" err="1" smtClean="0">
-                <a:solidFill>
-                  <a:schemeClr val="accent5">
-                    <a:lumMod val="75000"/>
-                  </a:schemeClr>
-                </a:solidFill>
-              </a:rPr>
-              <a:t>AddressBookChangedEvent</a:t>
-            </a:r>
-            <a:r>
-              <a:rPr lang="en-US" sz="1400" dirty="0" smtClean="0">
-                <a:solidFill>
-                  <a:schemeClr val="accent5">
-                    <a:lumMod val="75000"/>
-                  </a:schemeClr>
-                </a:solidFill>
-              </a:rPr>
-              <a:t>)</a:t>
-            </a:r>
-            <a:endParaRPr lang="en-US" sz="1400" dirty="0">
-              <a:solidFill>
-                <a:schemeClr val="accent5">
-                  <a:lumMod val="75000"/>
-                </a:schemeClr>
-              </a:solidFill>
-            </a:endParaRPr>
-          </a:p>
-        </p:txBody>
-      </p:sp>
-      <p:cxnSp>
-        <p:nvCxnSpPr>
-          <p:cNvPr id="63" name="Straight Arrow Connector 62"/>
-          <p:cNvCxnSpPr/>
-          <p:nvPr/>
-        </p:nvCxnSpPr>
-        <p:spPr>
-          <a:xfrm flipH="1">
-            <a:off x="4526729" y="5623071"/>
-            <a:ext cx="3383941" cy="0"/>
-          </a:xfrm>
-          <a:prstGeom prst="straightConnector1">
-            <a:avLst/>
-          </a:prstGeom>
-          <a:ln w="19050">
-            <a:solidFill>
-              <a:schemeClr val="accent6">
-                <a:lumMod val="75000"/>
-              </a:schemeClr>
-            </a:solidFill>
-            <a:prstDash val="sysDash"/>
-            <a:headEnd type="none" w="med" len="med"/>
-            <a:tailEnd type="arrow" w="med" len="med"/>
-          </a:ln>
-        </p:spPr>
-        <p:style>
-          <a:lnRef idx="1">
-            <a:schemeClr val="accent1"/>
-          </a:lnRef>
-          <a:fillRef idx="0">
-            <a:schemeClr val="accent1"/>
-          </a:fillRef>
-          <a:effectRef idx="0">
-            <a:schemeClr val="accent1"/>
-          </a:effectRef>
-          <a:fontRef idx="minor">
-            <a:schemeClr val="tx1"/>
-          </a:fontRef>
-        </p:style>
-      </p:cxnSp>
-      <p:sp>
-        <p:nvSpPr>
-          <p:cNvPr id="66" name="Rectangle 62"/>
-          <p:cNvSpPr/>
-          <p:nvPr/>
-        </p:nvSpPr>
-        <p:spPr>
-          <a:xfrm>
-            <a:off x="3791146" y="4295233"/>
-            <a:ext cx="1371600" cy="346760"/>
-          </a:xfrm>
-          <a:prstGeom prst="rect">
-            <a:avLst/>
-          </a:prstGeom>
-          <a:solidFill>
-            <a:schemeClr val="accent5">
-              <a:lumMod val="75000"/>
-            </a:schemeClr>
-          </a:solidFill>
-          <a:ln w="19050">
-            <a:solidFill>
-              <a:schemeClr val="accent5">
-                <a:lumMod val="75000"/>
-              </a:schemeClr>
-            </a:solidFill>
-          </a:ln>
-          <a:effectLst/>
-        </p:spPr>
-        <p:style>
-          <a:lnRef idx="1">
-            <a:schemeClr val="accent2"/>
-          </a:lnRef>
-          <a:fillRef idx="2">
-            <a:schemeClr val="accent2"/>
-          </a:fillRef>
-          <a:effectRef idx="1">
-            <a:schemeClr val="accent2"/>
-          </a:effectRef>
-          <a:fontRef idx="minor">
-            <a:schemeClr val="dk1"/>
-          </a:fontRef>
-        </p:style>
-        <p:txBody>
-          <a:bodyPr rtlCol="0" anchor="ctr"/>
-          <a:lstStyle/>
-          <a:p>
-            <a:pPr algn="ctr"/>
-            <a:r>
-              <a:rPr lang="en-US" sz="1600" dirty="0" smtClean="0">
-                <a:solidFill>
-                  <a:schemeClr val="bg1"/>
-                </a:solidFill>
-              </a:rPr>
-              <a:t>:</a:t>
-            </a:r>
-            <a:r>
-              <a:rPr lang="en-US" sz="1600" dirty="0" err="1" smtClean="0">
-                <a:solidFill>
-                  <a:schemeClr val="bg1"/>
-                </a:solidFill>
-              </a:rPr>
-              <a:t>EventsCenter</a:t>
-            </a:r>
-            <a:endParaRPr lang="en-SG" sz="1600" dirty="0">
-              <a:solidFill>
-                <a:schemeClr val="bg1"/>
-              </a:solidFill>
-            </a:endParaRPr>
-          </a:p>
-        </p:txBody>
-      </p:sp>
-      <p:cxnSp>
-        <p:nvCxnSpPr>
-          <p:cNvPr id="67" name="Straight Connector 66"/>
-          <p:cNvCxnSpPr/>
-          <p:nvPr/>
-        </p:nvCxnSpPr>
-        <p:spPr>
-          <a:xfrm>
-            <a:off x="4456731" y="4648287"/>
-            <a:ext cx="0" cy="1723059"/>
-          </a:xfrm>
-          <a:prstGeom prst="line">
-            <a:avLst/>
-          </a:prstGeom>
-          <a:ln w="19050">
-            <a:solidFill>
-              <a:schemeClr val="accent5">
-                <a:lumMod val="75000"/>
-              </a:schemeClr>
-            </a:solidFill>
-            <a:prstDash val="sysDash"/>
-          </a:ln>
-          <a:effectLst/>
-        </p:spPr>
-        <p:style>
-          <a:lnRef idx="1">
-            <a:schemeClr val="accent1"/>
-          </a:lnRef>
-          <a:fillRef idx="2">
-            <a:schemeClr val="accent1"/>
-          </a:fillRef>
-          <a:effectRef idx="1">
-            <a:schemeClr val="accent1"/>
-          </a:effectRef>
-          <a:fontRef idx="minor">
-            <a:schemeClr val="dk1"/>
-          </a:fontRef>
-        </p:style>
-      </p:cxnSp>
-      <p:sp>
-        <p:nvSpPr>
-          <p:cNvPr id="68" name="Rectangle 67"/>
-          <p:cNvSpPr/>
-          <p:nvPr/>
-        </p:nvSpPr>
-        <p:spPr>
-          <a:xfrm>
-            <a:off x="4384723" y="5071220"/>
-            <a:ext cx="142006" cy="1036757"/>
-          </a:xfrm>
-          <a:prstGeom prst="rect">
-            <a:avLst/>
-          </a:prstGeom>
-          <a:solidFill>
-            <a:schemeClr val="accent5">
-              <a:lumMod val="75000"/>
-            </a:schemeClr>
-          </a:solidFill>
-          <a:ln>
-            <a:solidFill>
-              <a:schemeClr val="accent5">
-                <a:lumMod val="75000"/>
-              </a:schemeClr>
-            </a:solidFill>
-          </a:ln>
-          <a:effectLst/>
-        </p:spPr>
-        <p:style>
-          <a:lnRef idx="1">
-            <a:schemeClr val="accent3"/>
-          </a:lnRef>
-          <a:fillRef idx="2">
-            <a:schemeClr val="accent3"/>
-          </a:fillRef>
-          <a:effectRef idx="1">
-            <a:schemeClr val="accent3"/>
-          </a:effectRef>
-          <a:fontRef idx="minor">
-            <a:schemeClr val="dk1"/>
-          </a:fontRef>
-        </p:style>
-        <p:txBody>
-          <a:bodyPr rtlCol="0" anchor="ctr"/>
-          <a:lstStyle/>
-          <a:p>
-            <a:pPr algn="ctr"/>
-            <a:endParaRPr lang="en-SG" sz="1400">
-              <a:solidFill>
-                <a:schemeClr val="dk1"/>
-              </a:solidFill>
-            </a:endParaRPr>
+            <a:endParaRPr lang="en-SG" sz="1400" dirty="0"/>
           </a:p>
         </p:txBody>
       </p:sp>
@@ -6620,7 +6395,7 @@
         </p:nvCxnSpPr>
         <p:spPr>
           <a:xfrm>
-            <a:off x="3078929" y="5071220"/>
+            <a:off x="4602929" y="5071220"/>
             <a:ext cx="1295400" cy="0"/>
           </a:xfrm>
           <a:prstGeom prst="straightConnector1">
@@ -6656,7 +6431,7 @@
         </p:nvCxnSpPr>
         <p:spPr>
           <a:xfrm>
-            <a:off x="2975642" y="6107977"/>
+            <a:off x="4499643" y="6107977"/>
             <a:ext cx="1448755" cy="0"/>
           </a:xfrm>
           <a:prstGeom prst="straightConnector1">
@@ -6696,7 +6471,7 @@
         </p:nvCxnSpPr>
         <p:spPr>
           <a:xfrm>
-            <a:off x="4526729" y="5341014"/>
+            <a:off x="6050729" y="5341014"/>
             <a:ext cx="3318258" cy="0"/>
           </a:xfrm>
           <a:prstGeom prst="straightConnector1">
@@ -6735,7 +6510,7 @@
         </p:nvSpPr>
         <p:spPr>
           <a:xfrm>
-            <a:off x="5036330" y="5065911"/>
+            <a:off x="6560330" y="5065911"/>
             <a:ext cx="2659870" cy="215444"/>
           </a:xfrm>
           <a:prstGeom prst="rect">
@@ -6750,32 +6525,15 @@
           <a:lstStyle/>
           <a:p>
             <a:r>
-              <a:rPr lang="en-US" sz="1400" dirty="0" err="1" smtClean="0">
+              <a:rPr lang="en-US" sz="1400" dirty="0">
                 <a:solidFill>
                   <a:schemeClr val="accent6">
                     <a:lumMod val="75000"/>
                   </a:schemeClr>
                 </a:solidFill>
               </a:rPr>
-              <a:t>handleAddresssBookChangedEvent</a:t>
-            </a:r>
-            <a:r>
-              <a:rPr lang="en-US" sz="1400" dirty="0" smtClean="0">
-                <a:solidFill>
-                  <a:schemeClr val="accent6">
-                    <a:lumMod val="75000"/>
-                  </a:schemeClr>
-                </a:solidFill>
-              </a:rPr>
-              <a:t>()</a:t>
-            </a:r>
-            <a:endParaRPr lang="en-US" sz="1400" dirty="0">
-              <a:solidFill>
-                <a:schemeClr val="accent6">
-                  <a:lumMod val="75000"/>
-                </a:schemeClr>
-              </a:solidFill>
-            </a:endParaRPr>
+              <a:t>handleTaskBookChangedEvent()</a:t>
+            </a:r>
           </a:p>
         </p:txBody>
       </p:sp>
@@ -6787,7 +6545,7 @@
         </p:nvCxnSpPr>
         <p:spPr>
           <a:xfrm flipH="1">
-            <a:off x="314394" y="1099672"/>
+            <a:off x="1838394" y="1099673"/>
             <a:ext cx="24" cy="1598671"/>
           </a:xfrm>
           <a:prstGeom prst="line">
@@ -6824,7 +6582,7 @@
         </p:nvSpPr>
         <p:spPr>
           <a:xfrm>
-            <a:off x="721634" y="4278322"/>
+            <a:off x="2245635" y="4278322"/>
             <a:ext cx="1093635" cy="346760"/>
           </a:xfrm>
           <a:prstGeom prst="rect">
@@ -6860,7 +6618,7 @@
           <a:p>
             <a:pPr algn="ctr"/>
             <a:r>
-              <a:rPr lang="en-US" sz="1600" dirty="0" smtClean="0">
+              <a:rPr lang="en-US" sz="1600" dirty="0">
                 <a:solidFill>
                   <a:schemeClr val="bg1"/>
                 </a:solidFill>
@@ -6883,7 +6641,7 @@
         </p:nvCxnSpPr>
         <p:spPr>
           <a:xfrm>
-            <a:off x="1268451" y="4641993"/>
+            <a:off x="2792451" y="4641994"/>
             <a:ext cx="0" cy="1723059"/>
           </a:xfrm>
           <a:prstGeom prst="line">
@@ -6920,7 +6678,7 @@
         </p:nvSpPr>
         <p:spPr>
           <a:xfrm>
-            <a:off x="1196443" y="5670472"/>
+            <a:off x="2720444" y="5670472"/>
             <a:ext cx="130545" cy="273128"/>
           </a:xfrm>
           <a:prstGeom prst="rect">
@@ -6955,11 +6713,7 @@
           <a:lstStyle/>
           <a:p>
             <a:pPr algn="ctr"/>
-            <a:endParaRPr lang="en-SG" sz="1400">
-              <a:solidFill>
-                <a:schemeClr val="dk1"/>
-              </a:solidFill>
-            </a:endParaRPr>
+            <a:endParaRPr lang="en-SG" sz="1400" dirty="0"/>
           </a:p>
         </p:txBody>
       </p:sp>
@@ -6971,7 +6725,7 @@
         </p:nvCxnSpPr>
         <p:spPr>
           <a:xfrm flipH="1">
-            <a:off x="1348843" y="5943600"/>
+            <a:off x="2872843" y="5943600"/>
             <a:ext cx="3061842" cy="0"/>
           </a:xfrm>
           <a:prstGeom prst="straightConnector1">
@@ -7009,7 +6763,7 @@
         </p:nvCxnSpPr>
         <p:spPr>
           <a:xfrm>
-            <a:off x="1348843" y="5670472"/>
+            <a:off x="2872844" y="5670472"/>
             <a:ext cx="3061841" cy="0"/>
           </a:xfrm>
           <a:prstGeom prst="straightConnector1">
@@ -7048,7 +6802,7 @@
         </p:nvSpPr>
         <p:spPr>
           <a:xfrm>
-            <a:off x="1416276" y="5395369"/>
+            <a:off x="2940276" y="5395369"/>
             <a:ext cx="2659870" cy="215444"/>
           </a:xfrm>
           <a:prstGeom prst="rect">
@@ -7063,26 +6817,13 @@
           <a:lstStyle/>
           <a:p>
             <a:r>
-              <a:rPr lang="en-US" sz="1400" dirty="0" err="1" smtClean="0">
+              <a:rPr lang="en-US" sz="1400" dirty="0">
                 <a:solidFill>
                   <a:srgbClr val="00B050"/>
                 </a:solidFill>
               </a:rPr>
-              <a:t>handleAddresssBookChangedEvent</a:t>
-            </a:r>
-            <a:r>
-              <a:rPr lang="en-US" sz="1400" dirty="0" smtClean="0">
-                <a:solidFill>
-                  <a:srgbClr val="00B050"/>
-                </a:solidFill>
-              </a:rPr>
-              <a:t>()</a:t>
-            </a:r>
-            <a:endParaRPr lang="en-US" sz="1400" dirty="0">
-              <a:solidFill>
-                <a:srgbClr val="00B050"/>
-              </a:solidFill>
-            </a:endParaRPr>
+              <a:t>handleTaskBookChangedEvent()</a:t>
+            </a:r>
           </a:p>
         </p:txBody>
       </p:sp>
@@ -7094,7 +6835,7 @@
         </p:nvGrpSpPr>
         <p:grpSpPr>
           <a:xfrm>
-            <a:off x="1028134" y="5612032"/>
+            <a:off x="2552135" y="5612032"/>
             <a:ext cx="217349" cy="270072"/>
             <a:chOff x="1028134" y="5612032"/>
             <a:chExt cx="217349" cy="270072"/>
@@ -7189,7 +6930,7 @@
             <a:lstStyle/>
             <a:p>
               <a:pPr algn="ctr"/>
-              <a:endParaRPr lang="en-SG"/>
+              <a:endParaRPr lang="en-SG" dirty="0"/>
             </a:p>
           </p:txBody>
         </p:sp>
@@ -7236,11 +6977,7 @@
             <a:lstStyle/>
             <a:p>
               <a:pPr algn="ctr"/>
-              <a:endParaRPr lang="en-SG" sz="1400">
-                <a:solidFill>
-                  <a:schemeClr val="dk1"/>
-                </a:solidFill>
-              </a:endParaRPr>
+              <a:endParaRPr lang="en-SG" sz="1400" dirty="0"/>
             </a:p>
           </p:txBody>
         </p:sp>
@@ -7253,7 +6990,7 @@
         </p:nvSpPr>
         <p:spPr>
           <a:xfrm>
-            <a:off x="194562" y="5444571"/>
+            <a:off x="1718563" y="5444572"/>
             <a:ext cx="794081" cy="430887"/>
           </a:xfrm>
           <a:prstGeom prst="rect">
@@ -7269,18 +7006,13 @@
           <a:p>
             <a:pPr algn="r"/>
             <a:r>
-              <a:rPr lang="en-US" sz="1400" dirty="0" smtClean="0">
+              <a:rPr lang="en-US" sz="1400" dirty="0">
                 <a:solidFill>
                   <a:srgbClr val="00B050"/>
                 </a:solidFill>
               </a:rPr>
               <a:t>Update status bar</a:t>
             </a:r>
-            <a:endParaRPr lang="en-US" sz="1400" dirty="0">
-              <a:solidFill>
-                <a:srgbClr val="00B050"/>
-              </a:solidFill>
-            </a:endParaRPr>
           </a:p>
         </p:txBody>
       </p:sp>
@@ -7292,7 +7024,7 @@
         </p:nvGrpSpPr>
         <p:grpSpPr>
           <a:xfrm flipH="1">
-            <a:off x="7936842" y="5335662"/>
+            <a:off x="9460843" y="5335662"/>
             <a:ext cx="217349" cy="270072"/>
             <a:chOff x="1028134" y="5612032"/>
             <a:chExt cx="217349" cy="270072"/>
@@ -7389,7 +7121,7 @@
             <a:lstStyle/>
             <a:p>
               <a:pPr algn="ctr"/>
-              <a:endParaRPr lang="en-SG"/>
+              <a:endParaRPr lang="en-SG" dirty="0"/>
             </a:p>
           </p:txBody>
         </p:sp>
@@ -7438,11 +7170,7 @@
             <a:lstStyle/>
             <a:p>
               <a:pPr algn="ctr"/>
-              <a:endParaRPr lang="en-SG" sz="1400">
-                <a:solidFill>
-                  <a:schemeClr val="dk1"/>
-                </a:solidFill>
-              </a:endParaRPr>
+              <a:endParaRPr lang="en-SG" sz="1400" dirty="0"/>
             </a:p>
           </p:txBody>
         </p:sp>
@@ -7455,7 +7183,7 @@
         </p:nvSpPr>
         <p:spPr>
           <a:xfrm>
-            <a:off x="8223953" y="5180992"/>
+            <a:off x="9747954" y="5180993"/>
             <a:ext cx="539047" cy="430887"/>
           </a:xfrm>
           <a:prstGeom prst="rect">
@@ -7470,7 +7198,7 @@
           <a:lstStyle/>
           <a:p>
             <a:r>
-              <a:rPr lang="en-US" sz="1400" dirty="0" smtClean="0">
+              <a:rPr lang="en-US" sz="1400" dirty="0">
                 <a:solidFill>
                   <a:schemeClr val="accent6">
                     <a:lumMod val="75000"/>
@@ -7480,7 +7208,7 @@
               <a:t>Save </a:t>
             </a:r>
             <a:br>
-              <a:rPr lang="en-US" sz="1400" dirty="0" smtClean="0">
+              <a:rPr lang="en-US" sz="1400" dirty="0">
                 <a:solidFill>
                   <a:schemeClr val="accent6">
                     <a:lumMod val="75000"/>
@@ -7489,7 +7217,7 @@
               </a:rPr>
             </a:br>
             <a:r>
-              <a:rPr lang="en-US" sz="1400" dirty="0" smtClean="0">
+              <a:rPr lang="en-US" sz="1400" dirty="0">
                 <a:solidFill>
                   <a:schemeClr val="accent6">
                     <a:lumMod val="75000"/>
@@ -7498,13 +7226,6 @@
               </a:rPr>
               <a:t>to file</a:t>
             </a:r>
-            <a:endParaRPr lang="en-US" sz="1400" dirty="0">
-              <a:solidFill>
-                <a:schemeClr val="accent6">
-                  <a:lumMod val="75000"/>
-                </a:schemeClr>
-              </a:solidFill>
-            </a:endParaRPr>
           </a:p>
         </p:txBody>
       </p:sp>
@@ -7546,7 +7267,7 @@
         </p:nvSpPr>
         <p:spPr>
           <a:xfrm>
-            <a:off x="1217465" y="1447800"/>
+            <a:off x="2741466" y="1447800"/>
             <a:ext cx="4917083" cy="3962400"/>
           </a:xfrm>
           <a:prstGeom prst="roundRect">
@@ -7581,7 +7302,7 @@
           <a:lstStyle/>
           <a:p>
             <a:r>
-              <a:rPr lang="en-US" sz="1200" b="1" dirty="0" smtClean="0">
+              <a:rPr lang="en-US" sz="1200" b="1" dirty="0">
                 <a:solidFill>
                   <a:schemeClr val="accent3">
                     <a:lumMod val="75000"/>
@@ -7608,7 +7329,7 @@
         </p:nvSpPr>
         <p:spPr>
           <a:xfrm>
-            <a:off x="2095948" y="2341220"/>
+            <a:off x="3619949" y="2341220"/>
             <a:ext cx="1093635" cy="346760"/>
           </a:xfrm>
           <a:prstGeom prst="rect">
@@ -7641,7 +7362,7 @@
           <a:p>
             <a:pPr algn="ctr"/>
             <a:r>
-              <a:rPr lang="en-US" sz="1050" b="1" dirty="0" err="1">
+              <a:rPr lang="en-US" sz="1050" b="1" dirty="0">
                 <a:solidFill>
                   <a:schemeClr val="accent3">
                     <a:lumMod val="75000"/>
@@ -7668,7 +7389,7 @@
         </p:nvSpPr>
         <p:spPr>
           <a:xfrm>
-            <a:off x="2592528" y="3179160"/>
+            <a:off x="4116529" y="3179161"/>
             <a:ext cx="1093635" cy="236841"/>
           </a:xfrm>
           <a:prstGeom prst="rect">
@@ -7701,7 +7422,7 @@
           <a:p>
             <a:pPr algn="ctr"/>
             <a:r>
-              <a:rPr lang="en-US" sz="1050" b="1" dirty="0" err="1">
+              <a:rPr lang="en-US" sz="1050" b="1" dirty="0">
                 <a:solidFill>
                   <a:schemeClr val="accent3">
                     <a:lumMod val="75000"/>
@@ -7728,7 +7449,7 @@
         </p:nvSpPr>
         <p:spPr>
           <a:xfrm>
-            <a:off x="2092842" y="1770924"/>
+            <a:off x="3616843" y="1770924"/>
             <a:ext cx="1093635" cy="346760"/>
           </a:xfrm>
           <a:prstGeom prst="rect">
@@ -7764,7 +7485,7 @@
           <a:p>
             <a:pPr algn="ctr"/>
             <a:r>
-              <a:rPr lang="en-US" sz="1050" dirty="0" err="1" smtClean="0">
+              <a:rPr lang="en-US" sz="1050" dirty="0">
                 <a:solidFill>
                   <a:schemeClr val="bg1"/>
                 </a:solidFill>
@@ -7790,7 +7511,7 @@
         </p:nvCxnSpPr>
         <p:spPr>
           <a:xfrm rot="16200000" flipH="1">
-            <a:off x="2529445" y="2227899"/>
+            <a:off x="4053445" y="2227899"/>
             <a:ext cx="223536" cy="3106"/>
           </a:xfrm>
           <a:prstGeom prst="bentConnector3">
@@ -7830,7 +7551,7 @@
         </p:nvSpPr>
         <p:spPr>
           <a:xfrm rot="10800000" flipV="1">
-            <a:off x="5394717" y="2110477"/>
+            <a:off x="6918717" y="2110478"/>
             <a:ext cx="270504" cy="175523"/>
           </a:xfrm>
           <a:prstGeom prst="triangle">
@@ -7862,7 +7583,7 @@
           <a:lstStyle/>
           <a:p>
             <a:pPr algn="ctr"/>
-            <a:endParaRPr lang="en-SG" sz="1050" b="1">
+            <a:endParaRPr lang="en-SG" sz="1050" b="1" dirty="0">
               <a:solidFill>
                 <a:srgbClr val="92D050"/>
               </a:solidFill>
@@ -7878,7 +7599,7 @@
         </p:nvCxnSpPr>
         <p:spPr>
           <a:xfrm flipV="1">
-            <a:off x="644735" y="2991937"/>
+            <a:off x="2168735" y="2991938"/>
             <a:ext cx="684904" cy="1"/>
           </a:xfrm>
           <a:prstGeom prst="bentConnector3">
@@ -7921,7 +7642,7 @@
         </p:nvSpPr>
         <p:spPr>
           <a:xfrm rot="16200000">
-            <a:off x="5703829" y="2464877"/>
+            <a:off x="7227830" y="2464878"/>
             <a:ext cx="2362201" cy="328045"/>
           </a:xfrm>
           <a:prstGeom prst="roundRect">
@@ -7981,7 +7702,7 @@
         </p:nvSpPr>
         <p:spPr>
           <a:xfrm>
-            <a:off x="2592528" y="3649359"/>
+            <a:off x="4116529" y="3649360"/>
             <a:ext cx="1093635" cy="236841"/>
           </a:xfrm>
           <a:prstGeom prst="rect">
@@ -8014,7 +7735,7 @@
           <a:p>
             <a:pPr algn="ctr"/>
             <a:r>
-              <a:rPr lang="en-US" sz="1050" b="1" dirty="0" err="1">
+              <a:rPr lang="en-US" sz="1050" b="1" dirty="0">
                 <a:solidFill>
                   <a:schemeClr val="accent3">
                     <a:lumMod val="75000"/>
@@ -8041,7 +7762,7 @@
         </p:nvSpPr>
         <p:spPr>
           <a:xfrm>
-            <a:off x="2592527" y="4563759"/>
+            <a:off x="4116528" y="4563760"/>
             <a:ext cx="1093635" cy="236841"/>
           </a:xfrm>
           <a:prstGeom prst="rect">
@@ -8074,7 +7795,7 @@
           <a:p>
             <a:pPr algn="ctr"/>
             <a:r>
-              <a:rPr lang="en-US" sz="1050" b="1" dirty="0" err="1">
+              <a:rPr lang="en-US" sz="1050" b="1" dirty="0">
                 <a:solidFill>
                   <a:schemeClr val="accent3">
                     <a:lumMod val="75000"/>
@@ -8101,7 +7822,7 @@
         </p:nvSpPr>
         <p:spPr>
           <a:xfrm>
-            <a:off x="2592526" y="3991960"/>
+            <a:off x="4116527" y="3991961"/>
             <a:ext cx="1093635" cy="236841"/>
           </a:xfrm>
           <a:prstGeom prst="rect">
@@ -8134,14 +7855,14 @@
           <a:p>
             <a:pPr algn="ctr"/>
             <a:r>
-              <a:rPr lang="en-US" sz="1050" b="1" dirty="0" err="1">
+              <a:rPr lang="en-US" sz="1050" b="1" dirty="0">
                 <a:solidFill>
                   <a:schemeClr val="accent3">
                     <a:lumMod val="75000"/>
                   </a:schemeClr>
                 </a:solidFill>
               </a:rPr>
-              <a:t>PersonListPanel</a:t>
+              <a:t>TaskListPanel</a:t>
             </a:r>
             <a:endParaRPr lang="en-SG" sz="1050" b="1" dirty="0">
               <a:solidFill>
@@ -8161,7 +7882,7 @@
         </p:nvSpPr>
         <p:spPr>
           <a:xfrm>
-            <a:off x="3839323" y="4228801"/>
+            <a:off x="5363323" y="4228802"/>
             <a:ext cx="1040906" cy="236841"/>
           </a:xfrm>
           <a:prstGeom prst="rect">
@@ -8194,14 +7915,14 @@
           <a:p>
             <a:pPr algn="ctr"/>
             <a:r>
-              <a:rPr lang="en-US" sz="1050" b="1" dirty="0" err="1">
+              <a:rPr lang="en-US" sz="1050" b="1" dirty="0">
                 <a:solidFill>
                   <a:schemeClr val="accent3">
                     <a:lumMod val="75000"/>
                   </a:schemeClr>
                 </a:solidFill>
               </a:rPr>
-              <a:t>PersonCard</a:t>
+              <a:t>TaskCard</a:t>
             </a:r>
             <a:endParaRPr lang="en-SG" sz="1050" b="1" dirty="0">
               <a:solidFill>
@@ -8221,7 +7942,7 @@
         </p:nvSpPr>
         <p:spPr>
           <a:xfrm>
-            <a:off x="2592528" y="4966000"/>
+            <a:off x="4116529" y="4966001"/>
             <a:ext cx="1093635" cy="236841"/>
           </a:xfrm>
           <a:prstGeom prst="rect">
@@ -8254,7 +7975,7 @@
           <a:p>
             <a:pPr algn="ctr"/>
             <a:r>
-              <a:rPr lang="en-US" sz="1050" b="1" dirty="0" err="1">
+              <a:rPr lang="en-US" sz="1050" b="1" dirty="0">
                 <a:solidFill>
                   <a:schemeClr val="accent3">
                     <a:lumMod val="75000"/>
@@ -8281,7 +8002,7 @@
         </p:nvSpPr>
         <p:spPr>
           <a:xfrm>
-            <a:off x="2324548" y="2706452"/>
+            <a:off x="3848548" y="2706453"/>
             <a:ext cx="183156" cy="161573"/>
           </a:xfrm>
           <a:prstGeom prst="flowChartDecision">
@@ -8317,7 +8038,7 @@
           <a:lstStyle/>
           <a:p>
             <a:pPr algn="ctr"/>
-            <a:endParaRPr lang="en-SG"/>
+            <a:endParaRPr lang="en-SG" dirty="0"/>
           </a:p>
         </p:txBody>
       </p:sp>
@@ -8332,7 +8053,7 @@
         </p:nvCxnSpPr>
         <p:spPr>
           <a:xfrm rot="16200000" flipH="1">
-            <a:off x="2289549" y="2994602"/>
+            <a:off x="3813549" y="2994602"/>
             <a:ext cx="429556" cy="176402"/>
           </a:xfrm>
           <a:prstGeom prst="bentConnector2">
@@ -8370,7 +8091,7 @@
         </p:nvSpPr>
         <p:spPr>
           <a:xfrm>
-            <a:off x="3759694" y="3416961"/>
+            <a:off x="5283694" y="3416962"/>
             <a:ext cx="1040906" cy="236841"/>
           </a:xfrm>
           <a:prstGeom prst="rect">
@@ -8403,7 +8124,7 @@
           <a:p>
             <a:pPr algn="ctr"/>
             <a:r>
-              <a:rPr lang="en-US" sz="1050" b="1" dirty="0" err="1">
+              <a:rPr lang="en-US" sz="1050" b="1" dirty="0">
                 <a:solidFill>
                   <a:schemeClr val="accent3">
                     <a:lumMod val="75000"/>
@@ -8433,7 +8154,7 @@
         </p:nvCxnSpPr>
         <p:spPr>
           <a:xfrm rot="16200000" flipH="1">
-            <a:off x="2054450" y="3229701"/>
+            <a:off x="3578451" y="3229701"/>
             <a:ext cx="899755" cy="176402"/>
           </a:xfrm>
           <a:prstGeom prst="bentConnector2">
@@ -8474,7 +8195,7 @@
         </p:nvCxnSpPr>
         <p:spPr>
           <a:xfrm rot="16200000" flipH="1">
-            <a:off x="1883148" y="3401003"/>
+            <a:off x="3407148" y="3401003"/>
             <a:ext cx="1242356" cy="176400"/>
           </a:xfrm>
           <a:prstGeom prst="bentConnector2">
@@ -8515,7 +8236,7 @@
         </p:nvCxnSpPr>
         <p:spPr>
           <a:xfrm rot="16200000" flipH="1">
-            <a:off x="1597249" y="3686901"/>
+            <a:off x="3121250" y="3686902"/>
             <a:ext cx="1814155" cy="176401"/>
           </a:xfrm>
           <a:prstGeom prst="bentConnector2">
@@ -8555,7 +8276,7 @@
         </p:nvCxnSpPr>
         <p:spPr>
           <a:xfrm rot="16200000" flipH="1">
-            <a:off x="1184119" y="3676012"/>
+            <a:off x="2708119" y="3676013"/>
             <a:ext cx="2396440" cy="420377"/>
           </a:xfrm>
           <a:prstGeom prst="bentConnector2">
@@ -8593,7 +8314,7 @@
         </p:nvSpPr>
         <p:spPr>
           <a:xfrm>
-            <a:off x="5143948" y="1770924"/>
+            <a:off x="6667949" y="1770924"/>
             <a:ext cx="772043" cy="346760"/>
           </a:xfrm>
           <a:prstGeom prst="rect">
@@ -8626,7 +8347,7 @@
           <a:p>
             <a:pPr algn="ctr"/>
             <a:r>
-              <a:rPr lang="en-US" sz="1050" b="1" dirty="0" smtClean="0">
+              <a:rPr lang="en-US" sz="1050" b="1" dirty="0">
                 <a:solidFill>
                   <a:schemeClr val="accent3">
                     <a:lumMod val="75000"/>
@@ -8636,7 +8357,7 @@
               <a:t>{abstract}</a:t>
             </a:r>
             <a:br>
-              <a:rPr lang="en-US" sz="1050" b="1" dirty="0" smtClean="0">
+              <a:rPr lang="en-US" sz="1050" b="1" dirty="0">
                 <a:solidFill>
                   <a:schemeClr val="accent3">
                     <a:lumMod val="75000"/>
@@ -8645,7 +8366,7 @@
               </a:rPr>
             </a:br>
             <a:r>
-              <a:rPr lang="en-US" sz="1050" b="1" dirty="0" err="1" smtClean="0">
+              <a:rPr lang="en-US" sz="1050" b="1" dirty="0">
                 <a:solidFill>
                   <a:schemeClr val="accent3">
                     <a:lumMod val="75000"/>
@@ -8675,7 +8396,7 @@
         </p:nvCxnSpPr>
         <p:spPr>
           <a:xfrm flipV="1">
-            <a:off x="4800600" y="2286000"/>
+            <a:off x="6324601" y="2286000"/>
             <a:ext cx="729369" cy="1249382"/>
           </a:xfrm>
           <a:prstGeom prst="bentConnector2">
@@ -8716,7 +8437,7 @@
         </p:nvCxnSpPr>
         <p:spPr>
           <a:xfrm rot="5400000">
-            <a:off x="4174488" y="2991741"/>
+            <a:off x="5698488" y="2991741"/>
             <a:ext cx="2061222" cy="649740"/>
           </a:xfrm>
           <a:prstGeom prst="bentConnector2">
@@ -8757,7 +8478,7 @@
         </p:nvCxnSpPr>
         <p:spPr>
           <a:xfrm rot="5400000">
-            <a:off x="3867176" y="2104987"/>
+            <a:off x="5391176" y="2104987"/>
             <a:ext cx="1481780" cy="1843806"/>
           </a:xfrm>
           <a:prstGeom prst="bentConnector2">
@@ -8798,7 +8519,7 @@
         </p:nvCxnSpPr>
         <p:spPr>
           <a:xfrm flipV="1">
-            <a:off x="3189583" y="2286000"/>
+            <a:off x="4713583" y="2286000"/>
             <a:ext cx="2340386" cy="228600"/>
           </a:xfrm>
           <a:prstGeom prst="bentConnector2">
@@ -8839,7 +8560,7 @@
         </p:nvCxnSpPr>
         <p:spPr>
           <a:xfrm rot="5400000">
-            <a:off x="3409976" y="2562187"/>
+            <a:off x="4933976" y="2562188"/>
             <a:ext cx="2396180" cy="1843807"/>
           </a:xfrm>
           <a:prstGeom prst="bentConnector2">
@@ -8880,7 +8601,7 @@
         </p:nvCxnSpPr>
         <p:spPr>
           <a:xfrm rot="5400000">
-            <a:off x="3208856" y="2763307"/>
+            <a:off x="4732857" y="2763307"/>
             <a:ext cx="2798421" cy="1843806"/>
           </a:xfrm>
           <a:prstGeom prst="bentConnector2">
@@ -8918,7 +8639,7 @@
         </p:nvSpPr>
         <p:spPr>
           <a:xfrm>
-            <a:off x="3657600" y="1770924"/>
+            <a:off x="5181601" y="1770924"/>
             <a:ext cx="1031399" cy="346760"/>
           </a:xfrm>
           <a:prstGeom prst="rect">
@@ -8954,7 +8675,7 @@
           <a:p>
             <a:pPr algn="ctr"/>
             <a:r>
-              <a:rPr lang="en-US" sz="1050" dirty="0" err="1">
+              <a:rPr lang="en-US" sz="1050" dirty="0">
                 <a:solidFill>
                   <a:schemeClr val="bg1"/>
                 </a:solidFill>
@@ -8979,7 +8700,7 @@
         </p:nvCxnSpPr>
         <p:spPr>
           <a:xfrm rot="5400000" flipH="1" flipV="1">
-            <a:off x="4594921" y="-355061"/>
+            <a:off x="6118921" y="-355061"/>
             <a:ext cx="170724" cy="4081246"/>
           </a:xfrm>
           <a:prstGeom prst="bentConnector2">
@@ -9018,7 +8739,7 @@
         </p:nvCxnSpPr>
         <p:spPr>
           <a:xfrm flipV="1">
-            <a:off x="3198609" y="1944304"/>
+            <a:off x="4722609" y="1944304"/>
             <a:ext cx="484448" cy="2308"/>
           </a:xfrm>
           <a:prstGeom prst="straightConnector1">
@@ -9058,7 +8779,7 @@
         </p:nvCxnSpPr>
         <p:spPr>
           <a:xfrm flipV="1">
-            <a:off x="4714456" y="1944304"/>
+            <a:off x="6238456" y="1944304"/>
             <a:ext cx="429492" cy="2308"/>
           </a:xfrm>
           <a:prstGeom prst="straightConnector1">
@@ -9097,7 +8818,7 @@
         </p:nvSpPr>
         <p:spPr>
           <a:xfrm rot="16200000">
-            <a:off x="6213739" y="4560376"/>
+            <a:off x="7737740" y="4560377"/>
             <a:ext cx="1371599" cy="328045"/>
           </a:xfrm>
           <a:prstGeom prst="roundRect">
@@ -9134,7 +8855,7 @@
           <a:p>
             <a:pPr algn="ctr"/>
             <a:r>
-              <a:rPr lang="en-US" sz="1100" b="1" dirty="0" smtClean="0">
+              <a:rPr lang="en-US" sz="1100" b="1" dirty="0">
                 <a:solidFill>
                   <a:schemeClr val="bg1"/>
                 </a:solidFill>
@@ -9157,7 +8878,7 @@
         </p:nvSpPr>
         <p:spPr>
           <a:xfrm rot="16200000">
-            <a:off x="956202" y="2861202"/>
+            <a:off x="2480203" y="2861202"/>
             <a:ext cx="1093635" cy="346760"/>
           </a:xfrm>
           <a:prstGeom prst="rect">
@@ -9193,7 +8914,7 @@
           <a:p>
             <a:pPr algn="ctr"/>
             <a:r>
-              <a:rPr lang="en-US" sz="1050" dirty="0" smtClean="0">
+              <a:rPr lang="en-US" sz="1050" dirty="0">
                 <a:solidFill>
                   <a:schemeClr val="bg1"/>
                 </a:solidFill>
@@ -9204,7 +8925,7 @@
           <a:p>
             <a:pPr algn="ctr"/>
             <a:r>
-              <a:rPr lang="en-US" sz="1050" dirty="0" err="1" smtClean="0">
+              <a:rPr lang="en-US" sz="1050" dirty="0">
                 <a:solidFill>
                   <a:schemeClr val="bg1"/>
                 </a:solidFill>
@@ -9227,7 +8948,7 @@
         </p:nvSpPr>
         <p:spPr>
           <a:xfrm flipV="1">
-            <a:off x="1367767" y="2286001"/>
+            <a:off x="2891767" y="2286002"/>
             <a:ext cx="270504" cy="175523"/>
           </a:xfrm>
           <a:prstGeom prst="triangle">
@@ -9259,7 +8980,7 @@
           <a:lstStyle/>
           <a:p>
             <a:pPr algn="ctr"/>
-            <a:endParaRPr lang="en-SG" sz="1050" b="1">
+            <a:endParaRPr lang="en-SG" sz="1050" b="1" dirty="0">
               <a:solidFill>
                 <a:srgbClr val="92D050"/>
               </a:solidFill>
@@ -9278,7 +8999,7 @@
         </p:nvCxnSpPr>
         <p:spPr>
           <a:xfrm rot="10800000" flipV="1">
-            <a:off x="1503020" y="1944303"/>
+            <a:off x="3027021" y="1944304"/>
             <a:ext cx="589823" cy="341697"/>
           </a:xfrm>
           <a:prstGeom prst="bentConnector2">
@@ -9320,7 +9041,7 @@
         </p:nvCxnSpPr>
         <p:spPr>
           <a:xfrm rot="16200000" flipH="1">
-            <a:off x="3389830" y="3165517"/>
+            <a:off x="4913831" y="3165517"/>
             <a:ext cx="119381" cy="620348"/>
           </a:xfrm>
           <a:prstGeom prst="bentConnector2">
@@ -9361,7 +9082,7 @@
         </p:nvCxnSpPr>
         <p:spPr>
           <a:xfrm rot="5400000">
-            <a:off x="4102276" y="1869887"/>
+            <a:off x="5626277" y="1869887"/>
             <a:ext cx="1011581" cy="1843806"/>
           </a:xfrm>
           <a:prstGeom prst="bentConnector2">
@@ -9402,7 +9123,7 @@
         </p:nvCxnSpPr>
         <p:spPr>
           <a:xfrm rot="16200000" flipH="1">
-            <a:off x="3430123" y="3938021"/>
+            <a:off x="4954124" y="3938022"/>
             <a:ext cx="118421" cy="699979"/>
           </a:xfrm>
           <a:prstGeom prst="bentConnector2">
@@ -9443,7 +9164,7 @@
         </p:nvCxnSpPr>
         <p:spPr>
           <a:xfrm rot="5400000">
-            <a:off x="3695875" y="2276286"/>
+            <a:off x="5219876" y="2276286"/>
             <a:ext cx="1824381" cy="1843808"/>
           </a:xfrm>
           <a:prstGeom prst="bentConnector2">
@@ -9481,7 +9202,7 @@
         </p:nvSpPr>
         <p:spPr>
           <a:xfrm>
-            <a:off x="5435896" y="2895600"/>
+            <a:off x="6959897" y="2895600"/>
             <a:ext cx="229325" cy="166560"/>
           </a:xfrm>
           <a:prstGeom prst="rect">
@@ -9522,7 +9243,7 @@
           <a:lstStyle/>
           <a:p>
             <a:pPr algn="ctr"/>
-            <a:endParaRPr lang="en-SG"/>
+            <a:endParaRPr lang="en-SG" dirty="0"/>
           </a:p>
         </p:txBody>
       </p:sp>
@@ -9534,7 +9255,7 @@
         </p:nvSpPr>
         <p:spPr>
           <a:xfrm>
-            <a:off x="3687515" y="2981202"/>
+            <a:off x="5211515" y="2981202"/>
             <a:ext cx="3048000" cy="203200"/>
           </a:xfrm>
           <a:custGeom>
@@ -9604,7 +9325,7 @@
           <a:lstStyle/>
           <a:p>
             <a:pPr algn="ctr"/>
-            <a:endParaRPr lang="en-SG"/>
+            <a:endParaRPr lang="en-SG" dirty="0"/>
           </a:p>
         </p:txBody>
       </p:sp>
@@ -9616,7 +9337,7 @@
         </p:nvSpPr>
         <p:spPr>
           <a:xfrm>
-            <a:off x="5431573" y="4488138"/>
+            <a:off x="6955574" y="4488138"/>
             <a:ext cx="229325" cy="160062"/>
           </a:xfrm>
           <a:prstGeom prst="rect">
@@ -9657,7 +9378,7 @@
           <a:lstStyle/>
           <a:p>
             <a:pPr algn="ctr"/>
-            <a:endParaRPr lang="en-SG"/>
+            <a:endParaRPr lang="en-SG" dirty="0"/>
           </a:p>
         </p:txBody>
       </p:sp>
@@ -9669,7 +9390,7 @@
         </p:nvSpPr>
         <p:spPr>
           <a:xfrm flipV="1">
-            <a:off x="4114799" y="4472708"/>
+            <a:off x="5638800" y="4472708"/>
             <a:ext cx="2642195" cy="101600"/>
           </a:xfrm>
           <a:custGeom>
@@ -9739,7 +9460,7 @@
           <a:lstStyle/>
           <a:p>
             <a:pPr algn="ctr"/>
-            <a:endParaRPr lang="en-SG"/>
+            <a:endParaRPr lang="en-SG" dirty="0"/>
           </a:p>
         </p:txBody>
       </p:sp>
@@ -9753,13 +9474,6 @@
   <p:clrMapOvr>
     <a:masterClrMapping/>
   </p:clrMapOvr>
-  <p:timing>
-    <p:tnLst>
-      <p:par>
-        <p:cTn id="1" dur="indefinite" restart="never" nodeType="tmRoot"/>
-      </p:par>
-    </p:tnLst>
-  </p:timing>
 </p:sld>
 </file>
 
@@ -9788,8 +9502,8 @@
         </p:nvSpPr>
         <p:spPr>
           <a:xfrm>
-            <a:off x="1103085" y="2057399"/>
-            <a:ext cx="6288315" cy="2272167"/>
+            <a:off x="2627086" y="2057400"/>
+            <a:ext cx="7507515" cy="2272167"/>
           </a:xfrm>
           <a:prstGeom prst="roundRect">
             <a:avLst>
@@ -9826,7 +9540,7 @@
           <a:lstStyle/>
           <a:p>
             <a:r>
-              <a:rPr lang="en-US" sz="1200" b="1" dirty="0" smtClean="0">
+              <a:rPr lang="en-US" sz="1200" b="1" dirty="0">
                 <a:solidFill>
                   <a:srgbClr val="0070C0"/>
                 </a:solidFill>
@@ -9849,7 +9563,7 @@
         </p:nvSpPr>
         <p:spPr>
           <a:xfrm>
-            <a:off x="2095948" y="2548840"/>
+            <a:off x="3619949" y="2548840"/>
             <a:ext cx="1093635" cy="346760"/>
           </a:xfrm>
           <a:prstGeom prst="rect">
@@ -9885,7 +9599,7 @@
           <a:p>
             <a:pPr algn="ctr"/>
             <a:r>
-              <a:rPr lang="en-US" sz="1050" dirty="0" err="1">
+              <a:rPr lang="en-US" sz="1050" dirty="0">
                 <a:solidFill>
                   <a:schemeClr val="bg1"/>
                 </a:solidFill>
@@ -9908,7 +9622,7 @@
         </p:nvSpPr>
         <p:spPr>
           <a:xfrm flipH="1">
-            <a:off x="6180592" y="2648528"/>
+            <a:off x="8807568" y="2648528"/>
             <a:ext cx="1093635" cy="346760"/>
           </a:xfrm>
           <a:prstGeom prst="rect">
@@ -9941,7 +9655,7 @@
           <a:p>
             <a:pPr algn="ctr"/>
             <a:r>
-              <a:rPr lang="en-US" sz="1050" b="1" dirty="0" err="1">
+              <a:rPr lang="en-US" sz="1050" b="1" dirty="0">
                 <a:solidFill>
                   <a:srgbClr val="0070C0"/>
                 </a:solidFill>
@@ -9964,7 +9678,7 @@
         </p:nvSpPr>
         <p:spPr>
           <a:xfrm>
-            <a:off x="2015218" y="3763620"/>
+            <a:off x="3276601" y="3763620"/>
             <a:ext cx="1093635" cy="346760"/>
           </a:xfrm>
           <a:prstGeom prst="rect">
@@ -10000,7 +9714,7 @@
           <a:p>
             <a:pPr algn="ctr"/>
             <a:r>
-              <a:rPr lang="en-US" sz="1050" dirty="0" err="1" smtClean="0">
+              <a:rPr lang="en-US" sz="1050" dirty="0">
                 <a:solidFill>
                   <a:schemeClr val="bg1"/>
                 </a:solidFill>
@@ -10025,12 +9739,12 @@
         </p:nvCxnSpPr>
         <p:spPr>
           <a:xfrm rot="10800000">
-            <a:off x="3189584" y="2722220"/>
-            <a:ext cx="2296817" cy="1187104"/>
+            <a:off x="4713585" y="2722222"/>
+            <a:ext cx="3324873" cy="1034703"/>
           </a:xfrm>
           <a:prstGeom prst="bentConnector3">
             <a:avLst>
-              <a:gd name="adj1" fmla="val -267"/>
+              <a:gd name="adj1" fmla="val -197"/>
             </a:avLst>
           </a:prstGeom>
           <a:ln w="19050">
@@ -10066,7 +9780,7 @@
         </p:nvSpPr>
         <p:spPr>
           <a:xfrm rot="5400000" flipV="1">
-            <a:off x="5563388" y="3813212"/>
+            <a:off x="8190363" y="3813213"/>
             <a:ext cx="270504" cy="175523"/>
           </a:xfrm>
           <a:prstGeom prst="triangle">
@@ -10098,7 +9812,7 @@
           <a:lstStyle/>
           <a:p>
             <a:pPr algn="ctr"/>
-            <a:endParaRPr lang="en-SG" sz="1050" b="1">
+            <a:endParaRPr lang="en-SG" sz="1050" b="1" dirty="0">
               <a:solidFill>
                 <a:srgbClr val="92D050"/>
               </a:solidFill>
@@ -10116,7 +9830,7 @@
         </p:nvCxnSpPr>
         <p:spPr>
           <a:xfrm>
-            <a:off x="1676400" y="2719360"/>
+            <a:off x="3200400" y="2719360"/>
             <a:ext cx="419548" cy="2860"/>
           </a:xfrm>
           <a:prstGeom prst="bentConnector3">
@@ -10157,8 +9871,8 @@
         </p:nvSpPr>
         <p:spPr>
           <a:xfrm>
-            <a:off x="1103085" y="4548755"/>
-            <a:ext cx="6288315" cy="328045"/>
+            <a:off x="2627086" y="4548756"/>
+            <a:ext cx="7507515" cy="328045"/>
           </a:xfrm>
           <a:prstGeom prst="roundRect">
             <a:avLst/>
@@ -10217,7 +9931,7 @@
         </p:nvSpPr>
         <p:spPr>
           <a:xfrm flipH="1">
-            <a:off x="6180592" y="3054928"/>
+            <a:off x="8807568" y="3054928"/>
             <a:ext cx="1093635" cy="346760"/>
           </a:xfrm>
           <a:prstGeom prst="rect">
@@ -10250,7 +9964,7 @@
           <a:p>
             <a:pPr algn="ctr"/>
             <a:r>
-              <a:rPr lang="en-US" sz="1050" b="1" dirty="0" err="1">
+              <a:rPr lang="en-US" sz="1050" b="1" dirty="0">
                 <a:solidFill>
                   <a:srgbClr val="0070C0"/>
                 </a:solidFill>
@@ -10273,7 +9987,7 @@
         </p:nvSpPr>
         <p:spPr>
           <a:xfrm flipH="1">
-            <a:off x="6180590" y="3860800"/>
+            <a:off x="8807566" y="3860800"/>
             <a:ext cx="1093635" cy="346760"/>
           </a:xfrm>
           <a:prstGeom prst="rect">
@@ -10329,7 +10043,7 @@
         </p:nvSpPr>
         <p:spPr>
           <a:xfrm>
-            <a:off x="4815685" y="3765721"/>
+            <a:off x="7442661" y="3765721"/>
             <a:ext cx="772043" cy="346760"/>
           </a:xfrm>
           <a:prstGeom prst="rect">
@@ -10362,7 +10076,7 @@
           <a:p>
             <a:pPr algn="ctr"/>
             <a:r>
-              <a:rPr lang="en-US" sz="1050" b="1" dirty="0" smtClean="0">
+              <a:rPr lang="en-US" sz="1050" b="1" dirty="0">
                 <a:solidFill>
                   <a:srgbClr val="0070C0"/>
                 </a:solidFill>
@@ -10370,14 +10084,14 @@
               <a:t>{abstract}</a:t>
             </a:r>
             <a:br>
-              <a:rPr lang="en-US" sz="1050" b="1" dirty="0" smtClean="0">
+              <a:rPr lang="en-US" sz="1050" b="1" dirty="0">
                 <a:solidFill>
                   <a:srgbClr val="0070C0"/>
                 </a:solidFill>
               </a:rPr>
             </a:br>
             <a:r>
-              <a:rPr lang="en-US" sz="1050" b="1" dirty="0" smtClean="0">
+              <a:rPr lang="en-US" sz="1050" b="1" dirty="0">
                 <a:solidFill>
                   <a:srgbClr val="0070C0"/>
                 </a:solidFill>
@@ -10403,7 +10117,7 @@
         </p:nvCxnSpPr>
         <p:spPr>
           <a:xfrm rot="10800000" flipV="1">
-            <a:off x="5786402" y="2821908"/>
+            <a:off x="8413377" y="2821908"/>
             <a:ext cx="394190" cy="1079066"/>
           </a:xfrm>
           <a:prstGeom prst="bentConnector3">
@@ -10446,7 +10160,7 @@
         </p:nvCxnSpPr>
         <p:spPr>
           <a:xfrm>
-            <a:off x="5786402" y="3900974"/>
+            <a:off x="8413377" y="3900974"/>
             <a:ext cx="394188" cy="133206"/>
           </a:xfrm>
           <a:prstGeom prst="bentConnector3">
@@ -10489,7 +10203,7 @@
         </p:nvCxnSpPr>
         <p:spPr>
           <a:xfrm flipV="1">
-            <a:off x="5786402" y="3228308"/>
+            <a:off x="8413377" y="3228308"/>
             <a:ext cx="394190" cy="672666"/>
           </a:xfrm>
           <a:prstGeom prst="bentConnector3">
@@ -10529,8 +10243,8 @@
         </p:nvSpPr>
         <p:spPr>
           <a:xfrm>
-            <a:off x="3527828" y="3766159"/>
-            <a:ext cx="585450" cy="346760"/>
+            <a:off x="5784468" y="3766159"/>
+            <a:ext cx="820782" cy="346760"/>
           </a:xfrm>
           <a:prstGeom prst="rect">
             <a:avLst/>
@@ -10572,6 +10286,17 @@
               </a:rPr>
               <a:t>Parser</a:t>
             </a:r>
+          </a:p>
+          <a:p>
+            <a:pPr algn="ctr"/>
+            <a:r>
+              <a:rPr lang="en-US" sz="1050" dirty="0">
+                <a:solidFill>
+                  <a:schemeClr val="bg1"/>
+                </a:solidFill>
+              </a:rPr>
+              <a:t>Manager</a:t>
+            </a:r>
             <a:endParaRPr lang="en-SG" sz="1050" dirty="0">
               <a:solidFill>
                 <a:schemeClr val="bg1"/>
@@ -10583,16 +10308,13 @@
       <p:cxnSp>
         <p:nvCxnSpPr>
           <p:cNvPr id="19" name="Elbow Connector 106"/>
-          <p:cNvCxnSpPr>
-            <a:stCxn id="6" idx="3"/>
-            <a:endCxn id="18" idx="1"/>
-          </p:cNvCxnSpPr>
+          <p:cNvCxnSpPr/>
           <p:nvPr/>
         </p:nvCxnSpPr>
         <p:spPr>
-          <a:xfrm>
-            <a:off x="3108853" y="3937000"/>
-            <a:ext cx="418975" cy="2539"/>
+          <a:xfrm flipH="1" flipV="1">
+            <a:off x="5252622" y="3939539"/>
+            <a:ext cx="531847" cy="2146"/>
           </a:xfrm>
           <a:prstGeom prst="bentConnector3">
             <a:avLst>
@@ -10605,7 +10327,7 @@
             </a:solidFill>
             <a:prstDash val="solid"/>
             <a:headEnd type="none" w="med" len="med"/>
-            <a:tailEnd type="arrow" w="med" len="med"/>
+            <a:tailEnd type="triangle" w="lg" len="lg"/>
           </a:ln>
           <a:effectLst/>
         </p:spPr>
@@ -10634,7 +10356,7 @@
         </p:nvCxnSpPr>
         <p:spPr>
           <a:xfrm>
-            <a:off x="5201707" y="4112481"/>
+            <a:off x="7828683" y="4112481"/>
             <a:ext cx="1" cy="436274"/>
           </a:xfrm>
           <a:prstGeom prst="straightConnector1">
@@ -10673,7 +10395,7 @@
         </p:nvSpPr>
         <p:spPr>
           <a:xfrm rot="16200000">
-            <a:off x="956202" y="2861202"/>
+            <a:off x="2480203" y="2861202"/>
             <a:ext cx="1093635" cy="346760"/>
           </a:xfrm>
           <a:prstGeom prst="rect">
@@ -10743,7 +10465,7 @@
         </p:nvSpPr>
         <p:spPr>
           <a:xfrm>
-            <a:off x="1359039" y="3581400"/>
+            <a:off x="2883039" y="3581401"/>
             <a:ext cx="270504" cy="175523"/>
           </a:xfrm>
           <a:prstGeom prst="triangle">
@@ -10781,7 +10503,7 @@
           <a:lstStyle/>
           <a:p>
             <a:pPr algn="ctr"/>
-            <a:endParaRPr lang="en-SG" sz="1050" b="1">
+            <a:endParaRPr lang="en-SG" sz="1050" b="1" dirty="0">
               <a:solidFill>
                 <a:srgbClr val="92D050"/>
               </a:solidFill>
@@ -10800,8 +10522,8 @@
         </p:nvCxnSpPr>
         <p:spPr>
           <a:xfrm rot="10800000">
-            <a:off x="1494292" y="3756924"/>
-            <a:ext cx="520927" cy="180077"/>
+            <a:off x="3018293" y="3756925"/>
+            <a:ext cx="258309" cy="180077"/>
           </a:xfrm>
           <a:prstGeom prst="bentConnector2">
             <a:avLst/>
@@ -10842,8 +10564,8 @@
         </p:nvCxnSpPr>
         <p:spPr>
           <a:xfrm flipV="1">
-            <a:off x="4113278" y="3939101"/>
-            <a:ext cx="702407" cy="438"/>
+            <a:off x="6605250" y="3939101"/>
+            <a:ext cx="837410" cy="438"/>
           </a:xfrm>
           <a:prstGeom prst="straightConnector1">
             <a:avLst/>
@@ -10883,7 +10605,7 @@
         </p:nvCxnSpPr>
         <p:spPr>
           <a:xfrm flipH="1">
-            <a:off x="2562035" y="4110380"/>
+            <a:off x="3823418" y="4110381"/>
             <a:ext cx="1" cy="438375"/>
           </a:xfrm>
           <a:prstGeom prst="straightConnector1">
@@ -10921,7 +10643,7 @@
         </p:nvCxnSpPr>
         <p:spPr>
           <a:xfrm>
-            <a:off x="893311" y="2984905"/>
+            <a:off x="2417311" y="2984905"/>
             <a:ext cx="419548" cy="2860"/>
           </a:xfrm>
           <a:prstGeom prst="bentConnector3">
@@ -10960,20 +10682,17 @@
         <p:nvCxnSpPr>
           <p:cNvPr id="29" name="Elbow Connector 63"/>
           <p:cNvCxnSpPr>
-            <a:stCxn id="6" idx="0"/>
             <a:endCxn id="14" idx="0"/>
           </p:cNvCxnSpPr>
           <p:nvPr/>
         </p:nvCxnSpPr>
         <p:spPr>
-          <a:xfrm rot="16200000" flipH="1">
-            <a:off x="3880820" y="2444835"/>
-            <a:ext cx="2101" cy="2639671"/>
-          </a:xfrm>
-          <a:prstGeom prst="bentConnector3">
-            <a:avLst>
-              <a:gd name="adj1" fmla="val -10880533"/>
-            </a:avLst>
+          <a:xfrm>
+            <a:off x="4067383" y="3089960"/>
+            <a:ext cx="3761300" cy="675761"/>
+          </a:xfrm>
+          <a:prstGeom prst="bentConnector2">
+            <a:avLst/>
           </a:prstGeom>
           <a:ln w="19050">
             <a:solidFill>
@@ -11008,7 +10727,7 @@
         </p:nvGrpSpPr>
         <p:grpSpPr>
           <a:xfrm>
-            <a:off x="4064583" y="3334635"/>
+            <a:off x="5573717" y="2865139"/>
             <a:ext cx="889000" cy="230832"/>
             <a:chOff x="2895600" y="807932"/>
             <a:chExt cx="889000" cy="230832"/>
@@ -11038,7 +10757,7 @@
             <a:p>
               <a:pPr algn="r"/>
               <a:r>
-                <a:rPr lang="en-US" sz="1100" dirty="0" smtClean="0">
+                <a:rPr lang="en-US" sz="1100" dirty="0">
                   <a:solidFill>
                     <a:srgbClr val="0070C0"/>
                   </a:solidFill>
@@ -11095,7 +10814,7 @@
             <a:lstStyle/>
             <a:p>
               <a:pPr algn="ctr"/>
-              <a:endParaRPr lang="en-SG"/>
+              <a:endParaRPr lang="en-SG" dirty="0"/>
             </a:p>
           </p:txBody>
         </p:sp>
@@ -11108,7 +10827,7 @@
         </p:nvGrpSpPr>
         <p:grpSpPr>
           <a:xfrm>
-            <a:off x="3973516" y="2512368"/>
+            <a:off x="5497516" y="2512368"/>
             <a:ext cx="868568" cy="230832"/>
             <a:chOff x="2755838" y="789460"/>
             <a:chExt cx="868568" cy="230832"/>
@@ -11137,7 +10856,7 @@
             <a:lstStyle/>
             <a:p>
               <a:r>
-                <a:rPr lang="en-US" sz="1100" dirty="0" smtClean="0">
+                <a:rPr lang="en-US" sz="1100" dirty="0">
                   <a:solidFill>
                     <a:srgbClr val="0070C0"/>
                   </a:solidFill>
@@ -11194,7 +10913,7 @@
             <a:lstStyle/>
             <a:p>
               <a:pPr algn="ctr"/>
-              <a:endParaRPr lang="en-SG"/>
+              <a:endParaRPr lang="en-SG" dirty="0"/>
             </a:p>
           </p:txBody>
         </p:sp>
@@ -11207,7 +10926,7 @@
         </p:nvSpPr>
         <p:spPr>
           <a:xfrm>
-            <a:off x="3210180" y="2423264"/>
+            <a:off x="4734180" y="2423264"/>
             <a:ext cx="131116" cy="230832"/>
           </a:xfrm>
           <a:prstGeom prst="rect">
@@ -11223,7 +10942,7 @@
           <a:p>
             <a:pPr algn="r"/>
             <a:r>
-              <a:rPr lang="en-US" sz="1100" dirty="0" smtClean="0">
+              <a:rPr lang="en-US" sz="1100" dirty="0">
                 <a:solidFill>
                   <a:srgbClr val="0070C0"/>
                 </a:solidFill>
@@ -11238,45 +10957,6 @@
           </a:p>
         </p:txBody>
       </p:sp>
-      <p:sp>
-        <p:nvSpPr>
-          <p:cNvPr id="40" name="TextBox 39"/>
-          <p:cNvSpPr txBox="1"/>
-          <p:nvPr/>
-        </p:nvSpPr>
-        <p:spPr>
-          <a:xfrm>
-            <a:off x="3341296" y="3700114"/>
-            <a:ext cx="131116" cy="230832"/>
-          </a:xfrm>
-          <a:prstGeom prst="rect">
-            <a:avLst/>
-          </a:prstGeom>
-          <a:noFill/>
-        </p:spPr>
-        <p:txBody>
-          <a:bodyPr wrap="square" lIns="0" tIns="0" rIns="0" bIns="0" rtlCol="0">
-            <a:noAutofit/>
-          </a:bodyPr>
-          <a:lstStyle/>
-          <a:p>
-            <a:pPr algn="r"/>
-            <a:r>
-              <a:rPr lang="en-US" sz="1100" dirty="0" smtClean="0">
-                <a:solidFill>
-                  <a:srgbClr val="0070C0"/>
-                </a:solidFill>
-              </a:rPr>
-              <a:t>1</a:t>
-            </a:r>
-            <a:endParaRPr lang="en-SG" sz="1100" dirty="0">
-              <a:solidFill>
-                <a:srgbClr val="0070C0"/>
-              </a:solidFill>
-            </a:endParaRPr>
-          </a:p>
-        </p:txBody>
-      </p:sp>
       <p:grpSp>
         <p:nvGrpSpPr>
           <p:cNvPr id="41" name="Group 40"/>
@@ -11285,7 +10965,7 @@
         </p:nvGrpSpPr>
         <p:grpSpPr>
           <a:xfrm>
-            <a:off x="4038600" y="3962400"/>
+            <a:off x="6553200" y="3962400"/>
             <a:ext cx="685800" cy="230832"/>
             <a:chOff x="2797314" y="807932"/>
             <a:chExt cx="685800" cy="230832"/>
@@ -11315,7 +10995,7 @@
             <a:p>
               <a:pPr algn="r"/>
               <a:r>
-                <a:rPr lang="en-US" sz="1100" dirty="0" smtClean="0">
+                <a:rPr lang="en-US" sz="1100" dirty="0">
                   <a:solidFill>
                     <a:srgbClr val="0070C0"/>
                   </a:solidFill>
@@ -11372,7 +11052,7 @@
             <a:lstStyle/>
             <a:p>
               <a:pPr algn="ctr"/>
-              <a:endParaRPr lang="en-SG"/>
+              <a:endParaRPr lang="en-SG" dirty="0"/>
             </a:p>
           </p:txBody>
         </p:sp>
@@ -11385,7 +11065,7 @@
         </p:nvSpPr>
         <p:spPr>
           <a:xfrm flipH="1">
-            <a:off x="6185390" y="3458098"/>
+            <a:off x="8812366" y="3458098"/>
             <a:ext cx="1093635" cy="346760"/>
           </a:xfrm>
           <a:prstGeom prst="rect">
@@ -11418,7 +11098,7 @@
           <a:p>
             <a:pPr algn="ctr"/>
             <a:r>
-              <a:rPr lang="en-US" sz="1050" b="1" dirty="0" smtClean="0">
+              <a:rPr lang="en-US" sz="1050" b="1" dirty="0">
                 <a:solidFill>
                   <a:srgbClr val="0070C0"/>
                 </a:solidFill>
@@ -11426,14 +11106,14 @@
               <a:t>Incorrect</a:t>
             </a:r>
             <a:br>
-              <a:rPr lang="en-US" sz="1050" b="1" dirty="0" smtClean="0">
+              <a:rPr lang="en-US" sz="1050" b="1" dirty="0">
                 <a:solidFill>
                   <a:srgbClr val="0070C0"/>
                 </a:solidFill>
               </a:rPr>
             </a:br>
             <a:r>
-              <a:rPr lang="en-US" sz="1050" b="1" dirty="0" smtClean="0">
+              <a:rPr lang="en-US" sz="1050" b="1" dirty="0">
                 <a:solidFill>
                   <a:srgbClr val="0070C0"/>
                 </a:solidFill>
@@ -11459,7 +11139,7 @@
         </p:nvCxnSpPr>
         <p:spPr>
           <a:xfrm flipV="1">
-            <a:off x="5786402" y="3631478"/>
+            <a:off x="8413377" y="3631478"/>
             <a:ext cx="398988" cy="269496"/>
           </a:xfrm>
           <a:prstGeom prst="bentConnector3">
@@ -11498,14 +11178,12 @@
           <p:nvPr/>
         </p:nvCxnSpPr>
         <p:spPr>
-          <a:xfrm rot="5400000" flipH="1" flipV="1">
-            <a:off x="1807196" y="3315772"/>
-            <a:ext cx="882304" cy="12700"/>
-          </a:xfrm>
-          <a:prstGeom prst="bentConnector3">
-            <a:avLst>
-              <a:gd name="adj1" fmla="val 50000"/>
-            </a:avLst>
+          <a:xfrm flipH="1" flipV="1">
+            <a:off x="3778700" y="2880972"/>
+            <a:ext cx="3187" cy="892038"/>
+          </a:xfrm>
+          <a:prstGeom prst="straightConnector1">
+            <a:avLst/>
           </a:prstGeom>
           <a:ln w="19050">
             <a:solidFill>
@@ -11514,6 +11192,156 @@
             <a:prstDash val="sysDot"/>
             <a:headEnd type="none" w="med" len="med"/>
             <a:tailEnd type="arrow" w="med" len="med"/>
+          </a:ln>
+          <a:effectLst/>
+        </p:spPr>
+        <p:style>
+          <a:lnRef idx="1">
+            <a:schemeClr val="accent2"/>
+          </a:lnRef>
+          <a:fillRef idx="2">
+            <a:schemeClr val="accent2"/>
+          </a:fillRef>
+          <a:effectRef idx="1">
+            <a:schemeClr val="accent2"/>
+          </a:effectRef>
+          <a:fontRef idx="minor">
+            <a:schemeClr val="dk1"/>
+          </a:fontRef>
+        </p:style>
+      </p:cxnSp>
+      <p:sp>
+        <p:nvSpPr>
+          <p:cNvPr id="63" name="Rectangle 62"/>
+          <p:cNvSpPr/>
+          <p:nvPr/>
+        </p:nvSpPr>
+        <p:spPr>
+          <a:xfrm rot="16200000">
+            <a:off x="4533769" y="3546394"/>
+            <a:ext cx="1093635" cy="346760"/>
+          </a:xfrm>
+          <a:prstGeom prst="rect">
+            <a:avLst/>
+          </a:prstGeom>
+          <a:solidFill>
+            <a:srgbClr val="0070C0"/>
+          </a:solidFill>
+          <a:ln w="19050">
+            <a:solidFill>
+              <a:srgbClr val="0070C0"/>
+            </a:solidFill>
+          </a:ln>
+          <a:effectLst/>
+        </p:spPr>
+        <p:style>
+          <a:lnRef idx="1">
+            <a:schemeClr val="accent2"/>
+          </a:lnRef>
+          <a:fillRef idx="2">
+            <a:schemeClr val="accent2"/>
+          </a:fillRef>
+          <a:effectRef idx="1">
+            <a:schemeClr val="accent2"/>
+          </a:effectRef>
+          <a:fontRef idx="minor">
+            <a:schemeClr val="dk1"/>
+          </a:fontRef>
+        </p:style>
+        <p:txBody>
+          <a:bodyPr rtlCol="0" anchor="ctr"/>
+          <a:lstStyle/>
+          <a:p>
+            <a:pPr algn="ctr"/>
+            <a:r>
+              <a:rPr lang="en-US" sz="1050" dirty="0">
+                <a:solidFill>
+                  <a:schemeClr val="bg1"/>
+                </a:solidFill>
+              </a:rPr>
+              <a:t>{abstract}</a:t>
+            </a:r>
+          </a:p>
+          <a:p>
+            <a:pPr algn="ctr"/>
+            <a:r>
+              <a:rPr lang="en-US" sz="1050" dirty="0">
+                <a:solidFill>
+                  <a:schemeClr val="bg1"/>
+                </a:solidFill>
+              </a:rPr>
+              <a:t>Parser</a:t>
+            </a:r>
+            <a:endParaRPr lang="en-SG" sz="1050" dirty="0">
+              <a:solidFill>
+                <a:schemeClr val="bg1"/>
+              </a:solidFill>
+            </a:endParaRPr>
+          </a:p>
+        </p:txBody>
+      </p:sp>
+      <p:cxnSp>
+        <p:nvCxnSpPr>
+          <p:cNvPr id="66" name="Elbow Connector 122"/>
+          <p:cNvCxnSpPr>
+            <a:stCxn id="6" idx="3"/>
+          </p:cNvCxnSpPr>
+          <p:nvPr/>
+        </p:nvCxnSpPr>
+        <p:spPr>
+          <a:xfrm flipV="1">
+            <a:off x="4370236" y="3932808"/>
+            <a:ext cx="536157" cy="4192"/>
+          </a:xfrm>
+          <a:prstGeom prst="straightConnector1">
+            <a:avLst/>
+          </a:prstGeom>
+          <a:ln w="19050">
+            <a:solidFill>
+              <a:srgbClr val="0070C0"/>
+            </a:solidFill>
+            <a:prstDash val="sysDot"/>
+            <a:headEnd type="none" w="med" len="med"/>
+            <a:tailEnd type="arrow" w="med" len="med"/>
+          </a:ln>
+          <a:effectLst/>
+        </p:spPr>
+        <p:style>
+          <a:lnRef idx="1">
+            <a:schemeClr val="accent2"/>
+          </a:lnRef>
+          <a:fillRef idx="2">
+            <a:schemeClr val="accent2"/>
+          </a:fillRef>
+          <a:effectRef idx="1">
+            <a:schemeClr val="accent2"/>
+          </a:effectRef>
+          <a:fontRef idx="minor">
+            <a:schemeClr val="dk1"/>
+          </a:fontRef>
+        </p:style>
+      </p:cxnSp>
+      <p:cxnSp>
+        <p:nvCxnSpPr>
+          <p:cNvPr id="73" name="Elbow Connector 63"/>
+          <p:cNvCxnSpPr/>
+          <p:nvPr/>
+        </p:nvCxnSpPr>
+        <p:spPr>
+          <a:xfrm flipH="1" flipV="1">
+            <a:off x="4070166" y="3095971"/>
+            <a:ext cx="4684" cy="659283"/>
+          </a:xfrm>
+          <a:prstGeom prst="straightConnector1">
+            <a:avLst/>
+          </a:prstGeom>
+          <a:ln w="19050">
+            <a:solidFill>
+              <a:srgbClr val="0070C0"/>
+            </a:solidFill>
+            <a:prstDash val="sysDot"/>
+            <a:headEnd type="none" w="med" len="med"/>
+            <a:tailEnd type="none" w="med" len="med"/>
           </a:ln>
           <a:effectLst/>
         </p:spPr>
@@ -11542,13 +11370,6 @@
   <p:clrMapOvr>
     <a:masterClrMapping/>
   </p:clrMapOvr>
-  <p:timing>
-    <p:tnLst>
-      <p:par>
-        <p:cTn id="1" dur="indefinite" restart="never" nodeType="tmRoot"/>
-      </p:par>
-    </p:tnLst>
-  </p:timing>
 </p:sld>
 </file>
 
@@ -11577,8 +11398,8 @@
         </p:nvSpPr>
         <p:spPr>
           <a:xfrm>
-            <a:off x="685800" y="1981200"/>
-            <a:ext cx="7086600" cy="4000286"/>
+            <a:off x="692378" y="1981200"/>
+            <a:ext cx="10263690" cy="4000286"/>
           </a:xfrm>
           <a:prstGeom prst="roundRect">
             <a:avLst>
@@ -11615,7 +11436,7 @@
           <a:lstStyle/>
           <a:p>
             <a:r>
-              <a:rPr lang="en-US" sz="1200" b="1" dirty="0" smtClean="0">
+              <a:rPr lang="en-US" sz="1200" b="1" dirty="0">
                 <a:solidFill>
                   <a:srgbClr val="0070C0"/>
                 </a:solidFill>
@@ -11638,7 +11459,7 @@
         </p:nvSpPr>
         <p:spPr>
           <a:xfrm>
-            <a:off x="1007063" y="2296546"/>
+            <a:off x="1013643" y="2296546"/>
             <a:ext cx="1455629" cy="346760"/>
           </a:xfrm>
           <a:prstGeom prst="rect">
@@ -11679,15 +11500,7 @@
                   <a:schemeClr val="bg1"/>
                 </a:solidFill>
               </a:rPr>
-              <a:t>:</a:t>
-            </a:r>
-            <a:r>
-              <a:rPr lang="en-US" sz="1600" dirty="0" err="1">
-                <a:solidFill>
-                  <a:schemeClr val="bg1"/>
-                </a:solidFill>
-              </a:rPr>
-              <a:t>LogicManager</a:t>
+              <a:t>:LogicManager</a:t>
             </a:r>
             <a:endParaRPr lang="en-SG" sz="1600" dirty="0">
               <a:solidFill>
@@ -11705,7 +11518,7 @@
         </p:nvCxnSpPr>
         <p:spPr>
           <a:xfrm>
-            <a:off x="1734877" y="2660217"/>
+            <a:off x="1741456" y="2660218"/>
             <a:ext cx="0" cy="2597583"/>
           </a:xfrm>
           <a:prstGeom prst="line">
@@ -11742,7 +11555,7 @@
         </p:nvSpPr>
         <p:spPr>
           <a:xfrm>
-            <a:off x="1662869" y="3010911"/>
+            <a:off x="1669448" y="3010912"/>
             <a:ext cx="152400" cy="2780287"/>
           </a:xfrm>
           <a:prstGeom prst="rect">
@@ -11777,7 +11590,7 @@
           <a:lstStyle/>
           <a:p>
             <a:pPr algn="ctr"/>
-            <a:endParaRPr lang="en-SG" sz="1400"/>
+            <a:endParaRPr lang="en-SG" sz="1400" dirty="0"/>
           </a:p>
         </p:txBody>
       </p:sp>
@@ -11789,8 +11602,8 @@
         </p:nvSpPr>
         <p:spPr>
           <a:xfrm>
-            <a:off x="3411783" y="2300233"/>
-            <a:ext cx="1093635" cy="346760"/>
+            <a:off x="3165440" y="2299461"/>
+            <a:ext cx="1617417" cy="346760"/>
           </a:xfrm>
           <a:prstGeom prst="rect">
             <a:avLst/>
@@ -11825,12 +11638,12 @@
           <a:p>
             <a:pPr algn="ctr"/>
             <a:r>
-              <a:rPr lang="en-US" sz="1600" dirty="0" smtClean="0">
+              <a:rPr lang="en-US" sz="1600" dirty="0">
                 <a:solidFill>
                   <a:schemeClr val="bg1"/>
                 </a:solidFill>
               </a:rPr>
-              <a:t>:Parser</a:t>
+              <a:t>:ParserManager</a:t>
             </a:r>
             <a:endParaRPr lang="en-SG" sz="1600" dirty="0">
               <a:solidFill>
@@ -11848,7 +11661,7 @@
         </p:nvCxnSpPr>
         <p:spPr>
           <a:xfrm>
-            <a:off x="3958600" y="2663904"/>
+            <a:off x="3965179" y="2663904"/>
             <a:ext cx="0" cy="1587652"/>
           </a:xfrm>
           <a:prstGeom prst="line">
@@ -11885,7 +11698,7 @@
         </p:nvSpPr>
         <p:spPr>
           <a:xfrm>
-            <a:off x="3886592" y="3122097"/>
+            <a:off x="3893171" y="3122098"/>
             <a:ext cx="144016" cy="832525"/>
           </a:xfrm>
           <a:prstGeom prst="rect">
@@ -11920,11 +11733,7 @@
           <a:lstStyle/>
           <a:p>
             <a:pPr algn="ctr"/>
-            <a:endParaRPr lang="en-SG" sz="1400">
-              <a:solidFill>
-                <a:schemeClr val="dk1"/>
-              </a:solidFill>
-            </a:endParaRPr>
+            <a:endParaRPr lang="en-SG" sz="1400" dirty="0"/>
           </a:p>
         </p:txBody>
       </p:sp>
@@ -11936,7 +11745,7 @@
         </p:nvSpPr>
         <p:spPr>
           <a:xfrm>
-            <a:off x="4953000" y="2996259"/>
+            <a:off x="8050704" y="3119862"/>
             <a:ext cx="1093635" cy="461538"/>
           </a:xfrm>
           <a:prstGeom prst="rect">
@@ -11971,21 +11780,13 @@
           <a:lstStyle/>
           <a:p>
             <a:pPr algn="ctr"/>
-            <a:r>
-              <a:rPr lang="en-US" sz="1600" dirty="0" smtClean="0">
-                <a:solidFill>
-                  <a:schemeClr val="bg1"/>
-                </a:solidFill>
-              </a:rPr>
-              <a:t>d:Delete</a:t>
-            </a:r>
             <a:r>
               <a:rPr lang="en-US" sz="1600" dirty="0">
                 <a:solidFill>
                   <a:schemeClr val="bg1"/>
                 </a:solidFill>
               </a:rPr>
-              <a:t/>
+              <a:t>a:Add</a:t>
             </a:r>
             <a:br>
               <a:rPr lang="en-US" sz="1600" dirty="0">
@@ -12013,13 +11814,15 @@
       <p:cxnSp>
         <p:nvCxnSpPr>
           <p:cNvPr id="20" name="Straight Connector 19"/>
-          <p:cNvCxnSpPr/>
+          <p:cNvCxnSpPr>
+            <a:stCxn id="21" idx="0"/>
+          </p:cNvCxnSpPr>
           <p:nvPr/>
         </p:nvCxnSpPr>
         <p:spPr>
-          <a:xfrm>
-            <a:off x="5499817" y="3417319"/>
-            <a:ext cx="0" cy="2450081"/>
+          <a:xfrm flipH="1">
+            <a:off x="8597521" y="3581400"/>
+            <a:ext cx="4191" cy="2286001"/>
           </a:xfrm>
           <a:prstGeom prst="line">
             <a:avLst/>
@@ -12055,7 +11858,7 @@
         </p:nvSpPr>
         <p:spPr>
           <a:xfrm>
-            <a:off x="5427809" y="3457797"/>
+            <a:off x="8525512" y="3581400"/>
             <a:ext cx="152400" cy="276003"/>
           </a:xfrm>
           <a:prstGeom prst="rect">
@@ -12090,7 +11893,7 @@
           <a:lstStyle/>
           <a:p>
             <a:pPr algn="ctr"/>
-            <a:endParaRPr lang="en-SG" sz="1400"/>
+            <a:endParaRPr lang="en-SG" sz="1400" dirty="0"/>
           </a:p>
         </p:txBody>
       </p:sp>
@@ -12102,7 +11905,7 @@
         </p:nvCxnSpPr>
         <p:spPr>
           <a:xfrm>
-            <a:off x="543018" y="3014599"/>
+            <a:off x="549598" y="3014599"/>
             <a:ext cx="1119851" cy="0"/>
           </a:xfrm>
           <a:prstGeom prst="straightConnector1">
@@ -12138,7 +11941,7 @@
         </p:nvCxnSpPr>
         <p:spPr>
           <a:xfrm>
-            <a:off x="1815269" y="3122098"/>
+            <a:off x="1821849" y="3122098"/>
             <a:ext cx="2071323" cy="0"/>
           </a:xfrm>
           <a:prstGeom prst="straightConnector1">
@@ -12174,8 +11977,8 @@
         </p:nvSpPr>
         <p:spPr>
           <a:xfrm>
-            <a:off x="152400" y="2743200"/>
-            <a:ext cx="1424846" cy="215444"/>
+            <a:off x="76200" y="3051869"/>
+            <a:ext cx="1436077" cy="430887"/>
           </a:xfrm>
           <a:prstGeom prst="rect">
             <a:avLst/>
@@ -12190,18 +11993,13 @@
           <a:p>
             <a:pPr algn="r"/>
             <a:r>
-              <a:rPr lang="en-US" sz="1400" dirty="0" smtClean="0">
+              <a:rPr lang="en-US" sz="1400" dirty="0">
                 <a:solidFill>
                   <a:srgbClr val="0070C0"/>
                 </a:solidFill>
               </a:rPr>
-              <a:t>execute(“delete 1”)</a:t>
-            </a:r>
-            <a:endParaRPr lang="en-US" sz="1400" dirty="0">
-              <a:solidFill>
-                <a:srgbClr val="0070C0"/>
-              </a:solidFill>
-            </a:endParaRPr>
+              <a:t>execute(“add write report”)</a:t>
+            </a:r>
           </a:p>
         </p:txBody>
       </p:sp>
@@ -12214,9 +12012,9 @@
           <p:nvPr/>
         </p:nvCxnSpPr>
         <p:spPr>
-          <a:xfrm flipV="1">
-            <a:off x="4030608" y="3227028"/>
-            <a:ext cx="922392" cy="1"/>
+          <a:xfrm>
+            <a:off x="6267635" y="3338004"/>
+            <a:ext cx="1783069" cy="12627"/>
           </a:xfrm>
           <a:prstGeom prst="straightConnector1">
             <a:avLst/>
@@ -12251,7 +12049,7 @@
         </p:nvSpPr>
         <p:spPr>
           <a:xfrm>
-            <a:off x="4419600" y="4251556"/>
+            <a:off x="4426180" y="4251556"/>
             <a:ext cx="855809" cy="215444"/>
           </a:xfrm>
           <a:prstGeom prst="rect">
@@ -12280,7 +12078,6 @@
               <a:rPr lang="en-US" dirty="0"/>
               <a:t>execute()</a:t>
             </a:r>
-            <a:endParaRPr lang="en-US" dirty="0"/>
           </a:p>
         </p:txBody>
       </p:sp>
@@ -12292,8 +12089,8 @@
         </p:nvCxnSpPr>
         <p:spPr>
           <a:xfrm>
-            <a:off x="4030608" y="3733800"/>
-            <a:ext cx="1406215" cy="0"/>
+            <a:off x="6267635" y="3844031"/>
+            <a:ext cx="2266892" cy="13371"/>
           </a:xfrm>
           <a:prstGeom prst="straightConnector1">
             <a:avLst/>
@@ -12330,7 +12127,7 @@
         </p:nvCxnSpPr>
         <p:spPr>
           <a:xfrm>
-            <a:off x="1815269" y="3954622"/>
+            <a:off x="1821848" y="3954622"/>
             <a:ext cx="2058118" cy="0"/>
           </a:xfrm>
           <a:prstGeom prst="straightConnector1">
@@ -12368,7 +12165,7 @@
         </p:nvCxnSpPr>
         <p:spPr>
           <a:xfrm>
-            <a:off x="466818" y="5791200"/>
+            <a:off x="473398" y="5791200"/>
             <a:ext cx="1196051" cy="0"/>
           </a:xfrm>
           <a:prstGeom prst="straightConnector1">
@@ -12406,7 +12203,7 @@
         </p:nvSpPr>
         <p:spPr>
           <a:xfrm>
-            <a:off x="7938756" y="2317144"/>
+            <a:off x="11036459" y="2317144"/>
             <a:ext cx="1030504" cy="346760"/>
           </a:xfrm>
           <a:prstGeom prst="rect">
@@ -12471,8 +12268,8 @@
         </p:nvCxnSpPr>
         <p:spPr>
           <a:xfrm>
-            <a:off x="1815269" y="4495317"/>
-            <a:ext cx="3612540" cy="0"/>
+            <a:off x="1821848" y="4495317"/>
+            <a:ext cx="6709593" cy="14539"/>
           </a:xfrm>
           <a:prstGeom prst="straightConnector1">
             <a:avLst/>
@@ -12507,7 +12304,7 @@
         </p:nvSpPr>
         <p:spPr>
           <a:xfrm>
-            <a:off x="5427809" y="4495317"/>
+            <a:off x="8525512" y="4495317"/>
             <a:ext cx="152400" cy="1191256"/>
           </a:xfrm>
           <a:prstGeom prst="rect">
@@ -12542,7 +12339,7 @@
           <a:lstStyle/>
           <a:p>
             <a:pPr algn="ctr"/>
-            <a:endParaRPr lang="en-SG" sz="1400"/>
+            <a:endParaRPr lang="en-SG" sz="1400" dirty="0"/>
           </a:p>
         </p:txBody>
       </p:sp>
@@ -12554,7 +12351,7 @@
         </p:nvCxnSpPr>
         <p:spPr>
           <a:xfrm>
-            <a:off x="8454008" y="2655802"/>
+            <a:off x="11551711" y="2655802"/>
             <a:ext cx="0" cy="2830598"/>
           </a:xfrm>
           <a:prstGeom prst="line">
@@ -12594,7 +12391,7 @@
         </p:nvSpPr>
         <p:spPr>
           <a:xfrm>
-            <a:off x="8382000" y="4524597"/>
+            <a:off x="11479703" y="4524598"/>
             <a:ext cx="152400" cy="276003"/>
           </a:xfrm>
           <a:prstGeom prst="rect">
@@ -12635,11 +12432,7 @@
           <a:lstStyle/>
           <a:p>
             <a:pPr algn="ctr"/>
-            <a:endParaRPr lang="en-SG" sz="1400">
-              <a:solidFill>
-                <a:schemeClr val="dk1"/>
-              </a:solidFill>
-            </a:endParaRPr>
+            <a:endParaRPr lang="en-SG" sz="1400" dirty="0"/>
           </a:p>
         </p:txBody>
       </p:sp>
@@ -12651,7 +12444,7 @@
         </p:nvCxnSpPr>
         <p:spPr>
           <a:xfrm>
-            <a:off x="5580209" y="4542759"/>
+            <a:off x="8677912" y="4542759"/>
             <a:ext cx="2787374" cy="0"/>
           </a:xfrm>
           <a:prstGeom prst="straightConnector1">
@@ -12687,7 +12480,7 @@
         </p:nvCxnSpPr>
         <p:spPr>
           <a:xfrm>
-            <a:off x="5580209" y="4800600"/>
+            <a:off x="8677913" y="4800600"/>
             <a:ext cx="2873799" cy="0"/>
           </a:xfrm>
           <a:prstGeom prst="straightConnector1">
@@ -12728,8 +12521,8 @@
         </p:nvCxnSpPr>
         <p:spPr>
           <a:xfrm>
-            <a:off x="1815269" y="5661173"/>
-            <a:ext cx="3651369" cy="0"/>
+            <a:off x="1821849" y="5661173"/>
+            <a:ext cx="6709592" cy="20536"/>
           </a:xfrm>
           <a:prstGeom prst="straightConnector1">
             <a:avLst/>
@@ -12766,7 +12559,7 @@
         </p:nvSpPr>
         <p:spPr>
           <a:xfrm>
-            <a:off x="6858000" y="4278848"/>
+            <a:off x="9956317" y="4278848"/>
             <a:ext cx="1424846" cy="215444"/>
           </a:xfrm>
           <a:prstGeom prst="rect">
@@ -12792,26 +12585,13 @@
           </a:lstStyle>
           <a:p>
             <a:r>
-              <a:rPr lang="en-US" dirty="0" err="1" smtClean="0">
+              <a:rPr lang="en-US" dirty="0">
                 <a:solidFill>
                   <a:srgbClr val="7030A0"/>
                 </a:solidFill>
               </a:rPr>
-              <a:t>deletePerson</a:t>
-            </a:r>
-            <a:r>
-              <a:rPr lang="en-US" dirty="0" smtClean="0">
-                <a:solidFill>
-                  <a:srgbClr val="7030A0"/>
-                </a:solidFill>
-              </a:rPr>
-              <a:t>(p)</a:t>
-            </a:r>
-            <a:endParaRPr lang="en-US" dirty="0">
-              <a:solidFill>
-                <a:srgbClr val="7030A0"/>
-              </a:solidFill>
-            </a:endParaRPr>
+              <a:t>addTask(t)</a:t>
+            </a:r>
           </a:p>
         </p:txBody>
       </p:sp>
@@ -12823,7 +12603,7 @@
         </p:nvSpPr>
         <p:spPr>
           <a:xfrm>
-            <a:off x="4191000" y="2996259"/>
+            <a:off x="7288704" y="3119862"/>
             <a:ext cx="640023" cy="215444"/>
           </a:xfrm>
           <a:prstGeom prst="rect">
@@ -12849,10 +12629,9 @@
           </a:lstStyle>
           <a:p>
             <a:r>
-              <a:rPr lang="en-US" dirty="0" smtClean="0"/>
+              <a:rPr lang="en-US" dirty="0"/>
               <a:t>create()</a:t>
             </a:r>
-            <a:endParaRPr lang="en-US" dirty="0"/>
           </a:p>
         </p:txBody>
       </p:sp>
@@ -12864,8 +12643,8 @@
         </p:nvSpPr>
         <p:spPr>
           <a:xfrm>
-            <a:off x="2131905" y="2850922"/>
-            <a:ext cx="1424846" cy="215444"/>
+            <a:off x="1893857" y="2673298"/>
+            <a:ext cx="1858575" cy="430887"/>
           </a:xfrm>
           <a:prstGeom prst="rect">
             <a:avLst/>
@@ -12890,10 +12669,9 @@
           </a:lstStyle>
           <a:p>
             <a:r>
-              <a:rPr lang="en-US" dirty="0" smtClean="0"/>
-              <a:t>parse(“delete 1”)</a:t>
-            </a:r>
-            <a:endParaRPr lang="en-US" dirty="0"/>
+              <a:rPr lang="en-US" dirty="0"/>
+              <a:t>parseCommand(“add write report”)</a:t>
+            </a:r>
           </a:p>
         </p:txBody>
       </p:sp>
@@ -12905,7 +12683,7 @@
         </p:nvSpPr>
         <p:spPr>
           <a:xfrm>
-            <a:off x="3101175" y="5430096"/>
+            <a:off x="4588468" y="5413288"/>
             <a:ext cx="621216" cy="215444"/>
           </a:xfrm>
           <a:prstGeom prst="rect">
@@ -12931,10 +12709,9 @@
           </a:lstStyle>
           <a:p>
             <a:r>
-              <a:rPr lang="en-US" dirty="0" smtClean="0"/>
+              <a:rPr lang="en-US" dirty="0"/>
               <a:t>result</a:t>
             </a:r>
-            <a:endParaRPr lang="en-US" dirty="0"/>
           </a:p>
         </p:txBody>
       </p:sp>
@@ -12946,7 +12723,7 @@
         </p:nvSpPr>
         <p:spPr>
           <a:xfrm>
-            <a:off x="762001" y="5538488"/>
+            <a:off x="768580" y="5538488"/>
             <a:ext cx="762000" cy="215444"/>
           </a:xfrm>
           <a:prstGeom prst="rect">
@@ -12972,10 +12749,9 @@
           </a:lstStyle>
           <a:p>
             <a:r>
-              <a:rPr lang="en-US" dirty="0" smtClean="0"/>
+              <a:rPr lang="en-US" dirty="0"/>
               <a:t>result</a:t>
             </a:r>
-            <a:endParaRPr lang="en-US" dirty="0"/>
           </a:p>
         </p:txBody>
       </p:sp>
@@ -12987,7 +12763,7 @@
         </p:nvSpPr>
         <p:spPr>
           <a:xfrm>
-            <a:off x="6029646" y="4953000"/>
+            <a:off x="9127349" y="4953000"/>
             <a:ext cx="1666554" cy="461538"/>
           </a:xfrm>
           <a:prstGeom prst="rect">
@@ -13023,7 +12799,7 @@
           <a:p>
             <a:pPr algn="ctr"/>
             <a:r>
-              <a:rPr lang="en-US" sz="1600" dirty="0" smtClean="0">
+              <a:rPr lang="en-US" sz="1600" dirty="0">
                 <a:solidFill>
                   <a:schemeClr val="bg1"/>
                 </a:solidFill>
@@ -13031,14 +12807,14 @@
               <a:t>result:</a:t>
             </a:r>
             <a:br>
-              <a:rPr lang="en-US" sz="1600" dirty="0" smtClean="0">
+              <a:rPr lang="en-US" sz="1600" dirty="0">
                 <a:solidFill>
                   <a:schemeClr val="bg1"/>
                 </a:solidFill>
               </a:rPr>
             </a:br>
             <a:r>
-              <a:rPr lang="en-US" sz="1600" dirty="0" err="1" smtClean="0">
+              <a:rPr lang="en-US" sz="1600" dirty="0">
                 <a:solidFill>
                   <a:schemeClr val="bg1"/>
                 </a:solidFill>
@@ -13061,7 +12837,7 @@
         </p:nvSpPr>
         <p:spPr>
           <a:xfrm>
-            <a:off x="6786723" y="5414538"/>
+            <a:off x="9884426" y="5414538"/>
             <a:ext cx="152400" cy="171376"/>
           </a:xfrm>
           <a:prstGeom prst="rect">
@@ -13096,7 +12872,7 @@
           <a:lstStyle/>
           <a:p>
             <a:pPr algn="ctr"/>
-            <a:endParaRPr lang="en-SG" sz="1400"/>
+            <a:endParaRPr lang="en-SG" sz="1400" dirty="0"/>
           </a:p>
         </p:txBody>
       </p:sp>
@@ -13108,7 +12884,7 @@
         </p:nvCxnSpPr>
         <p:spPr>
           <a:xfrm>
-            <a:off x="5580209" y="5165675"/>
+            <a:off x="8677912" y="5183769"/>
             <a:ext cx="447975" cy="0"/>
           </a:xfrm>
           <a:prstGeom prst="straightConnector1">
@@ -13144,7 +12920,7 @@
         </p:nvCxnSpPr>
         <p:spPr>
           <a:xfrm>
-            <a:off x="5580209" y="5585914"/>
+            <a:off x="8677913" y="5585914"/>
             <a:ext cx="1253815" cy="0"/>
           </a:xfrm>
           <a:prstGeom prst="straightConnector1">
@@ -13182,7 +12958,7 @@
         </p:nvSpPr>
         <p:spPr>
           <a:xfrm>
-            <a:off x="2818928" y="3733800"/>
+            <a:off x="2825508" y="3733800"/>
             <a:ext cx="220343" cy="215444"/>
           </a:xfrm>
           <a:prstGeom prst="rect">
@@ -13208,13 +12984,269 @@
           </a:lstStyle>
           <a:p>
             <a:r>
-              <a:rPr lang="en-US" dirty="0" smtClean="0"/>
-              <a:t>d</a:t>
-            </a:r>
-            <a:endParaRPr lang="en-US" dirty="0"/>
-          </a:p>
-        </p:txBody>
-      </p:sp>
+              <a:rPr lang="en-US" dirty="0"/>
+              <a:t>a</a:t>
+            </a:r>
+          </a:p>
+        </p:txBody>
+      </p:sp>
+      <p:sp>
+        <p:nvSpPr>
+          <p:cNvPr id="38" name="Rectangle 62"/>
+          <p:cNvSpPr/>
+          <p:nvPr/>
+        </p:nvSpPr>
+        <p:spPr>
+          <a:xfrm>
+            <a:off x="5410200" y="2299461"/>
+            <a:ext cx="1617417" cy="346760"/>
+          </a:xfrm>
+          <a:prstGeom prst="rect">
+            <a:avLst/>
+          </a:prstGeom>
+          <a:solidFill>
+            <a:srgbClr val="0070C0"/>
+          </a:solidFill>
+          <a:ln w="19050">
+            <a:solidFill>
+              <a:srgbClr val="0070C0"/>
+            </a:solidFill>
+          </a:ln>
+          <a:effectLst/>
+        </p:spPr>
+        <p:style>
+          <a:lnRef idx="1">
+            <a:schemeClr val="accent2"/>
+          </a:lnRef>
+          <a:fillRef idx="2">
+            <a:schemeClr val="accent2"/>
+          </a:fillRef>
+          <a:effectRef idx="1">
+            <a:schemeClr val="accent2"/>
+          </a:effectRef>
+          <a:fontRef idx="minor">
+            <a:schemeClr val="dk1"/>
+          </a:fontRef>
+        </p:style>
+        <p:txBody>
+          <a:bodyPr rtlCol="0" anchor="ctr"/>
+          <a:lstStyle/>
+          <a:p>
+            <a:pPr algn="ctr"/>
+            <a:r>
+              <a:rPr lang="en-US" sz="1600" dirty="0">
+                <a:solidFill>
+                  <a:schemeClr val="bg1"/>
+                </a:solidFill>
+              </a:rPr>
+              <a:t>:AddParser</a:t>
+            </a:r>
+            <a:endParaRPr lang="en-SG" sz="1600" dirty="0">
+              <a:solidFill>
+                <a:schemeClr val="bg1"/>
+              </a:solidFill>
+            </a:endParaRPr>
+          </a:p>
+        </p:txBody>
+      </p:sp>
+      <p:cxnSp>
+        <p:nvCxnSpPr>
+          <p:cNvPr id="41" name="Straight Connector 40"/>
+          <p:cNvCxnSpPr/>
+          <p:nvPr/>
+        </p:nvCxnSpPr>
+        <p:spPr>
+          <a:xfrm>
+            <a:off x="6189077" y="2645991"/>
+            <a:ext cx="0" cy="1587652"/>
+          </a:xfrm>
+          <a:prstGeom prst="line">
+            <a:avLst/>
+          </a:prstGeom>
+          <a:ln w="19050">
+            <a:solidFill>
+              <a:srgbClr val="0070C0"/>
+            </a:solidFill>
+            <a:prstDash val="sysDash"/>
+          </a:ln>
+          <a:effectLst/>
+        </p:spPr>
+        <p:style>
+          <a:lnRef idx="1">
+            <a:schemeClr val="accent1"/>
+          </a:lnRef>
+          <a:fillRef idx="2">
+            <a:schemeClr val="accent1"/>
+          </a:fillRef>
+          <a:effectRef idx="1">
+            <a:schemeClr val="accent1"/>
+          </a:effectRef>
+          <a:fontRef idx="minor">
+            <a:schemeClr val="dk1"/>
+          </a:fontRef>
+        </p:style>
+      </p:cxnSp>
+      <p:sp>
+        <p:nvSpPr>
+          <p:cNvPr id="42" name="Rectangle 41"/>
+          <p:cNvSpPr/>
+          <p:nvPr/>
+        </p:nvSpPr>
+        <p:spPr>
+          <a:xfrm>
+            <a:off x="6117069" y="3104185"/>
+            <a:ext cx="144016" cy="832525"/>
+          </a:xfrm>
+          <a:prstGeom prst="rect">
+            <a:avLst/>
+          </a:prstGeom>
+          <a:solidFill>
+            <a:srgbClr val="0070C0"/>
+          </a:solidFill>
+          <a:ln>
+            <a:solidFill>
+              <a:srgbClr val="0070C0"/>
+            </a:solidFill>
+          </a:ln>
+          <a:effectLst/>
+        </p:spPr>
+        <p:style>
+          <a:lnRef idx="1">
+            <a:schemeClr val="accent3"/>
+          </a:lnRef>
+          <a:fillRef idx="2">
+            <a:schemeClr val="accent3"/>
+          </a:fillRef>
+          <a:effectRef idx="1">
+            <a:schemeClr val="accent3"/>
+          </a:effectRef>
+          <a:fontRef idx="minor">
+            <a:schemeClr val="dk1"/>
+          </a:fontRef>
+        </p:style>
+        <p:txBody>
+          <a:bodyPr rtlCol="0" anchor="ctr"/>
+          <a:lstStyle/>
+          <a:p>
+            <a:pPr algn="ctr"/>
+            <a:endParaRPr lang="en-SG" sz="1400" dirty="0"/>
+          </a:p>
+        </p:txBody>
+      </p:sp>
+      <p:cxnSp>
+        <p:nvCxnSpPr>
+          <p:cNvPr id="45" name="Straight Arrow Connector 44"/>
+          <p:cNvCxnSpPr/>
+          <p:nvPr/>
+        </p:nvCxnSpPr>
+        <p:spPr>
+          <a:xfrm>
+            <a:off x="4037187" y="3283144"/>
+            <a:ext cx="2071323" cy="0"/>
+          </a:xfrm>
+          <a:prstGeom prst="straightConnector1">
+            <a:avLst/>
+          </a:prstGeom>
+          <a:ln w="19050">
+            <a:solidFill>
+              <a:srgbClr val="0070C0"/>
+            </a:solidFill>
+            <a:tailEnd type="arrow"/>
+          </a:ln>
+        </p:spPr>
+        <p:style>
+          <a:lnRef idx="1">
+            <a:schemeClr val="accent1"/>
+          </a:lnRef>
+          <a:fillRef idx="0">
+            <a:schemeClr val="accent1"/>
+          </a:fillRef>
+          <a:effectRef idx="0">
+            <a:schemeClr val="accent1"/>
+          </a:effectRef>
+          <a:fontRef idx="minor">
+            <a:schemeClr val="tx1"/>
+          </a:fontRef>
+        </p:style>
+      </p:cxnSp>
+      <p:sp>
+        <p:nvSpPr>
+          <p:cNvPr id="46" name="TextBox 45"/>
+          <p:cNvSpPr txBox="1"/>
+          <p:nvPr/>
+        </p:nvSpPr>
+        <p:spPr>
+          <a:xfrm>
+            <a:off x="4105919" y="2797354"/>
+            <a:ext cx="1858575" cy="430887"/>
+          </a:xfrm>
+          <a:prstGeom prst="rect">
+            <a:avLst/>
+          </a:prstGeom>
+          <a:noFill/>
+        </p:spPr>
+        <p:txBody>
+          <a:bodyPr wrap="square" lIns="0" tIns="0" rIns="0" bIns="0" rtlCol="0">
+            <a:spAutoFit/>
+          </a:bodyPr>
+          <a:lstStyle>
+            <a:defPPr>
+              <a:defRPr lang="en-US"/>
+            </a:defPPr>
+            <a:lvl1pPr algn="r">
+              <a:defRPr sz="1400">
+                <a:solidFill>
+                  <a:srgbClr val="0070C0"/>
+                </a:solidFill>
+              </a:defRPr>
+            </a:lvl1pPr>
+          </a:lstStyle>
+          <a:p>
+            <a:r>
+              <a:rPr lang="en-US" dirty="0"/>
+              <a:t>parseCommand(“write report”)</a:t>
+            </a:r>
+          </a:p>
+        </p:txBody>
+      </p:sp>
+      <p:cxnSp>
+        <p:nvCxnSpPr>
+          <p:cNvPr id="58" name="Straight Arrow Connector 57"/>
+          <p:cNvCxnSpPr/>
+          <p:nvPr/>
+        </p:nvCxnSpPr>
+        <p:spPr>
+          <a:xfrm flipV="1">
+            <a:off x="4038508" y="3880797"/>
+            <a:ext cx="2078561" cy="5403"/>
+          </a:xfrm>
+          <a:prstGeom prst="straightConnector1">
+            <a:avLst/>
+          </a:prstGeom>
+          <a:ln w="19050">
+            <a:solidFill>
+              <a:srgbClr val="0070C0"/>
+            </a:solidFill>
+            <a:prstDash val="sysDash"/>
+            <a:headEnd type="arrow" w="med" len="med"/>
+            <a:tailEnd type="none" w="med" len="med"/>
+          </a:ln>
+        </p:spPr>
+        <p:style>
+          <a:lnRef idx="1">
+            <a:schemeClr val="accent1"/>
+          </a:lnRef>
+          <a:fillRef idx="0">
+            <a:schemeClr val="accent1"/>
+          </a:fillRef>
+          <a:effectRef idx="0">
+            <a:schemeClr val="accent1"/>
+          </a:effectRef>
+          <a:fontRef idx="minor">
+            <a:schemeClr val="tx1"/>
+          </a:fontRef>
+        </p:style>
+      </p:cxnSp>
     </p:spTree>
     <p:extLst>
       <p:ext uri="{BB962C8B-B14F-4D97-AF65-F5344CB8AC3E}">
@@ -13253,7 +13285,7 @@
         </p:nvSpPr>
         <p:spPr>
           <a:xfrm>
-            <a:off x="1119865" y="1727200"/>
+            <a:off x="2643866" y="1727200"/>
             <a:ext cx="7490735" cy="2997200"/>
           </a:xfrm>
           <a:prstGeom prst="roundRect">
@@ -13291,7 +13323,7 @@
           <a:lstStyle/>
           <a:p>
             <a:r>
-              <a:rPr lang="en-US" sz="1200" b="1" dirty="0" smtClean="0">
+              <a:rPr lang="en-US" sz="1200" b="1" dirty="0">
                 <a:solidFill>
                   <a:srgbClr val="7030A0"/>
                 </a:solidFill>
@@ -13314,7 +13346,7 @@
         </p:nvSpPr>
         <p:spPr>
           <a:xfrm>
-            <a:off x="2877180" y="3158440"/>
+            <a:off x="4401181" y="3158440"/>
             <a:ext cx="1093635" cy="346760"/>
           </a:xfrm>
           <a:prstGeom prst="rect">
@@ -13350,7 +13382,7 @@
           <a:p>
             <a:pPr algn="ctr"/>
             <a:r>
-              <a:rPr lang="en-US" sz="1050" dirty="0" err="1" smtClean="0">
+              <a:rPr lang="en-US" sz="1050" dirty="0">
                 <a:solidFill>
                   <a:schemeClr val="bg1"/>
                 </a:solidFill>
@@ -13373,7 +13405,7 @@
         </p:nvSpPr>
         <p:spPr>
           <a:xfrm rot="16200000">
-            <a:off x="1683963" y="2868687"/>
+            <a:off x="3207964" y="2868687"/>
             <a:ext cx="1093635" cy="346760"/>
           </a:xfrm>
           <a:prstGeom prst="rect">
@@ -13409,7 +13441,7 @@
           <a:p>
             <a:pPr algn="ctr"/>
             <a:r>
-              <a:rPr lang="en-US" sz="1050" dirty="0" err="1" smtClean="0">
+              <a:rPr lang="en-US" sz="1050" dirty="0">
                 <a:solidFill>
                   <a:schemeClr val="bg1"/>
                 </a:solidFill>
@@ -13435,7 +13467,7 @@
         </p:nvCxnSpPr>
         <p:spPr>
           <a:xfrm flipV="1">
-            <a:off x="6477000" y="3204826"/>
+            <a:off x="8001000" y="3204827"/>
             <a:ext cx="190770" cy="405819"/>
           </a:xfrm>
           <a:prstGeom prst="bentConnector2">
@@ -13476,7 +13508,7 @@
         </p:nvCxnSpPr>
         <p:spPr>
           <a:xfrm rot="5400000" flipH="1" flipV="1">
-            <a:off x="4360065" y="1080909"/>
+            <a:off x="5884066" y="1080910"/>
             <a:ext cx="378691" cy="4637261"/>
           </a:xfrm>
           <a:prstGeom prst="bentConnector4">
@@ -13518,7 +13550,7 @@
         </p:nvSpPr>
         <p:spPr>
           <a:xfrm rot="16200000">
-            <a:off x="956202" y="2861202"/>
+            <a:off x="2480203" y="2861202"/>
             <a:ext cx="1093635" cy="346760"/>
           </a:xfrm>
           <a:prstGeom prst="rect">
@@ -13565,7 +13597,7 @@
           <a:p>
             <a:pPr algn="ctr"/>
             <a:r>
-              <a:rPr lang="en-US" sz="1050" dirty="0" smtClean="0">
+              <a:rPr lang="en-US" sz="1050" dirty="0">
                 <a:solidFill>
                   <a:schemeClr val="bg1"/>
                 </a:solidFill>
@@ -13588,7 +13620,7 @@
         </p:nvSpPr>
         <p:spPr>
           <a:xfrm rot="16200000">
-            <a:off x="1626910" y="2952291"/>
+            <a:off x="3150910" y="2952292"/>
             <a:ext cx="270504" cy="175523"/>
           </a:xfrm>
           <a:prstGeom prst="triangle">
@@ -13623,52 +13655,10 @@
           <a:lstStyle/>
           <a:p>
             <a:pPr algn="ctr"/>
-            <a:endParaRPr lang="en-SG" sz="1050"/>
-          </a:p>
-        </p:txBody>
-      </p:sp>
-      <p:cxnSp>
-        <p:nvCxnSpPr>
-          <p:cNvPr id="55" name="Straight Arrow Connector 54"/>
-          <p:cNvCxnSpPr>
-            <a:stCxn id="62" idx="0"/>
-            <a:endCxn id="67" idx="2"/>
-          </p:cNvCxnSpPr>
-          <p:nvPr/>
-        </p:nvCxnSpPr>
-        <p:spPr>
-          <a:xfrm flipV="1">
-            <a:off x="6667770" y="2632344"/>
-            <a:ext cx="1612" cy="225722"/>
-          </a:xfrm>
-          <a:prstGeom prst="straightConnector1">
-            <a:avLst/>
-          </a:prstGeom>
-          <a:ln w="19050">
-            <a:solidFill>
-              <a:srgbClr val="7030A0"/>
-            </a:solidFill>
-            <a:prstDash val="sysDot"/>
-            <a:headEnd type="none" w="med" len="med"/>
-            <a:tailEnd type="arrow" w="med" len="med"/>
-          </a:ln>
-          <a:effectLst/>
-        </p:spPr>
-        <p:style>
-          <a:lnRef idx="1">
-            <a:schemeClr val="accent2"/>
-          </a:lnRef>
-          <a:fillRef idx="2">
-            <a:schemeClr val="accent2"/>
-          </a:fillRef>
-          <a:effectRef idx="1">
-            <a:schemeClr val="accent2"/>
-          </a:effectRef>
-          <a:fontRef idx="minor">
-            <a:schemeClr val="dk1"/>
-          </a:fontRef>
-        </p:style>
-      </p:cxnSp>
+            <a:endParaRPr lang="en-SG" sz="1050" dirty="0"/>
+          </a:p>
+        </p:txBody>
+      </p:sp>
       <p:cxnSp>
         <p:nvCxnSpPr>
           <p:cNvPr id="58" name="Straight Arrow Connector 57"/>
@@ -13680,7 +13670,7 @@
         </p:nvCxnSpPr>
         <p:spPr>
           <a:xfrm>
-            <a:off x="2656370" y="3326536"/>
+            <a:off x="4180370" y="3326536"/>
             <a:ext cx="220810" cy="5284"/>
           </a:xfrm>
           <a:prstGeom prst="straightConnector1">
@@ -13718,7 +13708,7 @@
         </p:nvSpPr>
         <p:spPr>
           <a:xfrm rot="5400000" flipV="1">
-            <a:off x="6253986" y="3522883"/>
+            <a:off x="7777986" y="3522884"/>
             <a:ext cx="270504" cy="175523"/>
           </a:xfrm>
           <a:prstGeom prst="triangle">
@@ -13753,7 +13743,7 @@
           <a:lstStyle/>
           <a:p>
             <a:pPr algn="ctr"/>
-            <a:endParaRPr lang="en-SG" sz="1050" b="1">
+            <a:endParaRPr lang="en-SG" sz="1050" b="1" dirty="0">
               <a:solidFill>
                 <a:srgbClr val="92D050"/>
               </a:solidFill>
@@ -13769,7 +13759,7 @@
         </p:nvCxnSpPr>
         <p:spPr>
           <a:xfrm>
-            <a:off x="910091" y="3040053"/>
+            <a:off x="2434091" y="3040053"/>
             <a:ext cx="419548" cy="2860"/>
           </a:xfrm>
           <a:prstGeom prst="bentConnector3">
@@ -13814,7 +13804,7 @@
         </p:nvCxnSpPr>
         <p:spPr>
           <a:xfrm flipV="1">
-            <a:off x="1849924" y="3040052"/>
+            <a:off x="3373925" y="3040053"/>
             <a:ext cx="216105" cy="1"/>
           </a:xfrm>
           <a:prstGeom prst="line">
@@ -13853,7 +13843,7 @@
         </p:nvSpPr>
         <p:spPr>
           <a:xfrm>
-            <a:off x="2420322" y="3239846"/>
+            <a:off x="3944322" y="3239846"/>
             <a:ext cx="236048" cy="173380"/>
           </a:xfrm>
           <a:prstGeom prst="flowChartDecision">
@@ -13886,7 +13876,7 @@
           <a:lstStyle/>
           <a:p>
             <a:pPr algn="ctr"/>
-            <a:endParaRPr lang="en-US" sz="1050"/>
+            <a:endParaRPr lang="en-US" sz="1050" dirty="0"/>
           </a:p>
         </p:txBody>
       </p:sp>
@@ -13898,7 +13888,7 @@
         </p:nvSpPr>
         <p:spPr>
           <a:xfrm>
-            <a:off x="2879490" y="2627420"/>
+            <a:off x="4403491" y="2627420"/>
             <a:ext cx="1093635" cy="346760"/>
           </a:xfrm>
           <a:prstGeom prst="rect">
@@ -13931,12 +13921,12 @@
           <a:p>
             <a:pPr algn="ctr"/>
             <a:r>
-              <a:rPr lang="en-US" sz="1050" dirty="0" err="1" smtClean="0">
+              <a:rPr lang="en-US" sz="1050" dirty="0">
                 <a:solidFill>
                   <a:srgbClr val="7030A0"/>
                 </a:solidFill>
               </a:rPr>
-              <a:t>AddressBook</a:t>
+              <a:t>TaskBook</a:t>
             </a:r>
             <a:endParaRPr lang="en-SG" sz="1050" dirty="0">
               <a:solidFill>
@@ -13957,7 +13947,7 @@
         </p:nvCxnSpPr>
         <p:spPr>
           <a:xfrm>
-            <a:off x="2658680" y="2795516"/>
+            <a:off x="4182680" y="2795516"/>
             <a:ext cx="220810" cy="5284"/>
           </a:xfrm>
           <a:prstGeom prst="straightConnector1">
@@ -13995,7 +13985,7 @@
         </p:nvSpPr>
         <p:spPr>
           <a:xfrm>
-            <a:off x="2422632" y="2708826"/>
+            <a:off x="3946632" y="2708826"/>
             <a:ext cx="236048" cy="173380"/>
           </a:xfrm>
           <a:prstGeom prst="flowChartDecision">
@@ -14028,7 +14018,7 @@
           <a:lstStyle/>
           <a:p>
             <a:pPr algn="ctr"/>
-            <a:endParaRPr lang="en-US" sz="1050"/>
+            <a:endParaRPr lang="en-US" sz="1050" dirty="0"/>
           </a:p>
         </p:txBody>
       </p:sp>
@@ -14040,7 +14030,7 @@
         </p:nvSpPr>
         <p:spPr>
           <a:xfrm>
-            <a:off x="4487017" y="2847371"/>
+            <a:off x="6011018" y="2847371"/>
             <a:ext cx="1156969" cy="346760"/>
           </a:xfrm>
           <a:prstGeom prst="rect">
@@ -14073,12 +14063,12 @@
           <a:p>
             <a:pPr algn="ctr"/>
             <a:r>
-              <a:rPr lang="en-US" sz="1050" dirty="0" err="1" smtClean="0">
+              <a:rPr lang="en-US" sz="1050" dirty="0">
                 <a:solidFill>
                   <a:srgbClr val="7030A0"/>
                 </a:solidFill>
               </a:rPr>
-              <a:t>UniquePersonList</a:t>
+              <a:t>UniqueTaskList</a:t>
             </a:r>
             <a:endParaRPr lang="en-SG" sz="1050" dirty="0">
               <a:solidFill>
@@ -14096,7 +14086,7 @@
         </p:nvSpPr>
         <p:spPr>
           <a:xfrm>
-            <a:off x="3984303" y="2673991"/>
+            <a:off x="5508303" y="2673991"/>
             <a:ext cx="236048" cy="173380"/>
           </a:xfrm>
           <a:prstGeom prst="flowChartDecision">
@@ -14131,7 +14121,7 @@
           <a:lstStyle/>
           <a:p>
             <a:pPr algn="ctr"/>
-            <a:endParaRPr lang="en-US" sz="1050"/>
+            <a:endParaRPr lang="en-US" sz="1050" dirty="0"/>
           </a:p>
         </p:txBody>
       </p:sp>
@@ -14146,7 +14136,7 @@
         </p:nvCxnSpPr>
         <p:spPr>
           <a:xfrm>
-            <a:off x="4220351" y="2760681"/>
+            <a:off x="5744351" y="2760681"/>
             <a:ext cx="266666" cy="260070"/>
           </a:xfrm>
           <a:prstGeom prst="bentConnector3">
@@ -14178,14 +14168,14 @@
       </p:cxnSp>
       <p:sp>
         <p:nvSpPr>
-          <p:cNvPr id="57" name="Rectangle 8"/>
+          <p:cNvPr id="62" name="Rectangle 8"/>
           <p:cNvSpPr/>
           <p:nvPr/>
         </p:nvSpPr>
         <p:spPr>
           <a:xfrm>
-            <a:off x="4503204" y="2280569"/>
-            <a:ext cx="1156969" cy="346760"/>
+            <a:off x="7837677" y="2858066"/>
+            <a:ext cx="708186" cy="346760"/>
           </a:xfrm>
           <a:prstGeom prst="rect">
             <a:avLst/>
@@ -14217,12 +14207,12 @@
           <a:p>
             <a:pPr algn="ctr"/>
             <a:r>
-              <a:rPr lang="en-US" sz="1050" dirty="0" err="1" smtClean="0">
+              <a:rPr lang="en-US" sz="1050" dirty="0">
                 <a:solidFill>
                   <a:srgbClr val="7030A0"/>
                 </a:solidFill>
               </a:rPr>
-              <a:t>UniqueTagList</a:t>
+              <a:t>Task</a:t>
             </a:r>
             <a:endParaRPr lang="en-SG" sz="1050" dirty="0">
               <a:solidFill>
@@ -14232,105 +14222,6 @@
           </a:p>
         </p:txBody>
       </p:sp>
-      <p:cxnSp>
-        <p:nvCxnSpPr>
-          <p:cNvPr id="59" name="Elbow Connector 58"/>
-          <p:cNvCxnSpPr>
-            <a:stCxn id="51" idx="3"/>
-            <a:endCxn id="57" idx="1"/>
-          </p:cNvCxnSpPr>
-          <p:nvPr/>
-        </p:nvCxnSpPr>
-        <p:spPr>
-          <a:xfrm flipV="1">
-            <a:off x="4220351" y="2453949"/>
-            <a:ext cx="282853" cy="306732"/>
-          </a:xfrm>
-          <a:prstGeom prst="bentConnector3">
-            <a:avLst>
-              <a:gd name="adj1" fmla="val 50000"/>
-            </a:avLst>
-          </a:prstGeom>
-          <a:ln w="19050">
-            <a:solidFill>
-              <a:srgbClr val="7030A0"/>
-            </a:solidFill>
-            <a:headEnd type="none" w="med" len="med"/>
-            <a:tailEnd type="arrow" w="med" len="med"/>
-          </a:ln>
-          <a:effectLst/>
-        </p:spPr>
-        <p:style>
-          <a:lnRef idx="1">
-            <a:schemeClr val="accent2"/>
-          </a:lnRef>
-          <a:fillRef idx="2">
-            <a:schemeClr val="accent2"/>
-          </a:fillRef>
-          <a:effectRef idx="1">
-            <a:schemeClr val="accent2"/>
-          </a:effectRef>
-          <a:fontRef idx="minor">
-            <a:schemeClr val="dk1"/>
-          </a:fontRef>
-        </p:style>
-      </p:cxnSp>
-      <p:sp>
-        <p:nvSpPr>
-          <p:cNvPr id="62" name="Rectangle 8"/>
-          <p:cNvSpPr/>
-          <p:nvPr/>
-        </p:nvSpPr>
-        <p:spPr>
-          <a:xfrm>
-            <a:off x="6313677" y="2858066"/>
-            <a:ext cx="708186" cy="346760"/>
-          </a:xfrm>
-          <a:prstGeom prst="rect">
-            <a:avLst/>
-          </a:prstGeom>
-          <a:ln w="19050">
-            <a:solidFill>
-              <a:srgbClr val="7030A0"/>
-            </a:solidFill>
-          </a:ln>
-          <a:effectLst/>
-        </p:spPr>
-        <p:style>
-          <a:lnRef idx="1">
-            <a:schemeClr val="accent4"/>
-          </a:lnRef>
-          <a:fillRef idx="2">
-            <a:schemeClr val="accent4"/>
-          </a:fillRef>
-          <a:effectRef idx="1">
-            <a:schemeClr val="accent4"/>
-          </a:effectRef>
-          <a:fontRef idx="minor">
-            <a:schemeClr val="dk1"/>
-          </a:fontRef>
-        </p:style>
-        <p:txBody>
-          <a:bodyPr rtlCol="0" anchor="ctr"/>
-          <a:lstStyle/>
-          <a:p>
-            <a:pPr algn="ctr"/>
-            <a:r>
-              <a:rPr lang="en-US" sz="1050" dirty="0" smtClean="0">
-                <a:solidFill>
-                  <a:srgbClr val="7030A0"/>
-                </a:solidFill>
-              </a:rPr>
-              <a:t>Person</a:t>
-            </a:r>
-            <a:endParaRPr lang="en-SG" sz="1050" dirty="0">
-              <a:solidFill>
-                <a:srgbClr val="7030A0"/>
-              </a:solidFill>
-            </a:endParaRPr>
-          </a:p>
-        </p:txBody>
-      </p:sp>
       <p:sp>
         <p:nvSpPr>
           <p:cNvPr id="63" name="Flowchart: Decision 96"/>
@@ -14339,7 +14230,7 @@
         </p:nvSpPr>
         <p:spPr>
           <a:xfrm>
-            <a:off x="5643227" y="2943979"/>
+            <a:off x="7167227" y="2943979"/>
             <a:ext cx="236048" cy="173380"/>
           </a:xfrm>
           <a:prstGeom prst="flowChartDecision">
@@ -14372,7 +14263,7 @@
           <a:lstStyle/>
           <a:p>
             <a:pPr algn="ctr"/>
-            <a:endParaRPr lang="en-US" sz="1050"/>
+            <a:endParaRPr lang="en-US" sz="1050" dirty="0"/>
           </a:p>
         </p:txBody>
       </p:sp>
@@ -14387,7 +14278,7 @@
         </p:nvCxnSpPr>
         <p:spPr>
           <a:xfrm>
-            <a:off x="5879275" y="3030669"/>
+            <a:off x="7403275" y="3030670"/>
             <a:ext cx="434402" cy="777"/>
           </a:xfrm>
           <a:prstGeom prst="bentConnector3">
@@ -14419,14 +14310,14 @@
       </p:cxnSp>
       <p:sp>
         <p:nvSpPr>
-          <p:cNvPr id="67" name="Rectangle 8"/>
+          <p:cNvPr id="72" name="Rectangle 8"/>
           <p:cNvSpPr/>
           <p:nvPr/>
         </p:nvSpPr>
         <p:spPr>
           <a:xfrm>
-            <a:off x="6315289" y="2285584"/>
-            <a:ext cx="708186" cy="346760"/>
+            <a:off x="6652258" y="3429000"/>
+            <a:ext cx="1156969" cy="346760"/>
           </a:xfrm>
           <a:prstGeom prst="rect">
             <a:avLst/>
@@ -14458,12 +14349,27 @@
           <a:p>
             <a:pPr algn="ctr"/>
             <a:r>
-              <a:rPr lang="en-US" sz="1050" dirty="0" smtClean="0">
+              <a:rPr lang="en-US" sz="1050" dirty="0">
                 <a:solidFill>
                   <a:srgbClr val="7030A0"/>
                 </a:solidFill>
               </a:rPr>
-              <a:t>Tag</a:t>
+              <a:t>&lt;&lt;interface&gt;&gt;</a:t>
+            </a:r>
+            <a:br>
+              <a:rPr lang="en-US" sz="1050" dirty="0">
+                <a:solidFill>
+                  <a:srgbClr val="7030A0"/>
+                </a:solidFill>
+              </a:rPr>
+            </a:br>
+            <a:r>
+              <a:rPr lang="en-US" sz="1050" dirty="0">
+                <a:solidFill>
+                  <a:srgbClr val="7030A0"/>
+                </a:solidFill>
+              </a:rPr>
+              <a:t>ReadOnlyTask</a:t>
             </a:r>
             <a:endParaRPr lang="en-SG" sz="1050" dirty="0">
               <a:solidFill>
@@ -14475,19 +14381,18 @@
       </p:sp>
       <p:sp>
         <p:nvSpPr>
-          <p:cNvPr id="68" name="Flowchart: Decision 96"/>
+          <p:cNvPr id="76" name="Rectangle 8"/>
           <p:cNvSpPr/>
           <p:nvPr/>
         </p:nvSpPr>
         <p:spPr>
           <a:xfrm>
-            <a:off x="5672547" y="2371497"/>
-            <a:ext cx="236048" cy="173380"/>
-          </a:xfrm>
-          <a:prstGeom prst="flowChartDecision">
-            <a:avLst/>
-          </a:prstGeom>
-          <a:noFill/>
+            <a:off x="9236397" y="2564239"/>
+            <a:ext cx="708186" cy="285783"/>
+          </a:xfrm>
+          <a:prstGeom prst="rect">
+            <a:avLst/>
+          </a:prstGeom>
           <a:ln w="19050">
             <a:solidFill>
               <a:srgbClr val="7030A0"/>
@@ -14497,13 +14402,13 @@
         </p:spPr>
         <p:style>
           <a:lnRef idx="1">
-            <a:schemeClr val="accent6"/>
-          </a:lnRef>
-          <a:fillRef idx="2">
-            <a:schemeClr val="accent6"/>
-          </a:fillRef>
-          <a:effectRef idx="1">
-            <a:schemeClr val="accent6"/>
+            <a:schemeClr val="accent4"/>
+          </a:lnRef>
+          <a:fillRef idx="2">
+            <a:schemeClr val="accent4"/>
+          </a:fillRef>
+          <a:effectRef idx="1">
+            <a:schemeClr val="accent4"/>
           </a:effectRef>
           <a:fontRef idx="minor">
             <a:schemeClr val="dk1"/>
@@ -14514,113 +14419,13 @@
           <a:lstStyle/>
           <a:p>
             <a:pPr algn="ctr"/>
-            <a:endParaRPr lang="en-US" sz="1050"/>
-          </a:p>
-        </p:txBody>
-      </p:sp>
-      <p:cxnSp>
-        <p:nvCxnSpPr>
-          <p:cNvPr id="69" name="Elbow Connector 68"/>
-          <p:cNvCxnSpPr>
-            <a:stCxn id="68" idx="3"/>
-            <a:endCxn id="67" idx="1"/>
-          </p:cNvCxnSpPr>
-          <p:nvPr/>
-        </p:nvCxnSpPr>
-        <p:spPr>
-          <a:xfrm>
-            <a:off x="5908595" y="2458187"/>
-            <a:ext cx="406694" cy="777"/>
-          </a:xfrm>
-          <a:prstGeom prst="bentConnector3">
-            <a:avLst/>
-          </a:prstGeom>
-          <a:ln w="19050">
-            <a:solidFill>
-              <a:srgbClr val="7030A0"/>
-            </a:solidFill>
-            <a:headEnd type="none" w="med" len="med"/>
-            <a:tailEnd type="arrow" w="med" len="med"/>
-          </a:ln>
-          <a:effectLst/>
-        </p:spPr>
-        <p:style>
-          <a:lnRef idx="1">
-            <a:schemeClr val="accent2"/>
-          </a:lnRef>
-          <a:fillRef idx="2">
-            <a:schemeClr val="accent2"/>
-          </a:fillRef>
-          <a:effectRef idx="1">
-            <a:schemeClr val="accent2"/>
-          </a:effectRef>
-          <a:fontRef idx="minor">
-            <a:schemeClr val="dk1"/>
-          </a:fontRef>
-        </p:style>
-      </p:cxnSp>
-      <p:sp>
-        <p:nvSpPr>
-          <p:cNvPr id="72" name="Rectangle 8"/>
-          <p:cNvSpPr/>
-          <p:nvPr/>
-        </p:nvSpPr>
-        <p:spPr>
-          <a:xfrm>
-            <a:off x="5128257" y="3429000"/>
-            <a:ext cx="1156969" cy="346760"/>
-          </a:xfrm>
-          <a:prstGeom prst="rect">
-            <a:avLst/>
-          </a:prstGeom>
-          <a:ln w="19050">
-            <a:solidFill>
-              <a:srgbClr val="7030A0"/>
-            </a:solidFill>
-          </a:ln>
-          <a:effectLst/>
-        </p:spPr>
-        <p:style>
-          <a:lnRef idx="1">
-            <a:schemeClr val="accent4"/>
-          </a:lnRef>
-          <a:fillRef idx="2">
-            <a:schemeClr val="accent4"/>
-          </a:fillRef>
-          <a:effectRef idx="1">
-            <a:schemeClr val="accent4"/>
-          </a:effectRef>
-          <a:fontRef idx="minor">
-            <a:schemeClr val="dk1"/>
-          </a:fontRef>
-        </p:style>
-        <p:txBody>
-          <a:bodyPr rtlCol="0" anchor="ctr"/>
-          <a:lstStyle/>
-          <a:p>
-            <a:pPr algn="ctr"/>
-            <a:r>
-              <a:rPr lang="en-US" sz="1050" dirty="0" smtClean="0">
+            <a:r>
+              <a:rPr lang="en-US" sz="1050" dirty="0">
                 <a:solidFill>
                   <a:srgbClr val="7030A0"/>
                 </a:solidFill>
               </a:rPr>
-              <a:t>&lt;&lt;interface&gt;&gt;</a:t>
-            </a:r>
-            <a:br>
-              <a:rPr lang="en-US" sz="1050" dirty="0" smtClean="0">
-                <a:solidFill>
-                  <a:srgbClr val="7030A0"/>
-                </a:solidFill>
-              </a:rPr>
-            </a:br>
-            <a:r>
-              <a:rPr lang="en-US" sz="1050" dirty="0" err="1" smtClean="0">
-                <a:solidFill>
-                  <a:srgbClr val="7030A0"/>
-                </a:solidFill>
-              </a:rPr>
-              <a:t>ReadOnlyPerson</a:t>
+              <a:t>Name</a:t>
             </a:r>
             <a:endParaRPr lang="en-SG" sz="1050" dirty="0">
               <a:solidFill>
@@ -14632,69 +14437,13 @@
       </p:sp>
       <p:sp>
         <p:nvSpPr>
-          <p:cNvPr id="76" name="Rectangle 8"/>
-          <p:cNvSpPr/>
-          <p:nvPr/>
-        </p:nvSpPr>
-        <p:spPr>
-          <a:xfrm>
-            <a:off x="7712397" y="2564238"/>
-            <a:ext cx="708186" cy="285783"/>
-          </a:xfrm>
-          <a:prstGeom prst="rect">
-            <a:avLst/>
-          </a:prstGeom>
-          <a:ln w="19050">
-            <a:solidFill>
-              <a:srgbClr val="7030A0"/>
-            </a:solidFill>
-          </a:ln>
-          <a:effectLst/>
-        </p:spPr>
-        <p:style>
-          <a:lnRef idx="1">
-            <a:schemeClr val="accent4"/>
-          </a:lnRef>
-          <a:fillRef idx="2">
-            <a:schemeClr val="accent4"/>
-          </a:fillRef>
-          <a:effectRef idx="1">
-            <a:schemeClr val="accent4"/>
-          </a:effectRef>
-          <a:fontRef idx="minor">
-            <a:schemeClr val="dk1"/>
-          </a:fontRef>
-        </p:style>
-        <p:txBody>
-          <a:bodyPr rtlCol="0" anchor="ctr"/>
-          <a:lstStyle/>
-          <a:p>
-            <a:pPr algn="ctr"/>
-            <a:r>
-              <a:rPr lang="en-US" sz="1050" dirty="0" smtClean="0">
-                <a:solidFill>
-                  <a:srgbClr val="7030A0"/>
-                </a:solidFill>
-              </a:rPr>
-              <a:t>Name</a:t>
-            </a:r>
-            <a:endParaRPr lang="en-SG" sz="1050" dirty="0">
-              <a:solidFill>
-                <a:srgbClr val="7030A0"/>
-              </a:solidFill>
-            </a:endParaRPr>
-          </a:p>
-        </p:txBody>
-      </p:sp>
-      <p:sp>
-        <p:nvSpPr>
           <p:cNvPr id="78" name="Flowchart: Decision 96"/>
           <p:cNvSpPr/>
           <p:nvPr/>
         </p:nvSpPr>
         <p:spPr>
           <a:xfrm>
-            <a:off x="7041947" y="2948201"/>
+            <a:off x="8565947" y="2948201"/>
             <a:ext cx="236048" cy="173380"/>
           </a:xfrm>
           <a:prstGeom prst="flowChartDecision">
@@ -14729,7 +14478,7 @@
           <a:lstStyle/>
           <a:p>
             <a:pPr algn="ctr"/>
-            <a:endParaRPr lang="en-US" sz="1050"/>
+            <a:endParaRPr lang="en-US" sz="1050" dirty="0"/>
           </a:p>
         </p:txBody>
       </p:sp>
@@ -14744,7 +14493,7 @@
         </p:nvCxnSpPr>
         <p:spPr>
           <a:xfrm flipV="1">
-            <a:off x="7277995" y="2707130"/>
+            <a:off x="8801995" y="2707131"/>
             <a:ext cx="434402" cy="327761"/>
           </a:xfrm>
           <a:prstGeom prst="bentConnector3">
@@ -14782,7 +14531,7 @@
         </p:nvSpPr>
         <p:spPr>
           <a:xfrm>
-            <a:off x="7712397" y="2887216"/>
+            <a:off x="9236397" y="2887217"/>
             <a:ext cx="708186" cy="285783"/>
           </a:xfrm>
           <a:prstGeom prst="rect">
@@ -14815,12 +14564,12 @@
           <a:p>
             <a:pPr algn="ctr"/>
             <a:r>
-              <a:rPr lang="en-US" sz="1050" dirty="0" smtClean="0">
+              <a:rPr lang="en-US" sz="1050" dirty="0">
                 <a:solidFill>
                   <a:srgbClr val="7030A0"/>
                 </a:solidFill>
               </a:rPr>
-              <a:t>Phone</a:t>
+              <a:t>TaskDate</a:t>
             </a:r>
             <a:endParaRPr lang="en-SG" sz="1050" dirty="0">
               <a:solidFill>
@@ -14841,7 +14590,7 @@
         </p:nvCxnSpPr>
         <p:spPr>
           <a:xfrm flipV="1">
-            <a:off x="7277995" y="3030108"/>
+            <a:off x="8801995" y="3030109"/>
             <a:ext cx="434402" cy="4783"/>
           </a:xfrm>
           <a:prstGeom prst="bentConnector3">
@@ -14879,7 +14628,7 @@
         </p:nvSpPr>
         <p:spPr>
           <a:xfrm>
-            <a:off x="7712397" y="3210194"/>
+            <a:off x="9236397" y="3210195"/>
             <a:ext cx="708186" cy="285783"/>
           </a:xfrm>
           <a:prstGeom prst="rect">
@@ -14912,12 +14661,12 @@
           <a:p>
             <a:pPr algn="ctr"/>
             <a:r>
-              <a:rPr lang="en-US" sz="1050" dirty="0" smtClean="0">
+              <a:rPr lang="en-US" sz="1050" dirty="0">
                 <a:solidFill>
                   <a:srgbClr val="7030A0"/>
                 </a:solidFill>
               </a:rPr>
-              <a:t>Email</a:t>
+              <a:t>Status</a:t>
             </a:r>
             <a:endParaRPr lang="en-SG" sz="1050" dirty="0">
               <a:solidFill>
@@ -14938,105 +14687,8 @@
         </p:nvCxnSpPr>
         <p:spPr>
           <a:xfrm>
-            <a:off x="7277995" y="3034891"/>
+            <a:off x="8801995" y="3034892"/>
             <a:ext cx="434402" cy="318195"/>
-          </a:xfrm>
-          <a:prstGeom prst="bentConnector3">
-            <a:avLst/>
-          </a:prstGeom>
-          <a:ln w="19050">
-            <a:solidFill>
-              <a:srgbClr val="7030A0"/>
-            </a:solidFill>
-            <a:headEnd type="none" w="med" len="med"/>
-            <a:tailEnd type="arrow" w="med" len="med"/>
-          </a:ln>
-          <a:effectLst/>
-        </p:spPr>
-        <p:style>
-          <a:lnRef idx="1">
-            <a:schemeClr val="accent2"/>
-          </a:lnRef>
-          <a:fillRef idx="2">
-            <a:schemeClr val="accent2"/>
-          </a:fillRef>
-          <a:effectRef idx="1">
-            <a:schemeClr val="accent2"/>
-          </a:effectRef>
-          <a:fontRef idx="minor">
-            <a:schemeClr val="dk1"/>
-          </a:fontRef>
-        </p:style>
-      </p:cxnSp>
-      <p:sp>
-        <p:nvSpPr>
-          <p:cNvPr id="85" name="Rectangle 8"/>
-          <p:cNvSpPr/>
-          <p:nvPr/>
-        </p:nvSpPr>
-        <p:spPr>
-          <a:xfrm>
-            <a:off x="7712397" y="3533171"/>
-            <a:ext cx="708186" cy="285783"/>
-          </a:xfrm>
-          <a:prstGeom prst="rect">
-            <a:avLst/>
-          </a:prstGeom>
-          <a:ln w="19050">
-            <a:solidFill>
-              <a:srgbClr val="7030A0"/>
-            </a:solidFill>
-          </a:ln>
-          <a:effectLst/>
-        </p:spPr>
-        <p:style>
-          <a:lnRef idx="1">
-            <a:schemeClr val="accent4"/>
-          </a:lnRef>
-          <a:fillRef idx="2">
-            <a:schemeClr val="accent4"/>
-          </a:fillRef>
-          <a:effectRef idx="1">
-            <a:schemeClr val="accent4"/>
-          </a:effectRef>
-          <a:fontRef idx="minor">
-            <a:schemeClr val="dk1"/>
-          </a:fontRef>
-        </p:style>
-        <p:txBody>
-          <a:bodyPr rtlCol="0" anchor="ctr"/>
-          <a:lstStyle/>
-          <a:p>
-            <a:pPr algn="ctr"/>
-            <a:r>
-              <a:rPr lang="en-US" sz="1050" dirty="0" smtClean="0">
-                <a:solidFill>
-                  <a:srgbClr val="7030A0"/>
-                </a:solidFill>
-              </a:rPr>
-              <a:t>Address</a:t>
-            </a:r>
-            <a:endParaRPr lang="en-SG" sz="1050" dirty="0">
-              <a:solidFill>
-                <a:srgbClr val="7030A0"/>
-              </a:solidFill>
-            </a:endParaRPr>
-          </a:p>
-        </p:txBody>
-      </p:sp>
-      <p:cxnSp>
-        <p:nvCxnSpPr>
-          <p:cNvPr id="86" name="Elbow Connector 85"/>
-          <p:cNvCxnSpPr>
-            <a:stCxn id="78" idx="3"/>
-            <a:endCxn id="85" idx="1"/>
-          </p:cNvCxnSpPr>
-          <p:nvPr/>
-        </p:nvCxnSpPr>
-        <p:spPr>
-          <a:xfrm>
-            <a:off x="7277995" y="3034891"/>
-            <a:ext cx="434402" cy="641172"/>
           </a:xfrm>
           <a:prstGeom prst="bentConnector3">
             <a:avLst/>
@@ -15075,7 +14727,7 @@
         </p:nvCxnSpPr>
         <p:spPr>
           <a:xfrm rot="16200000" flipH="1">
-            <a:off x="3279321" y="2485431"/>
+            <a:off x="4803322" y="2485432"/>
             <a:ext cx="293825" cy="1"/>
           </a:xfrm>
           <a:prstGeom prst="bentConnector3">
@@ -15116,7 +14768,7 @@
         </p:nvSpPr>
         <p:spPr>
           <a:xfrm rot="10800000" flipV="1">
-            <a:off x="3290981" y="2162997"/>
+            <a:off x="4814981" y="2162998"/>
             <a:ext cx="270504" cy="175523"/>
           </a:xfrm>
           <a:prstGeom prst="triangle">
@@ -15148,7 +14800,7 @@
           <a:lstStyle/>
           <a:p>
             <a:pPr algn="ctr"/>
-            <a:endParaRPr lang="en-SG" sz="1050" b="1">
+            <a:endParaRPr lang="en-SG" sz="1050" b="1" dirty="0">
               <a:solidFill>
                 <a:srgbClr val="92D050"/>
               </a:solidFill>
@@ -15164,7 +14816,7 @@
         </p:nvSpPr>
         <p:spPr>
           <a:xfrm>
-            <a:off x="2660303" y="1806470"/>
+            <a:off x="4184303" y="1806470"/>
             <a:ext cx="1539926" cy="346760"/>
           </a:xfrm>
           <a:prstGeom prst="rect">
@@ -15197,130 +14849,12 @@
           <a:p>
             <a:pPr algn="ctr"/>
             <a:r>
-              <a:rPr lang="en-US" sz="1050" dirty="0" smtClean="0">
+              <a:rPr lang="en-US" sz="1050" dirty="0">
                 <a:solidFill>
                   <a:srgbClr val="7030A0"/>
                 </a:solidFill>
               </a:rPr>
               <a:t>&lt;&lt;interface&gt;&gt;</a:t>
-            </a:r>
-            <a:br>
-              <a:rPr lang="en-US" sz="1050" dirty="0" smtClean="0">
-                <a:solidFill>
-                  <a:srgbClr val="7030A0"/>
-                </a:solidFill>
-              </a:rPr>
-            </a:br>
-            <a:r>
-              <a:rPr lang="en-US" sz="1050" dirty="0" err="1" smtClean="0">
-                <a:solidFill>
-                  <a:srgbClr val="7030A0"/>
-                </a:solidFill>
-              </a:rPr>
-              <a:t>ReadOnlyAddressBook</a:t>
-            </a:r>
-            <a:endParaRPr lang="en-SG" sz="1050" dirty="0">
-              <a:solidFill>
-                <a:srgbClr val="7030A0"/>
-              </a:solidFill>
-            </a:endParaRPr>
-          </a:p>
-        </p:txBody>
-      </p:sp>
-      <p:sp>
-        <p:nvSpPr>
-          <p:cNvPr id="114" name="TextBox 113"/>
-          <p:cNvSpPr txBox="1"/>
-          <p:nvPr/>
-        </p:nvSpPr>
-        <p:spPr>
-          <a:xfrm rot="16200000">
-            <a:off x="6581354" y="3514530"/>
-            <a:ext cx="881018" cy="261610"/>
-          </a:xfrm>
-          <a:prstGeom prst="rect">
-            <a:avLst/>
-          </a:prstGeom>
-          <a:noFill/>
-        </p:spPr>
-        <p:txBody>
-          <a:bodyPr wrap="square" rtlCol="0">
-            <a:spAutoFit/>
-          </a:bodyPr>
-          <a:lstStyle/>
-          <a:p>
-            <a:pPr algn="r"/>
-            <a:r>
-              <a:rPr lang="en-US" sz="1100" dirty="0" smtClean="0">
-                <a:solidFill>
-                  <a:srgbClr val="7030A0"/>
-                </a:solidFill>
-              </a:rPr>
-              <a:t>filtered list</a:t>
-            </a:r>
-            <a:endParaRPr lang="en-SG" sz="1100" dirty="0">
-              <a:solidFill>
-                <a:srgbClr val="7030A0"/>
-              </a:solidFill>
-            </a:endParaRPr>
-          </a:p>
-        </p:txBody>
-      </p:sp>
-      <p:sp>
-        <p:nvSpPr>
-          <p:cNvPr id="122" name="Rectangle 8"/>
-          <p:cNvSpPr/>
-          <p:nvPr/>
-        </p:nvSpPr>
-        <p:spPr>
-          <a:xfrm>
-            <a:off x="2057400" y="4239491"/>
-            <a:ext cx="1775949" cy="346760"/>
-          </a:xfrm>
-          <a:prstGeom prst="rect">
-            <a:avLst/>
-          </a:prstGeom>
-          <a:ln w="19050">
-            <a:solidFill>
-              <a:srgbClr val="7030A0"/>
-            </a:solidFill>
-          </a:ln>
-          <a:effectLst/>
-        </p:spPr>
-        <p:style>
-          <a:lnRef idx="1">
-            <a:schemeClr val="accent4"/>
-          </a:lnRef>
-          <a:fillRef idx="2">
-            <a:schemeClr val="accent4"/>
-          </a:fillRef>
-          <a:effectRef idx="1">
-            <a:schemeClr val="accent4"/>
-          </a:effectRef>
-          <a:fontRef idx="minor">
-            <a:schemeClr val="dk1"/>
-          </a:fontRef>
-        </p:style>
-        <p:txBody>
-          <a:bodyPr rtlCol="0" anchor="ctr"/>
-          <a:lstStyle/>
-          <a:p>
-            <a:pPr algn="ctr"/>
-            <a:r>
-              <a:rPr lang="en-US" sz="1050" dirty="0" smtClean="0">
-                <a:solidFill>
-                  <a:srgbClr val="7030A0"/>
-                </a:solidFill>
-              </a:rPr>
-              <a:t>&lt;&lt;interface&gt;&gt;</a:t>
-            </a:r>
-            <a:r>
-              <a:rPr lang="en-US" sz="1050" dirty="0">
-                <a:solidFill>
-                  <a:srgbClr val="7030A0"/>
-                </a:solidFill>
-              </a:rPr>
-              <a:t/>
             </a:r>
             <a:br>
               <a:rPr lang="en-US" sz="1050" dirty="0">
@@ -15330,7 +14864,117 @@
               </a:rPr>
             </a:br>
             <a:r>
-              <a:rPr lang="en-US" sz="1050" dirty="0" err="1" smtClean="0">
+              <a:rPr lang="en-US" sz="1050" dirty="0">
+                <a:solidFill>
+                  <a:srgbClr val="7030A0"/>
+                </a:solidFill>
+              </a:rPr>
+              <a:t>ReadOnlyTaskBook</a:t>
+            </a:r>
+            <a:endParaRPr lang="en-SG" sz="1050" dirty="0">
+              <a:solidFill>
+                <a:srgbClr val="7030A0"/>
+              </a:solidFill>
+            </a:endParaRPr>
+          </a:p>
+        </p:txBody>
+      </p:sp>
+      <p:sp>
+        <p:nvSpPr>
+          <p:cNvPr id="114" name="TextBox 113"/>
+          <p:cNvSpPr txBox="1"/>
+          <p:nvPr/>
+        </p:nvSpPr>
+        <p:spPr>
+          <a:xfrm rot="16200000">
+            <a:off x="8105354" y="3514530"/>
+            <a:ext cx="881018" cy="261610"/>
+          </a:xfrm>
+          <a:prstGeom prst="rect">
+            <a:avLst/>
+          </a:prstGeom>
+          <a:noFill/>
+        </p:spPr>
+        <p:txBody>
+          <a:bodyPr wrap="square" rtlCol="0">
+            <a:spAutoFit/>
+          </a:bodyPr>
+          <a:lstStyle/>
+          <a:p>
+            <a:pPr algn="r"/>
+            <a:r>
+              <a:rPr lang="en-US" sz="1100" dirty="0">
+                <a:solidFill>
+                  <a:srgbClr val="7030A0"/>
+                </a:solidFill>
+              </a:rPr>
+              <a:t>filtered list</a:t>
+            </a:r>
+            <a:endParaRPr lang="en-SG" sz="1100" dirty="0">
+              <a:solidFill>
+                <a:srgbClr val="7030A0"/>
+              </a:solidFill>
+            </a:endParaRPr>
+          </a:p>
+        </p:txBody>
+      </p:sp>
+      <p:sp>
+        <p:nvSpPr>
+          <p:cNvPr id="122" name="Rectangle 8"/>
+          <p:cNvSpPr/>
+          <p:nvPr/>
+        </p:nvSpPr>
+        <p:spPr>
+          <a:xfrm>
+            <a:off x="3581401" y="4239491"/>
+            <a:ext cx="1775949" cy="346760"/>
+          </a:xfrm>
+          <a:prstGeom prst="rect">
+            <a:avLst/>
+          </a:prstGeom>
+          <a:ln w="19050">
+            <a:solidFill>
+              <a:srgbClr val="7030A0"/>
+            </a:solidFill>
+          </a:ln>
+          <a:effectLst/>
+        </p:spPr>
+        <p:style>
+          <a:lnRef idx="1">
+            <a:schemeClr val="accent4"/>
+          </a:lnRef>
+          <a:fillRef idx="2">
+            <a:schemeClr val="accent4"/>
+          </a:fillRef>
+          <a:effectRef idx="1">
+            <a:schemeClr val="accent4"/>
+          </a:effectRef>
+          <a:fontRef idx="minor">
+            <a:schemeClr val="dk1"/>
+          </a:fontRef>
+        </p:style>
+        <p:txBody>
+          <a:bodyPr rtlCol="0" anchor="ctr"/>
+          <a:lstStyle/>
+          <a:p>
+            <a:pPr algn="ctr"/>
+            <a:r>
+              <a:rPr lang="en-US" sz="1050" dirty="0">
+                <a:solidFill>
+                  <a:srgbClr val="7030A0"/>
+                </a:solidFill>
+              </a:rPr>
+              <a:t>&lt;&lt;interface&gt;&gt;</a:t>
+            </a:r>
+            <a:br>
+              <a:rPr lang="en-US" sz="1050" dirty="0">
+                <a:solidFill>
+                  <a:srgbClr val="7030A0"/>
+                </a:solidFill>
+              </a:rPr>
+            </a:br>
+            <a:r>
+              <a:rPr lang="en-US" sz="1050" dirty="0">
                 <a:solidFill>
                   <a:srgbClr val="7030A0"/>
                 </a:solidFill>
@@ -15356,7 +15000,7 @@
         </p:nvCxnSpPr>
         <p:spPr>
           <a:xfrm rot="16200000" flipH="1">
-            <a:off x="1364475" y="3719945"/>
+            <a:off x="2888476" y="3719945"/>
             <a:ext cx="831471" cy="554380"/>
           </a:xfrm>
           <a:prstGeom prst="bentConnector2">
@@ -15397,13 +15041,6 @@
   <p:clrMapOvr>
     <a:masterClrMapping/>
   </p:clrMapOvr>
-  <p:timing>
-    <p:tnLst>
-      <p:par>
-        <p:cTn id="1" dur="indefinite" restart="never" nodeType="tmRoot"/>
-      </p:par>
-    </p:tnLst>
-  </p:timing>
 </p:sld>
 </file>
 
@@ -15432,7 +15069,7 @@
         </p:nvSpPr>
         <p:spPr>
           <a:xfrm>
-            <a:off x="1119865" y="2086382"/>
+            <a:off x="2643866" y="2086382"/>
             <a:ext cx="7871735" cy="1723618"/>
           </a:xfrm>
           <a:prstGeom prst="roundRect">
@@ -15470,7 +15107,7 @@
           <a:lstStyle/>
           <a:p>
             <a:r>
-              <a:rPr lang="en-US" sz="1200" b="1" dirty="0" smtClean="0">
+              <a:rPr lang="en-US" sz="1200" b="1" dirty="0">
                 <a:solidFill>
                   <a:schemeClr val="accent6">
                     <a:lumMod val="75000"/>
@@ -15497,149 +15134,8 @@
         </p:nvSpPr>
         <p:spPr>
           <a:xfrm>
-            <a:off x="2877180" y="3158440"/>
+            <a:off x="4401181" y="3158440"/>
             <a:ext cx="1323049" cy="346760"/>
-          </a:xfrm>
-          <a:prstGeom prst="rect">
-            <a:avLst/>
-          </a:prstGeom>
-          <a:solidFill>
-            <a:schemeClr val="accent6">
-              <a:lumMod val="75000"/>
-            </a:schemeClr>
-          </a:solidFill>
-          <a:ln w="19050">
-            <a:solidFill>
-              <a:schemeClr val="accent6">
-                <a:lumMod val="75000"/>
-              </a:schemeClr>
-            </a:solidFill>
-          </a:ln>
-          <a:effectLst/>
-        </p:spPr>
-        <p:style>
-          <a:lnRef idx="1">
-            <a:schemeClr val="accent2"/>
-          </a:lnRef>
-          <a:fillRef idx="2">
-            <a:schemeClr val="accent2"/>
-          </a:fillRef>
-          <a:effectRef idx="1">
-            <a:schemeClr val="accent2"/>
-          </a:effectRef>
-          <a:fontRef idx="minor">
-            <a:schemeClr val="dk1"/>
-          </a:fontRef>
-        </p:style>
-        <p:txBody>
-          <a:bodyPr rtlCol="0" anchor="ctr"/>
-          <a:lstStyle/>
-          <a:p>
-            <a:pPr algn="ctr"/>
-            <a:r>
-              <a:rPr lang="en-US" sz="1050" dirty="0" smtClean="0">
-                <a:solidFill>
-                  <a:schemeClr val="bg1"/>
-                </a:solidFill>
-              </a:rPr>
-              <a:t>&lt;&lt;interface&gt;&gt;</a:t>
-            </a:r>
-            <a:br>
-              <a:rPr lang="en-US" sz="1050" dirty="0" smtClean="0">
-                <a:solidFill>
-                  <a:schemeClr val="bg1"/>
-                </a:solidFill>
-              </a:rPr>
-            </a:br>
-            <a:r>
-              <a:rPr lang="en-US" sz="1050" dirty="0" err="1" smtClean="0">
-                <a:solidFill>
-                  <a:schemeClr val="bg1"/>
-                </a:solidFill>
-              </a:rPr>
-              <a:t>AddressBookStorage</a:t>
-            </a:r>
-            <a:endParaRPr lang="en-SG" sz="1050" dirty="0">
-              <a:solidFill>
-                <a:schemeClr val="bg1"/>
-              </a:solidFill>
-            </a:endParaRPr>
-          </a:p>
-        </p:txBody>
-      </p:sp>
-      <p:sp>
-        <p:nvSpPr>
-          <p:cNvPr id="9" name="Rectangle 62"/>
-          <p:cNvSpPr/>
-          <p:nvPr/>
-        </p:nvSpPr>
-        <p:spPr>
-          <a:xfrm rot="16200000">
-            <a:off x="1683963" y="2868687"/>
-            <a:ext cx="1093635" cy="346760"/>
-          </a:xfrm>
-          <a:prstGeom prst="rect">
-            <a:avLst/>
-          </a:prstGeom>
-          <a:solidFill>
-            <a:schemeClr val="accent6">
-              <a:lumMod val="75000"/>
-            </a:schemeClr>
-          </a:solidFill>
-          <a:ln w="19050">
-            <a:solidFill>
-              <a:schemeClr val="accent6">
-                <a:lumMod val="75000"/>
-              </a:schemeClr>
-            </a:solidFill>
-          </a:ln>
-          <a:effectLst/>
-        </p:spPr>
-        <p:style>
-          <a:lnRef idx="1">
-            <a:schemeClr val="accent2"/>
-          </a:lnRef>
-          <a:fillRef idx="2">
-            <a:schemeClr val="accent2"/>
-          </a:fillRef>
-          <a:effectRef idx="1">
-            <a:schemeClr val="accent2"/>
-          </a:effectRef>
-          <a:fontRef idx="minor">
-            <a:schemeClr val="dk1"/>
-          </a:fontRef>
-        </p:style>
-        <p:txBody>
-          <a:bodyPr rtlCol="0" anchor="ctr"/>
-          <a:lstStyle/>
-          <a:p>
-            <a:pPr algn="ctr"/>
-            <a:r>
-              <a:rPr lang="en-US" sz="1050" dirty="0" err="1" smtClean="0">
-                <a:solidFill>
-                  <a:schemeClr val="bg1"/>
-                </a:solidFill>
-              </a:rPr>
-              <a:t>StorageManager</a:t>
-            </a:r>
-            <a:endParaRPr lang="en-SG" sz="1050" dirty="0">
-              <a:solidFill>
-                <a:schemeClr val="bg1"/>
-              </a:solidFill>
-            </a:endParaRPr>
-          </a:p>
-        </p:txBody>
-      </p:sp>
-      <p:sp>
-        <p:nvSpPr>
-          <p:cNvPr id="119" name="Rectangle 62"/>
-          <p:cNvSpPr/>
-          <p:nvPr/>
-        </p:nvSpPr>
-        <p:spPr>
-          <a:xfrm rot="16200000">
-            <a:off x="956202" y="2861202"/>
-            <a:ext cx="1093635" cy="346760"/>
           </a:xfrm>
           <a:prstGeom prst="rect">
             <a:avLst/>
@@ -15685,11 +15181,152 @@
               </a:rPr>
               <a:t>&lt;&lt;interface&gt;&gt;</a:t>
             </a:r>
-          </a:p>
+            <a:br>
+              <a:rPr lang="en-US" sz="1050" dirty="0">
+                <a:solidFill>
+                  <a:schemeClr val="bg1"/>
+                </a:solidFill>
+              </a:rPr>
+            </a:br>
+            <a:r>
+              <a:rPr lang="en-US" sz="1050" dirty="0">
+                <a:solidFill>
+                  <a:schemeClr val="bg1"/>
+                </a:solidFill>
+              </a:rPr>
+              <a:t>TaskBookStorage</a:t>
+            </a:r>
+            <a:endParaRPr lang="en-SG" sz="1050" dirty="0">
+              <a:solidFill>
+                <a:schemeClr val="bg1"/>
+              </a:solidFill>
+            </a:endParaRPr>
+          </a:p>
+        </p:txBody>
+      </p:sp>
+      <p:sp>
+        <p:nvSpPr>
+          <p:cNvPr id="9" name="Rectangle 62"/>
+          <p:cNvSpPr/>
+          <p:nvPr/>
+        </p:nvSpPr>
+        <p:spPr>
+          <a:xfrm rot="16200000">
+            <a:off x="3207964" y="2868687"/>
+            <a:ext cx="1093635" cy="346760"/>
+          </a:xfrm>
+          <a:prstGeom prst="rect">
+            <a:avLst/>
+          </a:prstGeom>
+          <a:solidFill>
+            <a:schemeClr val="accent6">
+              <a:lumMod val="75000"/>
+            </a:schemeClr>
+          </a:solidFill>
+          <a:ln w="19050">
+            <a:solidFill>
+              <a:schemeClr val="accent6">
+                <a:lumMod val="75000"/>
+              </a:schemeClr>
+            </a:solidFill>
+          </a:ln>
+          <a:effectLst/>
+        </p:spPr>
+        <p:style>
+          <a:lnRef idx="1">
+            <a:schemeClr val="accent2"/>
+          </a:lnRef>
+          <a:fillRef idx="2">
+            <a:schemeClr val="accent2"/>
+          </a:fillRef>
+          <a:effectRef idx="1">
+            <a:schemeClr val="accent2"/>
+          </a:effectRef>
+          <a:fontRef idx="minor">
+            <a:schemeClr val="dk1"/>
+          </a:fontRef>
+        </p:style>
+        <p:txBody>
+          <a:bodyPr rtlCol="0" anchor="ctr"/>
+          <a:lstStyle/>
           <a:p>
             <a:pPr algn="ctr"/>
             <a:r>
-              <a:rPr lang="en-US" sz="1050" dirty="0" smtClean="0">
+              <a:rPr lang="en-US" sz="1050" dirty="0">
+                <a:solidFill>
+                  <a:schemeClr val="bg1"/>
+                </a:solidFill>
+              </a:rPr>
+              <a:t>StorageManager</a:t>
+            </a:r>
+            <a:endParaRPr lang="en-SG" sz="1050" dirty="0">
+              <a:solidFill>
+                <a:schemeClr val="bg1"/>
+              </a:solidFill>
+            </a:endParaRPr>
+          </a:p>
+        </p:txBody>
+      </p:sp>
+      <p:sp>
+        <p:nvSpPr>
+          <p:cNvPr id="119" name="Rectangle 62"/>
+          <p:cNvSpPr/>
+          <p:nvPr/>
+        </p:nvSpPr>
+        <p:spPr>
+          <a:xfrm rot="16200000">
+            <a:off x="2480203" y="2861202"/>
+            <a:ext cx="1093635" cy="346760"/>
+          </a:xfrm>
+          <a:prstGeom prst="rect">
+            <a:avLst/>
+          </a:prstGeom>
+          <a:solidFill>
+            <a:schemeClr val="accent6">
+              <a:lumMod val="75000"/>
+            </a:schemeClr>
+          </a:solidFill>
+          <a:ln w="19050">
+            <a:solidFill>
+              <a:schemeClr val="accent6">
+                <a:lumMod val="75000"/>
+              </a:schemeClr>
+            </a:solidFill>
+          </a:ln>
+          <a:effectLst/>
+        </p:spPr>
+        <p:style>
+          <a:lnRef idx="1">
+            <a:schemeClr val="accent2"/>
+          </a:lnRef>
+          <a:fillRef idx="2">
+            <a:schemeClr val="accent2"/>
+          </a:fillRef>
+          <a:effectRef idx="1">
+            <a:schemeClr val="accent2"/>
+          </a:effectRef>
+          <a:fontRef idx="minor">
+            <a:schemeClr val="dk1"/>
+          </a:fontRef>
+        </p:style>
+        <p:txBody>
+          <a:bodyPr rtlCol="0" anchor="ctr"/>
+          <a:lstStyle/>
+          <a:p>
+            <a:pPr algn="ctr"/>
+            <a:r>
+              <a:rPr lang="en-US" sz="1050" dirty="0">
+                <a:solidFill>
+                  <a:schemeClr val="bg1"/>
+                </a:solidFill>
+              </a:rPr>
+              <a:t>&lt;&lt;interface&gt;&gt;</a:t>
+            </a:r>
+          </a:p>
+          <a:p>
+            <a:pPr algn="ctr"/>
+            <a:r>
+              <a:rPr lang="en-US" sz="1050" dirty="0">
                 <a:solidFill>
                   <a:schemeClr val="bg1"/>
                 </a:solidFill>
@@ -15712,7 +15349,7 @@
         </p:nvSpPr>
         <p:spPr>
           <a:xfrm rot="16200000">
-            <a:off x="1626910" y="2952291"/>
+            <a:off x="3150910" y="2952292"/>
             <a:ext cx="270504" cy="175523"/>
           </a:xfrm>
           <a:prstGeom prst="triangle">
@@ -15751,7 +15388,7 @@
           <a:lstStyle/>
           <a:p>
             <a:pPr algn="ctr"/>
-            <a:endParaRPr lang="en-SG" sz="1050">
+            <a:endParaRPr lang="en-SG" sz="1050" dirty="0">
               <a:solidFill>
                 <a:schemeClr val="bg1"/>
               </a:solidFill>
@@ -15770,7 +15407,7 @@
         </p:nvCxnSpPr>
         <p:spPr>
           <a:xfrm>
-            <a:off x="2656370" y="3326536"/>
+            <a:off x="4180370" y="3326536"/>
             <a:ext cx="220810" cy="5284"/>
           </a:xfrm>
           <a:prstGeom prst="straightConnector1">
@@ -15810,7 +15447,7 @@
         </p:nvCxnSpPr>
         <p:spPr>
           <a:xfrm>
-            <a:off x="910091" y="3040053"/>
+            <a:off x="2434091" y="3040053"/>
             <a:ext cx="419548" cy="2860"/>
           </a:xfrm>
           <a:prstGeom prst="bentConnector3">
@@ -15855,7 +15492,7 @@
         </p:nvCxnSpPr>
         <p:spPr>
           <a:xfrm flipV="1">
-            <a:off x="1849924" y="3040052"/>
+            <a:off x="3373925" y="3040053"/>
             <a:ext cx="216105" cy="1"/>
           </a:xfrm>
           <a:prstGeom prst="line">
@@ -15896,7 +15533,7 @@
         </p:nvSpPr>
         <p:spPr>
           <a:xfrm>
-            <a:off x="2420322" y="3239846"/>
+            <a:off x="3944322" y="3239846"/>
             <a:ext cx="236048" cy="173380"/>
           </a:xfrm>
           <a:prstGeom prst="flowChartDecision">
@@ -15931,7 +15568,7 @@
           <a:lstStyle/>
           <a:p>
             <a:pPr algn="ctr"/>
-            <a:endParaRPr lang="en-US" sz="1050">
+            <a:endParaRPr lang="en-US" sz="1050" dirty="0">
               <a:solidFill>
                 <a:schemeClr val="bg1"/>
               </a:solidFill>
@@ -15950,7 +15587,7 @@
         </p:nvCxnSpPr>
         <p:spPr>
           <a:xfrm flipV="1">
-            <a:off x="4398041" y="3331820"/>
+            <a:off x="5922041" y="3331821"/>
             <a:ext cx="223324" cy="1"/>
           </a:xfrm>
           <a:prstGeom prst="bentConnector3">
@@ -15993,7 +15630,7 @@
         </p:nvSpPr>
         <p:spPr>
           <a:xfrm rot="5400000" flipV="1">
-            <a:off x="4175027" y="3244059"/>
+            <a:off x="5699027" y="3244060"/>
             <a:ext cx="270504" cy="175523"/>
           </a:xfrm>
           <a:prstGeom prst="triangle">
@@ -16032,7 +15669,7 @@
           <a:lstStyle/>
           <a:p>
             <a:pPr algn="ctr"/>
-            <a:endParaRPr lang="en-SG" sz="1050">
+            <a:endParaRPr lang="en-SG" sz="1050" dirty="0">
               <a:solidFill>
                 <a:schemeClr val="bg1"/>
               </a:solidFill>
@@ -16051,7 +15688,7 @@
         </p:nvCxnSpPr>
         <p:spPr>
           <a:xfrm>
-            <a:off x="5791200" y="3331820"/>
+            <a:off x="7315200" y="3331820"/>
             <a:ext cx="228600" cy="1970"/>
           </a:xfrm>
           <a:prstGeom prst="bentConnector3">
@@ -16094,7 +15731,7 @@
         </p:nvSpPr>
         <p:spPr>
           <a:xfrm>
-            <a:off x="4621365" y="3158440"/>
+            <a:off x="6145366" y="3158440"/>
             <a:ext cx="1169835" cy="346760"/>
           </a:xfrm>
           <a:prstGeom prst="rect">
@@ -16123,27 +15760,17 @@
           <a:p>
             <a:pPr algn="ctr"/>
             <a:r>
-              <a:rPr lang="en-US" sz="1050" b="1" dirty="0" err="1" smtClean="0">
+              <a:rPr lang="en-US" sz="1050" b="1" dirty="0">
                 <a:solidFill>
                   <a:schemeClr val="accent6">
                     <a:lumMod val="75000"/>
                   </a:schemeClr>
                 </a:solidFill>
               </a:rPr>
-              <a:t>XmlAddressBook</a:t>
-            </a:r>
-            <a:r>
-              <a:rPr lang="en-US" sz="1050" b="1" dirty="0" smtClean="0">
-                <a:solidFill>
-                  <a:schemeClr val="accent6">
-                    <a:lumMod val="75000"/>
-                  </a:schemeClr>
-                </a:solidFill>
-              </a:rPr>
-              <a:t/>
+              <a:t>XmlTaskBook</a:t>
             </a:r>
             <a:br>
-              <a:rPr lang="en-US" sz="1050" b="1" dirty="0" smtClean="0">
+              <a:rPr lang="en-US" sz="1050" b="1" dirty="0">
                 <a:solidFill>
                   <a:schemeClr val="accent6">
                     <a:lumMod val="75000"/>
@@ -16152,7 +15779,7 @@
               </a:rPr>
             </a:br>
             <a:r>
-              <a:rPr lang="en-US" sz="1050" b="1" dirty="0" smtClean="0">
+              <a:rPr lang="en-US" sz="1050" b="1" dirty="0">
                 <a:solidFill>
                   <a:schemeClr val="accent6">
                     <a:lumMod val="75000"/>
@@ -16179,7 +15806,7 @@
         </p:nvSpPr>
         <p:spPr>
           <a:xfrm>
-            <a:off x="2873943" y="2558040"/>
+            <a:off x="4397944" y="2558040"/>
             <a:ext cx="1323049" cy="346760"/>
           </a:xfrm>
           <a:prstGeom prst="rect">
@@ -16219,7 +15846,7 @@
           <a:p>
             <a:pPr algn="ctr"/>
             <a:r>
-              <a:rPr lang="en-US" sz="1050" dirty="0" smtClean="0">
+              <a:rPr lang="en-US" sz="1050" dirty="0">
                 <a:solidFill>
                   <a:schemeClr val="bg1"/>
                 </a:solidFill>
@@ -16227,14 +15854,14 @@
               <a:t>&lt;&lt;interface&gt;&gt;</a:t>
             </a:r>
             <a:br>
-              <a:rPr lang="en-US" sz="1050" dirty="0" smtClean="0">
+              <a:rPr lang="en-US" sz="1050" dirty="0">
                 <a:solidFill>
                   <a:schemeClr val="bg1"/>
                 </a:solidFill>
               </a:rPr>
             </a:br>
             <a:r>
-              <a:rPr lang="en-US" sz="1050" dirty="0" err="1" smtClean="0">
+              <a:rPr lang="en-US" sz="1050" dirty="0">
                 <a:solidFill>
                   <a:schemeClr val="bg1"/>
                 </a:solidFill>
@@ -16260,7 +15887,7 @@
         </p:nvCxnSpPr>
         <p:spPr>
           <a:xfrm>
-            <a:off x="2653133" y="2726136"/>
+            <a:off x="4177133" y="2726136"/>
             <a:ext cx="220810" cy="5284"/>
           </a:xfrm>
           <a:prstGeom prst="straightConnector1">
@@ -16300,7 +15927,7 @@
         </p:nvSpPr>
         <p:spPr>
           <a:xfrm>
-            <a:off x="2417085" y="2639446"/>
+            <a:off x="3941085" y="2639446"/>
             <a:ext cx="236048" cy="173380"/>
           </a:xfrm>
           <a:prstGeom prst="flowChartDecision">
@@ -16335,7 +15962,7 @@
           <a:lstStyle/>
           <a:p>
             <a:pPr algn="ctr"/>
-            <a:endParaRPr lang="en-US" sz="1050">
+            <a:endParaRPr lang="en-US" sz="1050" dirty="0">
               <a:solidFill>
                 <a:schemeClr val="bg1"/>
               </a:solidFill>
@@ -16354,7 +15981,7 @@
         </p:nvCxnSpPr>
         <p:spPr>
           <a:xfrm flipV="1">
-            <a:off x="4394804" y="2731420"/>
+            <a:off x="5918804" y="2731421"/>
             <a:ext cx="223324" cy="1"/>
           </a:xfrm>
           <a:prstGeom prst="bentConnector3">
@@ -16397,7 +16024,7 @@
         </p:nvSpPr>
         <p:spPr>
           <a:xfrm rot="5400000" flipV="1">
-            <a:off x="4171790" y="2643659"/>
+            <a:off x="5695790" y="2643660"/>
             <a:ext cx="270504" cy="175523"/>
           </a:xfrm>
           <a:prstGeom prst="triangle">
@@ -16436,7 +16063,7 @@
           <a:lstStyle/>
           <a:p>
             <a:pPr algn="ctr"/>
-            <a:endParaRPr lang="en-SG" sz="1050">
+            <a:endParaRPr lang="en-SG" sz="1050" dirty="0">
               <a:solidFill>
                 <a:schemeClr val="bg1"/>
               </a:solidFill>
@@ -16452,7 +16079,7 @@
         </p:nvSpPr>
         <p:spPr>
           <a:xfrm>
-            <a:off x="4618128" y="2558040"/>
+            <a:off x="6142129" y="2558040"/>
             <a:ext cx="1093635" cy="346760"/>
           </a:xfrm>
           <a:prstGeom prst="rect">
@@ -16492,30 +16119,22 @@
           <a:p>
             <a:pPr algn="ctr"/>
             <a:r>
-              <a:rPr lang="en-US" sz="1050" dirty="0" err="1" smtClean="0">
+              <a:rPr lang="en-US" sz="1050" dirty="0">
                 <a:solidFill>
                   <a:schemeClr val="bg1"/>
                 </a:solidFill>
               </a:rPr>
               <a:t>JsonUserPrefs</a:t>
             </a:r>
-            <a:r>
-              <a:rPr lang="en-US" sz="1050" dirty="0" smtClean="0">
-                <a:solidFill>
-                  <a:schemeClr val="bg1"/>
-                </a:solidFill>
-              </a:rPr>
-              <a:t/>
-            </a:r>
             <a:br>
-              <a:rPr lang="en-US" sz="1050" dirty="0" smtClean="0">
+              <a:rPr lang="en-US" sz="1050" dirty="0">
                 <a:solidFill>
                   <a:schemeClr val="bg1"/>
                 </a:solidFill>
               </a:rPr>
             </a:br>
             <a:r>
-              <a:rPr lang="en-US" sz="1050" dirty="0" smtClean="0">
+              <a:rPr lang="en-US" sz="1050" dirty="0">
                 <a:solidFill>
                   <a:schemeClr val="bg1"/>
                 </a:solidFill>
@@ -16538,7 +16157,7 @@
         </p:nvSpPr>
         <p:spPr>
           <a:xfrm>
-            <a:off x="6019800" y="3160410"/>
+            <a:off x="7543801" y="3160410"/>
             <a:ext cx="1200707" cy="346760"/>
           </a:xfrm>
           <a:prstGeom prst="rect">
@@ -16567,7 +16186,7 @@
           <a:p>
             <a:pPr algn="ctr"/>
             <a:r>
-              <a:rPr lang="en-US" sz="1050" b="1" dirty="0" err="1" smtClean="0">
+              <a:rPr lang="en-US" sz="1050" b="1" dirty="0">
                 <a:solidFill>
                   <a:schemeClr val="accent6">
                     <a:lumMod val="75000"/>
@@ -16576,18 +16195,8 @@
               </a:rPr>
               <a:t>XmlSerializable</a:t>
             </a:r>
-            <a:r>
-              <a:rPr lang="en-US" sz="1050" b="1" dirty="0" smtClean="0">
-                <a:solidFill>
-                  <a:schemeClr val="accent6">
-                    <a:lumMod val="75000"/>
-                  </a:schemeClr>
-                </a:solidFill>
-              </a:rPr>
-              <a:t/>
-            </a:r>
             <a:br>
-              <a:rPr lang="en-US" sz="1050" b="1" dirty="0" smtClean="0">
+              <a:rPr lang="en-US" sz="1050" b="1" dirty="0">
                 <a:solidFill>
                   <a:schemeClr val="accent6">
                     <a:lumMod val="75000"/>
@@ -16596,14 +16205,14 @@
               </a:rPr>
             </a:br>
             <a:r>
-              <a:rPr lang="en-US" sz="1050" b="1" dirty="0" err="1" smtClean="0">
+              <a:rPr lang="en-US" sz="1050" b="1" dirty="0">
                 <a:solidFill>
                   <a:schemeClr val="accent6">
                     <a:lumMod val="75000"/>
                   </a:schemeClr>
                 </a:solidFill>
               </a:rPr>
-              <a:t>AddressBook</a:t>
+              <a:t>TaskBook</a:t>
             </a:r>
             <a:endParaRPr lang="en-SG" sz="1050" b="1" dirty="0">
               <a:solidFill>
@@ -16615,30 +16224,21 @@
           </a:p>
         </p:txBody>
       </p:sp>
-      <p:cxnSp>
-        <p:nvCxnSpPr>
-          <p:cNvPr id="70" name="Elbow Connector 122"/>
-          <p:cNvCxnSpPr>
-            <a:stCxn id="74" idx="0"/>
-            <a:endCxn id="73" idx="2"/>
-          </p:cNvCxnSpPr>
-          <p:nvPr/>
-        </p:nvCxnSpPr>
-        <p:spPr>
-          <a:xfrm rot="5400000" flipH="1" flipV="1">
-            <a:off x="8077993" y="2992020"/>
-            <a:ext cx="335208" cy="12700"/>
-          </a:xfrm>
-          <a:prstGeom prst="bentConnector3">
-            <a:avLst>
-              <a:gd name="adj1" fmla="val 50000"/>
-            </a:avLst>
-          </a:prstGeom>
-          <a:ln w="19050">
-            <a:prstDash val="sysDot"/>
-            <a:headEnd type="none" w="med" len="med"/>
-            <a:tailEnd type="arrow" w="med" len="med"/>
-          </a:ln>
+      <p:sp>
+        <p:nvSpPr>
+          <p:cNvPr id="74" name="Rectangle 8"/>
+          <p:cNvSpPr/>
+          <p:nvPr/>
+        </p:nvSpPr>
+        <p:spPr>
+          <a:xfrm>
+            <a:off x="9139738" y="3159624"/>
+            <a:ext cx="1259718" cy="346760"/>
+          </a:xfrm>
+          <a:prstGeom prst="rect">
+            <a:avLst/>
+          </a:prstGeom>
+          <a:ln w="19050"/>
           <a:effectLst/>
         </p:spPr>
         <p:style>
@@ -16655,52 +16255,20 @@
             <a:schemeClr val="dk1"/>
           </a:fontRef>
         </p:style>
-      </p:cxnSp>
-      <p:sp>
-        <p:nvSpPr>
-          <p:cNvPr id="73" name="Rectangle 8"/>
-          <p:cNvSpPr/>
-          <p:nvPr/>
-        </p:nvSpPr>
-        <p:spPr>
-          <a:xfrm>
-            <a:off x="7615738" y="2477656"/>
-            <a:ext cx="1259718" cy="346760"/>
-          </a:xfrm>
-          <a:prstGeom prst="rect">
-            <a:avLst/>
-          </a:prstGeom>
-          <a:ln w="19050"/>
-          <a:effectLst/>
-        </p:spPr>
-        <p:style>
-          <a:lnRef idx="1">
-            <a:schemeClr val="accent6"/>
-          </a:lnRef>
-          <a:fillRef idx="2">
-            <a:schemeClr val="accent6"/>
-          </a:fillRef>
-          <a:effectRef idx="1">
-            <a:schemeClr val="accent6"/>
-          </a:effectRef>
-          <a:fontRef idx="minor">
-            <a:schemeClr val="dk1"/>
-          </a:fontRef>
-        </p:style>
         <p:txBody>
           <a:bodyPr rtlCol="0" anchor="ctr"/>
           <a:lstStyle/>
           <a:p>
             <a:pPr algn="ctr"/>
             <a:r>
-              <a:rPr lang="en-US" sz="1050" b="1" dirty="0" err="1" smtClean="0">
+              <a:rPr lang="en-US" sz="1050" b="1" dirty="0">
                 <a:solidFill>
                   <a:schemeClr val="accent6">
                     <a:lumMod val="75000"/>
                   </a:schemeClr>
                 </a:solidFill>
               </a:rPr>
-              <a:t>XmlAdaptedTag</a:t>
+              <a:t>XmlAdaptedTask</a:t>
             </a:r>
             <a:endParaRPr lang="en-SG" sz="1050" b="1" dirty="0">
               <a:solidFill>
@@ -16712,62 +16280,6 @@
           </a:p>
         </p:txBody>
       </p:sp>
-      <p:sp>
-        <p:nvSpPr>
-          <p:cNvPr id="74" name="Rectangle 8"/>
-          <p:cNvSpPr/>
-          <p:nvPr/>
-        </p:nvSpPr>
-        <p:spPr>
-          <a:xfrm>
-            <a:off x="7615738" y="3159624"/>
-            <a:ext cx="1259718" cy="346760"/>
-          </a:xfrm>
-          <a:prstGeom prst="rect">
-            <a:avLst/>
-          </a:prstGeom>
-          <a:ln w="19050"/>
-          <a:effectLst/>
-        </p:spPr>
-        <p:style>
-          <a:lnRef idx="1">
-            <a:schemeClr val="accent6"/>
-          </a:lnRef>
-          <a:fillRef idx="2">
-            <a:schemeClr val="accent6"/>
-          </a:fillRef>
-          <a:effectRef idx="1">
-            <a:schemeClr val="accent6"/>
-          </a:effectRef>
-          <a:fontRef idx="minor">
-            <a:schemeClr val="dk1"/>
-          </a:fontRef>
-        </p:style>
-        <p:txBody>
-          <a:bodyPr rtlCol="0" anchor="ctr"/>
-          <a:lstStyle/>
-          <a:p>
-            <a:pPr algn="ctr"/>
-            <a:r>
-              <a:rPr lang="en-US" sz="1050" b="1" dirty="0" err="1" smtClean="0">
-                <a:solidFill>
-                  <a:schemeClr val="accent6">
-                    <a:lumMod val="75000"/>
-                  </a:schemeClr>
-                </a:solidFill>
-              </a:rPr>
-              <a:t>XmlAdaptedPerson</a:t>
-            </a:r>
-            <a:endParaRPr lang="en-SG" sz="1050" b="1" dirty="0">
-              <a:solidFill>
-                <a:schemeClr val="accent6">
-                  <a:lumMod val="75000"/>
-                </a:schemeClr>
-              </a:solidFill>
-            </a:endParaRPr>
-          </a:p>
-        </p:txBody>
-      </p:sp>
       <p:cxnSp>
         <p:nvCxnSpPr>
           <p:cNvPr id="77" name="Elbow Connector 122"/>
@@ -16779,7 +16291,7 @@
         </p:nvCxnSpPr>
         <p:spPr>
           <a:xfrm flipV="1">
-            <a:off x="7220507" y="3333004"/>
+            <a:off x="8744508" y="3333004"/>
             <a:ext cx="395231" cy="786"/>
           </a:xfrm>
           <a:prstGeom prst="bentConnector3">
@@ -16819,13 +16331,6 @@
   <p:clrMapOvr>
     <a:masterClrMapping/>
   </p:clrMapOvr>
-  <p:timing>
-    <p:tnLst>
-      <p:par>
-        <p:cTn id="1" dur="indefinite" restart="never" nodeType="tmRoot"/>
-      </p:par>
-    </p:tnLst>
-  </p:timing>
 </p:sld>
 </file>
 
